--- a/deliverables/13. Tech Support/istio/Istio 소개.pptx
+++ b/deliverables/13. Tech Support/istio/Istio 소개.pptx
@@ -5,15 +5,20 @@
     <p:sldMasterId id="2147483648" r:id="rId1"/>
   </p:sldMasterIdLst>
   <p:notesMasterIdLst>
-    <p:notesMasterId r:id="rId8"/>
+    <p:notesMasterId r:id="rId13"/>
   </p:notesMasterIdLst>
   <p:sldIdLst>
     <p:sldId id="259" r:id="rId2"/>
     <p:sldId id="260" r:id="rId3"/>
     <p:sldId id="261" r:id="rId4"/>
     <p:sldId id="262" r:id="rId5"/>
-    <p:sldId id="263" r:id="rId6"/>
-    <p:sldId id="264" r:id="rId7"/>
+    <p:sldId id="265" r:id="rId6"/>
+    <p:sldId id="266" r:id="rId7"/>
+    <p:sldId id="263" r:id="rId8"/>
+    <p:sldId id="264" r:id="rId9"/>
+    <p:sldId id="267" r:id="rId10"/>
+    <p:sldId id="268" r:id="rId11"/>
+    <p:sldId id="269" r:id="rId12"/>
   </p:sldIdLst>
   <p:sldSz cx="12192000" cy="6858000"/>
   <p:notesSz cx="6858000" cy="9144000"/>
@@ -205,7 +210,7 @@
           <a:p>
             <a:fld id="{6A5FDA30-7426-4308-B6AF-FFBCE9781BF1}" type="datetimeFigureOut">
               <a:rPr lang="ko-KR" altLang="en-US" smtClean="0"/>
-              <a:t>2019-05-06</a:t>
+              <a:t>2019-05-09</a:t>
             </a:fld>
             <a:endParaRPr lang="ko-KR" altLang="en-US"/>
           </a:p>
@@ -604,7 +609,7 @@
           <a:p>
             <a:fld id="{3E65A532-31AC-44A0-9830-B02FFD8915AD}" type="datetimeFigureOut">
               <a:rPr lang="ko-KR" altLang="en-US" smtClean="0"/>
-              <a:t>2019-05-06</a:t>
+              <a:t>2019-05-09</a:t>
             </a:fld>
             <a:endParaRPr lang="ko-KR" altLang="en-US"/>
           </a:p>
@@ -774,7 +779,7 @@
           <a:p>
             <a:fld id="{3E65A532-31AC-44A0-9830-B02FFD8915AD}" type="datetimeFigureOut">
               <a:rPr lang="ko-KR" altLang="en-US" smtClean="0"/>
-              <a:t>2019-05-06</a:t>
+              <a:t>2019-05-09</a:t>
             </a:fld>
             <a:endParaRPr lang="ko-KR" altLang="en-US"/>
           </a:p>
@@ -954,7 +959,7 @@
           <a:p>
             <a:fld id="{3E65A532-31AC-44A0-9830-B02FFD8915AD}" type="datetimeFigureOut">
               <a:rPr lang="ko-KR" altLang="en-US" smtClean="0"/>
-              <a:t>2019-05-06</a:t>
+              <a:t>2019-05-09</a:t>
             </a:fld>
             <a:endParaRPr lang="ko-KR" altLang="en-US"/>
           </a:p>
@@ -1124,7 +1129,7 @@
           <a:p>
             <a:fld id="{3E65A532-31AC-44A0-9830-B02FFD8915AD}" type="datetimeFigureOut">
               <a:rPr lang="ko-KR" altLang="en-US" smtClean="0"/>
-              <a:t>2019-05-06</a:t>
+              <a:t>2019-05-09</a:t>
             </a:fld>
             <a:endParaRPr lang="ko-KR" altLang="en-US"/>
           </a:p>
@@ -1370,7 +1375,7 @@
           <a:p>
             <a:fld id="{3E65A532-31AC-44A0-9830-B02FFD8915AD}" type="datetimeFigureOut">
               <a:rPr lang="ko-KR" altLang="en-US" smtClean="0"/>
-              <a:t>2019-05-06</a:t>
+              <a:t>2019-05-09</a:t>
             </a:fld>
             <a:endParaRPr lang="ko-KR" altLang="en-US"/>
           </a:p>
@@ -1602,7 +1607,7 @@
           <a:p>
             <a:fld id="{3E65A532-31AC-44A0-9830-B02FFD8915AD}" type="datetimeFigureOut">
               <a:rPr lang="ko-KR" altLang="en-US" smtClean="0"/>
-              <a:t>2019-05-06</a:t>
+              <a:t>2019-05-09</a:t>
             </a:fld>
             <a:endParaRPr lang="ko-KR" altLang="en-US"/>
           </a:p>
@@ -1969,7 +1974,7 @@
           <a:p>
             <a:fld id="{3E65A532-31AC-44A0-9830-B02FFD8915AD}" type="datetimeFigureOut">
               <a:rPr lang="ko-KR" altLang="en-US" smtClean="0"/>
-              <a:t>2019-05-06</a:t>
+              <a:t>2019-05-09</a:t>
             </a:fld>
             <a:endParaRPr lang="ko-KR" altLang="en-US"/>
           </a:p>
@@ -2087,7 +2092,7 @@
           <a:p>
             <a:fld id="{3E65A532-31AC-44A0-9830-B02FFD8915AD}" type="datetimeFigureOut">
               <a:rPr lang="ko-KR" altLang="en-US" smtClean="0"/>
-              <a:t>2019-05-06</a:t>
+              <a:t>2019-05-09</a:t>
             </a:fld>
             <a:endParaRPr lang="ko-KR" altLang="en-US"/>
           </a:p>
@@ -2182,7 +2187,7 @@
           <a:p>
             <a:fld id="{3E65A532-31AC-44A0-9830-B02FFD8915AD}" type="datetimeFigureOut">
               <a:rPr lang="ko-KR" altLang="en-US" smtClean="0"/>
-              <a:t>2019-05-06</a:t>
+              <a:t>2019-05-09</a:t>
             </a:fld>
             <a:endParaRPr lang="ko-KR" altLang="en-US"/>
           </a:p>
@@ -2459,7 +2464,7 @@
           <a:p>
             <a:fld id="{3E65A532-31AC-44A0-9830-B02FFD8915AD}" type="datetimeFigureOut">
               <a:rPr lang="ko-KR" altLang="en-US" smtClean="0"/>
-              <a:t>2019-05-06</a:t>
+              <a:t>2019-05-09</a:t>
             </a:fld>
             <a:endParaRPr lang="ko-KR" altLang="en-US"/>
           </a:p>
@@ -2712,7 +2717,7 @@
           <a:p>
             <a:fld id="{3E65A532-31AC-44A0-9830-B02FFD8915AD}" type="datetimeFigureOut">
               <a:rPr lang="ko-KR" altLang="en-US" smtClean="0"/>
-              <a:t>2019-05-06</a:t>
+              <a:t>2019-05-09</a:t>
             </a:fld>
             <a:endParaRPr lang="ko-KR" altLang="en-US"/>
           </a:p>
@@ -2925,7 +2930,7 @@
           <a:p>
             <a:fld id="{3E65A532-31AC-44A0-9830-B02FFD8915AD}" type="datetimeFigureOut">
               <a:rPr lang="ko-KR" altLang="en-US" smtClean="0"/>
-              <a:t>2019-05-06</a:t>
+              <a:t>2019-05-09</a:t>
             </a:fld>
             <a:endParaRPr lang="ko-KR" altLang="en-US"/>
           </a:p>
@@ -4543,6 +4548,778 @@
     <p:extLst>
       <p:ext uri="{BB962C8B-B14F-4D97-AF65-F5344CB8AC3E}">
         <p14:creationId xmlns:p14="http://schemas.microsoft.com/office/powerpoint/2010/main" val="2943089506"/>
+      </p:ext>
+    </p:extLst>
+  </p:cSld>
+  <p:clrMapOvr>
+    <a:masterClrMapping/>
+  </p:clrMapOvr>
+</p:sld>
+</file>
+
+<file path=ppt/slides/slide10.xml><?xml version="1.0" encoding="utf-8"?>
+<p:sld xmlns:a="http://schemas.openxmlformats.org/drawingml/2006/main" xmlns:r="http://schemas.openxmlformats.org/officeDocument/2006/relationships" xmlns:p="http://schemas.openxmlformats.org/presentationml/2006/main">
+  <p:cSld>
+    <p:spTree>
+      <p:nvGrpSpPr>
+        <p:cNvPr id="1" name=""/>
+        <p:cNvGrpSpPr/>
+        <p:nvPr/>
+      </p:nvGrpSpPr>
+      <p:grpSpPr>
+        <a:xfrm>
+          <a:off x="0" y="0"/>
+          <a:ext cx="0" cy="0"/>
+          <a:chOff x="0" y="0"/>
+          <a:chExt cx="0" cy="0"/>
+        </a:xfrm>
+      </p:grpSpPr>
+      <p:sp>
+        <p:nvSpPr>
+          <p:cNvPr id="2" name="직사각형 1"/>
+          <p:cNvSpPr/>
+          <p:nvPr/>
+        </p:nvSpPr>
+        <p:spPr>
+          <a:xfrm>
+            <a:off x="0" y="633845"/>
+            <a:ext cx="6546273" cy="103909"/>
+          </a:xfrm>
+          <a:prstGeom prst="rect">
+            <a:avLst/>
+          </a:prstGeom>
+          <a:solidFill>
+            <a:schemeClr val="tx1">
+              <a:lumMod val="75000"/>
+              <a:lumOff val="25000"/>
+            </a:schemeClr>
+          </a:solidFill>
+          <a:ln>
+            <a:noFill/>
+          </a:ln>
+        </p:spPr>
+        <p:style>
+          <a:lnRef idx="2">
+            <a:schemeClr val="accent1">
+              <a:shade val="50000"/>
+            </a:schemeClr>
+          </a:lnRef>
+          <a:fillRef idx="1">
+            <a:schemeClr val="accent1"/>
+          </a:fillRef>
+          <a:effectRef idx="0">
+            <a:schemeClr val="accent1"/>
+          </a:effectRef>
+          <a:fontRef idx="minor">
+            <a:schemeClr val="lt1"/>
+          </a:fontRef>
+        </p:style>
+        <p:txBody>
+          <a:bodyPr rtlCol="0" anchor="ctr"/>
+          <a:lstStyle/>
+          <a:p>
+            <a:pPr algn="ctr"/>
+            <a:endParaRPr lang="ko-KR" altLang="en-US"/>
+          </a:p>
+        </p:txBody>
+      </p:sp>
+      <p:sp>
+        <p:nvSpPr>
+          <p:cNvPr id="3" name="직사각형 2"/>
+          <p:cNvSpPr/>
+          <p:nvPr/>
+        </p:nvSpPr>
+        <p:spPr>
+          <a:xfrm>
+            <a:off x="6547553" y="633846"/>
+            <a:ext cx="3029784" cy="108012"/>
+          </a:xfrm>
+          <a:prstGeom prst="rect">
+            <a:avLst/>
+          </a:prstGeom>
+          <a:solidFill>
+            <a:schemeClr val="accent1">
+              <a:lumMod val="75000"/>
+            </a:schemeClr>
+          </a:solidFill>
+          <a:ln>
+            <a:noFill/>
+          </a:ln>
+        </p:spPr>
+        <p:style>
+          <a:lnRef idx="2">
+            <a:schemeClr val="accent1">
+              <a:shade val="50000"/>
+            </a:schemeClr>
+          </a:lnRef>
+          <a:fillRef idx="1">
+            <a:schemeClr val="accent1"/>
+          </a:fillRef>
+          <a:effectRef idx="0">
+            <a:schemeClr val="accent1"/>
+          </a:effectRef>
+          <a:fontRef idx="minor">
+            <a:schemeClr val="lt1"/>
+          </a:fontRef>
+        </p:style>
+        <p:txBody>
+          <a:bodyPr rtlCol="0" anchor="ctr"/>
+          <a:lstStyle/>
+          <a:p>
+            <a:pPr algn="ctr"/>
+            <a:endParaRPr lang="ko-KR" altLang="en-US"/>
+          </a:p>
+        </p:txBody>
+      </p:sp>
+      <p:sp>
+        <p:nvSpPr>
+          <p:cNvPr id="4" name="직사각형 3"/>
+          <p:cNvSpPr/>
+          <p:nvPr/>
+        </p:nvSpPr>
+        <p:spPr>
+          <a:xfrm>
+            <a:off x="9577337" y="630380"/>
+            <a:ext cx="2607735" cy="107374"/>
+          </a:xfrm>
+          <a:prstGeom prst="rect">
+            <a:avLst/>
+          </a:prstGeom>
+          <a:solidFill>
+            <a:schemeClr val="bg1">
+              <a:lumMod val="65000"/>
+            </a:schemeClr>
+          </a:solidFill>
+          <a:ln>
+            <a:noFill/>
+          </a:ln>
+        </p:spPr>
+        <p:style>
+          <a:lnRef idx="2">
+            <a:schemeClr val="accent1">
+              <a:shade val="50000"/>
+            </a:schemeClr>
+          </a:lnRef>
+          <a:fillRef idx="1">
+            <a:schemeClr val="accent1"/>
+          </a:fillRef>
+          <a:effectRef idx="0">
+            <a:schemeClr val="accent1"/>
+          </a:effectRef>
+          <a:fontRef idx="minor">
+            <a:schemeClr val="lt1"/>
+          </a:fontRef>
+        </p:style>
+        <p:txBody>
+          <a:bodyPr rtlCol="0" anchor="ctr"/>
+          <a:lstStyle/>
+          <a:p>
+            <a:pPr algn="ctr"/>
+            <a:endParaRPr lang="ko-KR" altLang="en-US"/>
+          </a:p>
+        </p:txBody>
+      </p:sp>
+      <p:sp>
+        <p:nvSpPr>
+          <p:cNvPr id="5" name="TextBox 4"/>
+          <p:cNvSpPr txBox="1"/>
+          <p:nvPr/>
+        </p:nvSpPr>
+        <p:spPr>
+          <a:xfrm>
+            <a:off x="509154" y="187035"/>
+            <a:ext cx="2069797" cy="369332"/>
+          </a:xfrm>
+          <a:prstGeom prst="rect">
+            <a:avLst/>
+          </a:prstGeom>
+          <a:noFill/>
+        </p:spPr>
+        <p:txBody>
+          <a:bodyPr wrap="none" rtlCol="0">
+            <a:spAutoFit/>
+          </a:bodyPr>
+          <a:lstStyle/>
+          <a:p>
+            <a:r>
+              <a:rPr lang="en-US" altLang="ko-KR" b="1" dirty="0" err="1" smtClean="0"/>
+              <a:t>Istio</a:t>
+            </a:r>
+            <a:r>
+              <a:rPr lang="ko-KR" altLang="en-US" b="1" dirty="0" smtClean="0"/>
+              <a:t> 주요 </a:t>
+            </a:r>
+            <a:r>
+              <a:rPr lang="en-US" altLang="ko-KR" b="1" dirty="0" smtClean="0"/>
+              <a:t>objects</a:t>
+            </a:r>
+            <a:endParaRPr lang="ko-KR" altLang="en-US" b="1" dirty="0"/>
+          </a:p>
+        </p:txBody>
+      </p:sp>
+      <p:sp>
+        <p:nvSpPr>
+          <p:cNvPr id="45" name="TextBox 44"/>
+          <p:cNvSpPr txBox="1"/>
+          <p:nvPr/>
+        </p:nvSpPr>
+        <p:spPr>
+          <a:xfrm>
+            <a:off x="421430" y="960702"/>
+            <a:ext cx="10852843" cy="3785652"/>
+          </a:xfrm>
+          <a:prstGeom prst="rect">
+            <a:avLst/>
+          </a:prstGeom>
+          <a:noFill/>
+        </p:spPr>
+        <p:txBody>
+          <a:bodyPr wrap="none" rtlCol="0">
+            <a:spAutoFit/>
+          </a:bodyPr>
+          <a:lstStyle/>
+          <a:p>
+            <a:r>
+              <a:rPr lang="en-US" altLang="ko-KR" sz="1600" dirty="0" smtClean="0"/>
+              <a:t>3. </a:t>
+            </a:r>
+            <a:r>
+              <a:rPr lang="en-US" altLang="ko-KR" sz="1600" dirty="0" err="1" smtClean="0"/>
+              <a:t>DestinationRule</a:t>
+            </a:r>
+            <a:endParaRPr lang="en-US" altLang="ko-KR" sz="1600" dirty="0" smtClean="0"/>
+          </a:p>
+          <a:p>
+            <a:endParaRPr lang="en-US" altLang="ko-KR" sz="1600" dirty="0"/>
+          </a:p>
+          <a:p>
+            <a:r>
+              <a:rPr lang="ko-KR" altLang="en-US" sz="1600" dirty="0" err="1" smtClean="0"/>
+              <a:t>트래픽</a:t>
+            </a:r>
+            <a:r>
+              <a:rPr lang="ko-KR" altLang="en-US" sz="1600" dirty="0" smtClean="0"/>
+              <a:t> </a:t>
+            </a:r>
+            <a:r>
+              <a:rPr lang="ko-KR" altLang="en-US" sz="1600" dirty="0" err="1" smtClean="0"/>
+              <a:t>라우팅</a:t>
+            </a:r>
+            <a:r>
+              <a:rPr lang="ko-KR" altLang="en-US" sz="1600" dirty="0" smtClean="0"/>
+              <a:t> 이후의 정책을 설정한다</a:t>
+            </a:r>
+            <a:r>
+              <a:rPr lang="en-US" altLang="ko-KR" sz="1600" dirty="0" smtClean="0"/>
+              <a:t>.</a:t>
+            </a:r>
+          </a:p>
+          <a:p>
+            <a:r>
+              <a:rPr lang="en-US" altLang="ko-KR" sz="1600" dirty="0"/>
+              <a:t> </a:t>
+            </a:r>
+            <a:r>
+              <a:rPr lang="en-US" altLang="ko-KR" sz="1600" dirty="0" smtClean="0"/>
+              <a:t>1) load balancing </a:t>
+            </a:r>
+            <a:r>
+              <a:rPr lang="ko-KR" altLang="en-US" sz="1600" dirty="0" smtClean="0"/>
+              <a:t>정책</a:t>
+            </a:r>
+            <a:r>
+              <a:rPr lang="en-US" altLang="ko-KR" sz="1600" dirty="0" smtClean="0"/>
+              <a:t>(round robin, least connection, </a:t>
+            </a:r>
+            <a:r>
+              <a:rPr lang="en-US" altLang="ko-KR" sz="1600" dirty="0" err="1" smtClean="0"/>
+              <a:t>consistentHash</a:t>
+            </a:r>
+            <a:r>
+              <a:rPr lang="en-US" altLang="ko-KR" sz="1600" dirty="0" smtClean="0"/>
+              <a:t>)</a:t>
+            </a:r>
+          </a:p>
+          <a:p>
+            <a:r>
+              <a:rPr lang="en-US" altLang="ko-KR" sz="1600" dirty="0"/>
+              <a:t> </a:t>
+            </a:r>
+            <a:r>
+              <a:rPr lang="en-US" altLang="ko-KR" sz="1600" dirty="0" smtClean="0"/>
+              <a:t>2) connection pool</a:t>
+            </a:r>
+          </a:p>
+          <a:p>
+            <a:r>
+              <a:rPr lang="en-US" altLang="ko-KR" sz="1600" dirty="0"/>
+              <a:t> </a:t>
+            </a:r>
+            <a:r>
+              <a:rPr lang="en-US" altLang="ko-KR" sz="1600" dirty="0" smtClean="0"/>
+              <a:t>3) connection timeout</a:t>
+            </a:r>
+          </a:p>
+          <a:p>
+            <a:r>
+              <a:rPr lang="en-US" altLang="ko-KR" sz="1600" dirty="0"/>
+              <a:t> 4</a:t>
+            </a:r>
+            <a:r>
+              <a:rPr lang="en-US" altLang="ko-KR" sz="1600" dirty="0" smtClean="0"/>
+              <a:t>) outlier detection (circuit breaker)</a:t>
+            </a:r>
+          </a:p>
+          <a:p>
+            <a:r>
+              <a:rPr lang="en-US" altLang="ko-KR" sz="1600" dirty="0"/>
+              <a:t> 5</a:t>
+            </a:r>
+            <a:r>
+              <a:rPr lang="en-US" altLang="ko-KR" sz="1600" dirty="0" smtClean="0"/>
+              <a:t>) subset (sub version service)</a:t>
+            </a:r>
+          </a:p>
+          <a:p>
+            <a:r>
+              <a:rPr lang="en-US" altLang="ko-KR" sz="1600" dirty="0"/>
+              <a:t> 6</a:t>
+            </a:r>
+            <a:r>
+              <a:rPr lang="en-US" altLang="ko-KR" sz="1600" dirty="0" smtClean="0"/>
+              <a:t>) </a:t>
+            </a:r>
+            <a:r>
+              <a:rPr lang="en-US" altLang="ko-KR" sz="1600" dirty="0" err="1" smtClean="0"/>
+              <a:t>tls</a:t>
+            </a:r>
+            <a:r>
+              <a:rPr lang="en-US" altLang="ko-KR" sz="1600" dirty="0" smtClean="0"/>
+              <a:t> setting (envoy</a:t>
+            </a:r>
+            <a:r>
+              <a:rPr lang="ko-KR" altLang="en-US" sz="1600" dirty="0" smtClean="0"/>
+              <a:t>간 통신 시</a:t>
+            </a:r>
+            <a:r>
+              <a:rPr lang="en-US" altLang="ko-KR" sz="1600" dirty="0" smtClean="0"/>
+              <a:t>)</a:t>
+            </a:r>
+          </a:p>
+          <a:p>
+            <a:endParaRPr lang="en-US" altLang="ko-KR" sz="1600" dirty="0"/>
+          </a:p>
+          <a:p>
+            <a:r>
+              <a:rPr lang="en-US" altLang="ko-KR" sz="1600" dirty="0" smtClean="0"/>
+              <a:t>4. </a:t>
+            </a:r>
+            <a:r>
+              <a:rPr lang="en-US" altLang="ko-KR" sz="1600" dirty="0" err="1" smtClean="0"/>
+              <a:t>ServiceEntry</a:t>
+            </a:r>
+            <a:endParaRPr lang="en-US" altLang="ko-KR" sz="1600" dirty="0" smtClean="0"/>
+          </a:p>
+          <a:p>
+            <a:endParaRPr lang="en-US" altLang="ko-KR" sz="1600" dirty="0"/>
+          </a:p>
+          <a:p>
+            <a:r>
+              <a:rPr lang="en-US" altLang="ko-KR" sz="1600" dirty="0"/>
+              <a:t>Service Mesh </a:t>
+            </a:r>
+            <a:r>
+              <a:rPr lang="en-US" altLang="ko-KR" sz="1600" dirty="0" err="1"/>
+              <a:t>Istio</a:t>
+            </a:r>
+            <a:r>
+              <a:rPr lang="en-US" altLang="ko-KR" sz="1600" dirty="0"/>
+              <a:t> </a:t>
+            </a:r>
+            <a:r>
+              <a:rPr lang="ko-KR" altLang="en-US" sz="1600" dirty="0"/>
+              <a:t>솔루션 적용 환경은 기본적으로 </a:t>
+            </a:r>
+            <a:r>
+              <a:rPr lang="en-US" altLang="ko-KR" sz="1600" dirty="0"/>
+              <a:t>Service </a:t>
+            </a:r>
+            <a:r>
+              <a:rPr lang="en-US" altLang="ko-KR" sz="1600" dirty="0" smtClean="0"/>
+              <a:t>Mesh </a:t>
+            </a:r>
+            <a:r>
+              <a:rPr lang="ko-KR" altLang="en-US" sz="1600" dirty="0"/>
+              <a:t>외부와의 통신이 불가능하다</a:t>
+            </a:r>
+            <a:r>
+              <a:rPr lang="en-US" altLang="ko-KR" sz="1600" dirty="0" smtClean="0"/>
+              <a:t>.</a:t>
+            </a:r>
+          </a:p>
+          <a:p>
+            <a:r>
+              <a:rPr lang="ko-KR" altLang="en-US" sz="1600" dirty="0" smtClean="0"/>
+              <a:t>이는 </a:t>
+            </a:r>
+            <a:r>
+              <a:rPr lang="ko-KR" altLang="en-US" sz="1600" dirty="0"/>
+              <a:t>대외기관 뿐만 아니라 클러스터 외부에 존재하는 </a:t>
+            </a:r>
+            <a:r>
+              <a:rPr lang="ko-KR" altLang="en-US" sz="1600" dirty="0" err="1"/>
+              <a:t>사내망</a:t>
+            </a:r>
+            <a:r>
+              <a:rPr lang="ko-KR" altLang="en-US" sz="1600" dirty="0"/>
+              <a:t> 장비에도 동일하게 적용된다</a:t>
+            </a:r>
+            <a:r>
+              <a:rPr lang="en-US" altLang="ko-KR" sz="1600" dirty="0"/>
+              <a:t>. </a:t>
+            </a:r>
+            <a:r>
+              <a:rPr lang="en-US" altLang="ko-KR" sz="1600" dirty="0" err="1"/>
+              <a:t>ServiceEntry</a:t>
+            </a:r>
+            <a:r>
+              <a:rPr lang="ko-KR" altLang="en-US" sz="1600" dirty="0"/>
+              <a:t>를 </a:t>
+            </a:r>
+            <a:r>
+              <a:rPr lang="ko-KR" altLang="en-US" sz="1600" dirty="0" smtClean="0"/>
+              <a:t>사용하여</a:t>
+            </a:r>
+            <a:endParaRPr lang="en-US" altLang="ko-KR" sz="1600" dirty="0" smtClean="0"/>
+          </a:p>
+          <a:p>
+            <a:r>
+              <a:rPr lang="ko-KR" altLang="en-US" sz="1600" dirty="0" smtClean="0"/>
+              <a:t>명시적으로 </a:t>
+            </a:r>
+            <a:r>
+              <a:rPr lang="ko-KR" altLang="en-US" sz="1600" dirty="0"/>
+              <a:t>외부 서비스를 등록함으로써 등록된 외부 서비스와 통신이 가능하다</a:t>
+            </a:r>
+            <a:r>
+              <a:rPr lang="en-US" altLang="ko-KR" sz="1600" dirty="0"/>
+              <a:t>.</a:t>
+            </a:r>
+            <a:endParaRPr lang="en-US" altLang="ko-KR" sz="1600" dirty="0" smtClean="0"/>
+          </a:p>
+        </p:txBody>
+      </p:sp>
+    </p:spTree>
+    <p:extLst>
+      <p:ext uri="{BB962C8B-B14F-4D97-AF65-F5344CB8AC3E}">
+        <p14:creationId xmlns:p14="http://schemas.microsoft.com/office/powerpoint/2010/main" val="2848800162"/>
+      </p:ext>
+    </p:extLst>
+  </p:cSld>
+  <p:clrMapOvr>
+    <a:masterClrMapping/>
+  </p:clrMapOvr>
+</p:sld>
+</file>
+
+<file path=ppt/slides/slide11.xml><?xml version="1.0" encoding="utf-8"?>
+<p:sld xmlns:a="http://schemas.openxmlformats.org/drawingml/2006/main" xmlns:r="http://schemas.openxmlformats.org/officeDocument/2006/relationships" xmlns:p="http://schemas.openxmlformats.org/presentationml/2006/main">
+  <p:cSld>
+    <p:spTree>
+      <p:nvGrpSpPr>
+        <p:cNvPr id="1" name=""/>
+        <p:cNvGrpSpPr/>
+        <p:nvPr/>
+      </p:nvGrpSpPr>
+      <p:grpSpPr>
+        <a:xfrm>
+          <a:off x="0" y="0"/>
+          <a:ext cx="0" cy="0"/>
+          <a:chOff x="0" y="0"/>
+          <a:chExt cx="0" cy="0"/>
+        </a:xfrm>
+      </p:grpSpPr>
+      <p:sp>
+        <p:nvSpPr>
+          <p:cNvPr id="2" name="직사각형 1"/>
+          <p:cNvSpPr/>
+          <p:nvPr/>
+        </p:nvSpPr>
+        <p:spPr>
+          <a:xfrm>
+            <a:off x="0" y="633845"/>
+            <a:ext cx="6546273" cy="103909"/>
+          </a:xfrm>
+          <a:prstGeom prst="rect">
+            <a:avLst/>
+          </a:prstGeom>
+          <a:solidFill>
+            <a:schemeClr val="tx1">
+              <a:lumMod val="75000"/>
+              <a:lumOff val="25000"/>
+            </a:schemeClr>
+          </a:solidFill>
+          <a:ln>
+            <a:noFill/>
+          </a:ln>
+        </p:spPr>
+        <p:style>
+          <a:lnRef idx="2">
+            <a:schemeClr val="accent1">
+              <a:shade val="50000"/>
+            </a:schemeClr>
+          </a:lnRef>
+          <a:fillRef idx="1">
+            <a:schemeClr val="accent1"/>
+          </a:fillRef>
+          <a:effectRef idx="0">
+            <a:schemeClr val="accent1"/>
+          </a:effectRef>
+          <a:fontRef idx="minor">
+            <a:schemeClr val="lt1"/>
+          </a:fontRef>
+        </p:style>
+        <p:txBody>
+          <a:bodyPr rtlCol="0" anchor="ctr"/>
+          <a:lstStyle/>
+          <a:p>
+            <a:pPr algn="ctr"/>
+            <a:endParaRPr lang="ko-KR" altLang="en-US"/>
+          </a:p>
+        </p:txBody>
+      </p:sp>
+      <p:sp>
+        <p:nvSpPr>
+          <p:cNvPr id="3" name="직사각형 2"/>
+          <p:cNvSpPr/>
+          <p:nvPr/>
+        </p:nvSpPr>
+        <p:spPr>
+          <a:xfrm>
+            <a:off x="6547553" y="633846"/>
+            <a:ext cx="3029784" cy="108012"/>
+          </a:xfrm>
+          <a:prstGeom prst="rect">
+            <a:avLst/>
+          </a:prstGeom>
+          <a:solidFill>
+            <a:schemeClr val="accent1">
+              <a:lumMod val="75000"/>
+            </a:schemeClr>
+          </a:solidFill>
+          <a:ln>
+            <a:noFill/>
+          </a:ln>
+        </p:spPr>
+        <p:style>
+          <a:lnRef idx="2">
+            <a:schemeClr val="accent1">
+              <a:shade val="50000"/>
+            </a:schemeClr>
+          </a:lnRef>
+          <a:fillRef idx="1">
+            <a:schemeClr val="accent1"/>
+          </a:fillRef>
+          <a:effectRef idx="0">
+            <a:schemeClr val="accent1"/>
+          </a:effectRef>
+          <a:fontRef idx="minor">
+            <a:schemeClr val="lt1"/>
+          </a:fontRef>
+        </p:style>
+        <p:txBody>
+          <a:bodyPr rtlCol="0" anchor="ctr"/>
+          <a:lstStyle/>
+          <a:p>
+            <a:pPr algn="ctr"/>
+            <a:endParaRPr lang="ko-KR" altLang="en-US"/>
+          </a:p>
+        </p:txBody>
+      </p:sp>
+      <p:sp>
+        <p:nvSpPr>
+          <p:cNvPr id="4" name="직사각형 3"/>
+          <p:cNvSpPr/>
+          <p:nvPr/>
+        </p:nvSpPr>
+        <p:spPr>
+          <a:xfrm>
+            <a:off x="9577337" y="630380"/>
+            <a:ext cx="2607735" cy="107374"/>
+          </a:xfrm>
+          <a:prstGeom prst="rect">
+            <a:avLst/>
+          </a:prstGeom>
+          <a:solidFill>
+            <a:schemeClr val="bg1">
+              <a:lumMod val="65000"/>
+            </a:schemeClr>
+          </a:solidFill>
+          <a:ln>
+            <a:noFill/>
+          </a:ln>
+        </p:spPr>
+        <p:style>
+          <a:lnRef idx="2">
+            <a:schemeClr val="accent1">
+              <a:shade val="50000"/>
+            </a:schemeClr>
+          </a:lnRef>
+          <a:fillRef idx="1">
+            <a:schemeClr val="accent1"/>
+          </a:fillRef>
+          <a:effectRef idx="0">
+            <a:schemeClr val="accent1"/>
+          </a:effectRef>
+          <a:fontRef idx="minor">
+            <a:schemeClr val="lt1"/>
+          </a:fontRef>
+        </p:style>
+        <p:txBody>
+          <a:bodyPr rtlCol="0" anchor="ctr"/>
+          <a:lstStyle/>
+          <a:p>
+            <a:pPr algn="ctr"/>
+            <a:endParaRPr lang="ko-KR" altLang="en-US"/>
+          </a:p>
+        </p:txBody>
+      </p:sp>
+      <p:sp>
+        <p:nvSpPr>
+          <p:cNvPr id="5" name="TextBox 4"/>
+          <p:cNvSpPr txBox="1"/>
+          <p:nvPr/>
+        </p:nvSpPr>
+        <p:spPr>
+          <a:xfrm>
+            <a:off x="509154" y="187035"/>
+            <a:ext cx="3288080" cy="369332"/>
+          </a:xfrm>
+          <a:prstGeom prst="rect">
+            <a:avLst/>
+          </a:prstGeom>
+          <a:noFill/>
+        </p:spPr>
+        <p:txBody>
+          <a:bodyPr wrap="none" rtlCol="0">
+            <a:spAutoFit/>
+          </a:bodyPr>
+          <a:lstStyle/>
+          <a:p>
+            <a:r>
+              <a:rPr lang="en-US" altLang="ko-KR" b="1" dirty="0" err="1" smtClean="0"/>
+              <a:t>Istio</a:t>
+            </a:r>
+            <a:r>
+              <a:rPr lang="ko-KR" altLang="en-US" b="1" dirty="0" smtClean="0"/>
+              <a:t> </a:t>
+            </a:r>
+            <a:r>
+              <a:rPr lang="en-US" altLang="ko-KR" b="1" dirty="0" err="1" smtClean="0"/>
+              <a:t>Compenent</a:t>
+            </a:r>
+            <a:r>
+              <a:rPr lang="en-US" altLang="ko-KR" b="1" dirty="0" smtClean="0"/>
+              <a:t> debugging</a:t>
+            </a:r>
+            <a:endParaRPr lang="ko-KR" altLang="en-US" b="1" dirty="0"/>
+          </a:p>
+        </p:txBody>
+      </p:sp>
+      <p:sp>
+        <p:nvSpPr>
+          <p:cNvPr id="45" name="TextBox 44"/>
+          <p:cNvSpPr txBox="1"/>
+          <p:nvPr/>
+        </p:nvSpPr>
+        <p:spPr>
+          <a:xfrm>
+            <a:off x="421430" y="960702"/>
+            <a:ext cx="6905288" cy="830997"/>
+          </a:xfrm>
+          <a:prstGeom prst="rect">
+            <a:avLst/>
+          </a:prstGeom>
+          <a:noFill/>
+        </p:spPr>
+        <p:txBody>
+          <a:bodyPr wrap="none" rtlCol="0">
+            <a:spAutoFit/>
+          </a:bodyPr>
+          <a:lstStyle/>
+          <a:p>
+            <a:r>
+              <a:rPr lang="en-US" altLang="ko-KR" sz="1600" dirty="0" err="1" smtClean="0"/>
+              <a:t>istioctl</a:t>
+            </a:r>
+            <a:r>
+              <a:rPr lang="en-US" altLang="ko-KR" sz="1600" dirty="0" smtClean="0"/>
+              <a:t> proxy-status</a:t>
+            </a:r>
+          </a:p>
+          <a:p>
+            <a:endParaRPr lang="en-US" altLang="ko-KR" sz="1600" dirty="0"/>
+          </a:p>
+          <a:p>
+            <a:pPr marL="285750" indent="-285750">
+              <a:buFont typeface="Wingdings" panose="05000000000000000000" pitchFamily="2" charset="2"/>
+              <a:buChar char="à"/>
+            </a:pPr>
+            <a:r>
+              <a:rPr lang="en-US" altLang="ko-KR" sz="1600" dirty="0" smtClean="0">
+                <a:sym typeface="Wingdings" panose="05000000000000000000" pitchFamily="2" charset="2"/>
+              </a:rPr>
+              <a:t>Pilot instance </a:t>
+            </a:r>
+            <a:r>
+              <a:rPr lang="ko-KR" altLang="en-US" sz="1600" dirty="0" smtClean="0">
+                <a:sym typeface="Wingdings" panose="05000000000000000000" pitchFamily="2" charset="2"/>
+              </a:rPr>
+              <a:t>연결된 </a:t>
+            </a:r>
+            <a:r>
+              <a:rPr lang="en-US" altLang="ko-KR" sz="1600" dirty="0" err="1" smtClean="0">
+                <a:sym typeface="Wingdings" panose="05000000000000000000" pitchFamily="2" charset="2"/>
+              </a:rPr>
+              <a:t>istio</a:t>
+            </a:r>
+            <a:r>
+              <a:rPr lang="en-US" altLang="ko-KR" sz="1600" dirty="0" smtClean="0">
+                <a:sym typeface="Wingdings" panose="05000000000000000000" pitchFamily="2" charset="2"/>
+              </a:rPr>
+              <a:t>-proxy</a:t>
+            </a:r>
+            <a:r>
+              <a:rPr lang="ko-KR" altLang="en-US" sz="1600" dirty="0" smtClean="0">
+                <a:sym typeface="Wingdings" panose="05000000000000000000" pitchFamily="2" charset="2"/>
+              </a:rPr>
+              <a:t>를 가지고 있는 </a:t>
+            </a:r>
+            <a:r>
+              <a:rPr lang="en-US" altLang="ko-KR" sz="1600" dirty="0" smtClean="0">
+                <a:sym typeface="Wingdings" panose="05000000000000000000" pitchFamily="2" charset="2"/>
+              </a:rPr>
+              <a:t>pod </a:t>
+            </a:r>
+            <a:r>
+              <a:rPr lang="ko-KR" altLang="en-US" sz="1600" dirty="0" smtClean="0">
+                <a:sym typeface="Wingdings" panose="05000000000000000000" pitchFamily="2" charset="2"/>
+              </a:rPr>
+              <a:t>정보를 확인한다</a:t>
+            </a:r>
+            <a:r>
+              <a:rPr lang="en-US" altLang="ko-KR" sz="1600" dirty="0" smtClean="0">
+                <a:sym typeface="Wingdings" panose="05000000000000000000" pitchFamily="2" charset="2"/>
+              </a:rPr>
+              <a:t>.</a:t>
+            </a:r>
+          </a:p>
+        </p:txBody>
+      </p:sp>
+    </p:spTree>
+    <p:extLst>
+      <p:ext uri="{BB962C8B-B14F-4D97-AF65-F5344CB8AC3E}">
+        <p14:creationId xmlns:p14="http://schemas.microsoft.com/office/powerpoint/2010/main" val="1497005087"/>
       </p:ext>
     </p:extLst>
   </p:cSld>
@@ -7731,7 +8508,7 @@
         <p:spPr>
           <a:xfrm>
             <a:off x="509154" y="187035"/>
-            <a:ext cx="2069797" cy="369332"/>
+            <a:ext cx="1526380" cy="369332"/>
           </a:xfrm>
           <a:prstGeom prst="rect">
             <a:avLst/>
@@ -7749,12 +8526,8 @@
               <a:t>Istio</a:t>
             </a:r>
             <a:r>
-              <a:rPr lang="en-US" altLang="ko-KR" b="1" dirty="0" smtClean="0"/>
+              <a:rPr lang="ko-KR" altLang="en-US" b="1" dirty="0" smtClean="0"/>
               <a:t> </a:t>
-            </a:r>
-            <a:r>
-              <a:rPr lang="ko-KR" altLang="en-US" b="1" smtClean="0"/>
-              <a:t>주요 </a:t>
             </a:r>
             <a:r>
               <a:rPr lang="en-US" altLang="ko-KR" b="1" dirty="0" smtClean="0"/>
@@ -7766,61 +8539,20 @@
       </p:sp>
       <p:sp>
         <p:nvSpPr>
-          <p:cNvPr id="6" name="직사각형 5"/>
-          <p:cNvSpPr/>
+          <p:cNvPr id="45" name="TextBox 44"/>
+          <p:cNvSpPr txBox="1"/>
           <p:nvPr/>
         </p:nvSpPr>
         <p:spPr>
           <a:xfrm>
-            <a:off x="1463960" y="1756709"/>
-            <a:ext cx="8876662" cy="4745695"/>
+            <a:off x="421430" y="960702"/>
+            <a:ext cx="10365210" cy="5816977"/>
           </a:xfrm>
           <a:prstGeom prst="rect">
             <a:avLst/>
           </a:prstGeom>
           <a:noFill/>
         </p:spPr>
-        <p:style>
-          <a:lnRef idx="2">
-            <a:schemeClr val="accent1">
-              <a:shade val="50000"/>
-            </a:schemeClr>
-          </a:lnRef>
-          <a:fillRef idx="1">
-            <a:schemeClr val="accent1"/>
-          </a:fillRef>
-          <a:effectRef idx="0">
-            <a:schemeClr val="accent1"/>
-          </a:effectRef>
-          <a:fontRef idx="minor">
-            <a:schemeClr val="lt1"/>
-          </a:fontRef>
-        </p:style>
-        <p:txBody>
-          <a:bodyPr rtlCol="0" anchor="ctr"/>
-          <a:lstStyle/>
-          <a:p>
-            <a:pPr algn="ctr"/>
-            <a:endParaRPr lang="ko-KR" altLang="en-US"/>
-          </a:p>
-        </p:txBody>
-      </p:sp>
-      <p:sp>
-        <p:nvSpPr>
-          <p:cNvPr id="7" name="TextBox 6"/>
-          <p:cNvSpPr txBox="1"/>
-          <p:nvPr/>
-        </p:nvSpPr>
-        <p:spPr>
-          <a:xfrm>
-            <a:off x="1463960" y="1752606"/>
-            <a:ext cx="865622" cy="369332"/>
-          </a:xfrm>
-          <a:prstGeom prst="rect">
-            <a:avLst/>
-          </a:prstGeom>
-          <a:noFill/>
-        </p:spPr>
         <p:txBody>
           <a:bodyPr wrap="none" rtlCol="0">
             <a:spAutoFit/>
@@ -7828,1080 +8560,485 @@
           <a:lstStyle/>
           <a:p>
             <a:r>
-              <a:rPr lang="en-US" altLang="ko-KR" dirty="0" smtClean="0"/>
-              <a:t>cluster</a:t>
-            </a:r>
-            <a:endParaRPr lang="ko-KR" altLang="en-US"/>
-          </a:p>
-        </p:txBody>
-      </p:sp>
-      <p:sp>
-        <p:nvSpPr>
-          <p:cNvPr id="8" name="직사각형 7"/>
-          <p:cNvSpPr/>
-          <p:nvPr/>
-        </p:nvSpPr>
-        <p:spPr>
-          <a:xfrm>
-            <a:off x="1896771" y="2528716"/>
-            <a:ext cx="1162514" cy="733778"/>
-          </a:xfrm>
-          <a:prstGeom prst="rect">
-            <a:avLst/>
-          </a:prstGeom>
-          <a:noFill/>
-        </p:spPr>
-        <p:style>
-          <a:lnRef idx="2">
-            <a:schemeClr val="accent1">
-              <a:shade val="50000"/>
-            </a:schemeClr>
-          </a:lnRef>
-          <a:fillRef idx="1">
-            <a:schemeClr val="accent1"/>
-          </a:fillRef>
-          <a:effectRef idx="0">
-            <a:schemeClr val="accent1"/>
-          </a:effectRef>
-          <a:fontRef idx="minor">
-            <a:schemeClr val="lt1"/>
-          </a:fontRef>
-        </p:style>
-        <p:txBody>
-          <a:bodyPr rtlCol="0" anchor="ctr"/>
-          <a:lstStyle/>
-          <a:p>
-            <a:pPr algn="ctr"/>
-            <a:r>
-              <a:rPr lang="en-US" altLang="ko-KR" dirty="0" smtClean="0">
-                <a:solidFill>
-                  <a:schemeClr val="tx1"/>
-                </a:solidFill>
-              </a:rPr>
-              <a:t>ingress</a:t>
-            </a:r>
-          </a:p>
-          <a:p>
-            <a:pPr algn="ctr"/>
-            <a:r>
-              <a:rPr lang="en-US" altLang="ko-KR" dirty="0" smtClean="0">
-                <a:solidFill>
-                  <a:schemeClr val="tx1"/>
-                </a:solidFill>
-              </a:rPr>
-              <a:t>pod</a:t>
-            </a:r>
-            <a:endParaRPr lang="ko-KR" altLang="en-US">
-              <a:solidFill>
-                <a:schemeClr val="tx1"/>
-              </a:solidFill>
-            </a:endParaRPr>
-          </a:p>
-        </p:txBody>
-      </p:sp>
-      <p:sp>
-        <p:nvSpPr>
-          <p:cNvPr id="10" name="직사각형 9"/>
-          <p:cNvSpPr/>
-          <p:nvPr/>
-        </p:nvSpPr>
-        <p:spPr>
-          <a:xfrm>
-            <a:off x="4439336" y="2528716"/>
-            <a:ext cx="1162514" cy="733778"/>
-          </a:xfrm>
-          <a:prstGeom prst="rect">
-            <a:avLst/>
-          </a:prstGeom>
-          <a:noFill/>
-        </p:spPr>
-        <p:style>
-          <a:lnRef idx="2">
-            <a:schemeClr val="accent1">
-              <a:shade val="50000"/>
-            </a:schemeClr>
-          </a:lnRef>
-          <a:fillRef idx="1">
-            <a:schemeClr val="accent1"/>
-          </a:fillRef>
-          <a:effectRef idx="0">
-            <a:schemeClr val="accent1"/>
-          </a:effectRef>
-          <a:fontRef idx="minor">
-            <a:schemeClr val="lt1"/>
-          </a:fontRef>
-        </p:style>
-        <p:txBody>
-          <a:bodyPr rtlCol="0" anchor="ctr"/>
-          <a:lstStyle/>
-          <a:p>
-            <a:pPr algn="ctr"/>
-            <a:r>
-              <a:rPr lang="en-US" altLang="ko-KR" dirty="0" smtClean="0">
-                <a:solidFill>
-                  <a:schemeClr val="tx1"/>
-                </a:solidFill>
-              </a:rPr>
-              <a:t>svc</a:t>
-            </a:r>
-          </a:p>
-          <a:p>
-            <a:pPr algn="ctr"/>
-            <a:r>
-              <a:rPr lang="en-US" altLang="ko-KR" dirty="0" smtClean="0">
-                <a:solidFill>
-                  <a:schemeClr val="tx1"/>
-                </a:solidFill>
-              </a:rPr>
-              <a:t>pod</a:t>
-            </a:r>
-            <a:endParaRPr lang="ko-KR" altLang="en-US">
-              <a:solidFill>
-                <a:schemeClr val="tx1"/>
-              </a:solidFill>
-            </a:endParaRPr>
-          </a:p>
-        </p:txBody>
-      </p:sp>
-      <p:sp>
-        <p:nvSpPr>
-          <p:cNvPr id="11" name="직사각형 10"/>
-          <p:cNvSpPr/>
-          <p:nvPr/>
-        </p:nvSpPr>
-        <p:spPr>
-          <a:xfrm>
-            <a:off x="7074784" y="2528716"/>
-            <a:ext cx="1162514" cy="733778"/>
-          </a:xfrm>
-          <a:prstGeom prst="rect">
-            <a:avLst/>
-          </a:prstGeom>
-          <a:noFill/>
-        </p:spPr>
-        <p:style>
-          <a:lnRef idx="2">
-            <a:schemeClr val="accent1">
-              <a:shade val="50000"/>
-            </a:schemeClr>
-          </a:lnRef>
-          <a:fillRef idx="1">
-            <a:schemeClr val="accent1"/>
-          </a:fillRef>
-          <a:effectRef idx="0">
-            <a:schemeClr val="accent1"/>
-          </a:effectRef>
-          <a:fontRef idx="minor">
-            <a:schemeClr val="lt1"/>
-          </a:fontRef>
-        </p:style>
-        <p:txBody>
-          <a:bodyPr rtlCol="0" anchor="ctr"/>
-          <a:lstStyle/>
-          <a:p>
-            <a:pPr algn="ctr"/>
-            <a:r>
-              <a:rPr lang="en-US" altLang="ko-KR" dirty="0" smtClean="0">
-                <a:solidFill>
-                  <a:schemeClr val="tx1"/>
-                </a:solidFill>
-              </a:rPr>
-              <a:t>svc</a:t>
-            </a:r>
-          </a:p>
-          <a:p>
-            <a:pPr algn="ctr"/>
-            <a:r>
-              <a:rPr lang="en-US" altLang="ko-KR" dirty="0" smtClean="0">
-                <a:solidFill>
-                  <a:schemeClr val="tx1"/>
-                </a:solidFill>
-              </a:rPr>
-              <a:t>pod</a:t>
-            </a:r>
-            <a:endParaRPr lang="ko-KR" altLang="en-US">
-              <a:solidFill>
-                <a:schemeClr val="tx1"/>
-              </a:solidFill>
-            </a:endParaRPr>
-          </a:p>
-        </p:txBody>
-      </p:sp>
-      <p:sp>
-        <p:nvSpPr>
-          <p:cNvPr id="9" name="TextBox 8"/>
-          <p:cNvSpPr txBox="1"/>
-          <p:nvPr/>
-        </p:nvSpPr>
-        <p:spPr>
-          <a:xfrm>
-            <a:off x="1875771" y="3331264"/>
-            <a:ext cx="1433149" cy="1015663"/>
-          </a:xfrm>
-          <a:prstGeom prst="rect">
-            <a:avLst/>
-          </a:prstGeom>
-          <a:noFill/>
-        </p:spPr>
-        <p:txBody>
-          <a:bodyPr wrap="none" rtlCol="0">
-            <a:spAutoFit/>
-          </a:bodyPr>
-          <a:lstStyle/>
-          <a:p>
-            <a:pPr marL="285750" indent="-285750">
-              <a:buFontTx/>
-              <a:buChar char="-"/>
-            </a:pPr>
-            <a:r>
-              <a:rPr lang="en-US" altLang="ko-KR" sz="1200" dirty="0" err="1" smtClean="0"/>
-              <a:t>nginx</a:t>
-            </a:r>
-            <a:endParaRPr lang="en-US" altLang="ko-KR" sz="1200" dirty="0" smtClean="0"/>
-          </a:p>
-          <a:p>
-            <a:pPr marL="285750" indent="-285750">
-              <a:buFontTx/>
-              <a:buChar char="-"/>
-            </a:pPr>
-            <a:r>
-              <a:rPr lang="en-US" altLang="ko-KR" sz="1200" dirty="0" err="1" smtClean="0"/>
-              <a:t>traefik</a:t>
-            </a:r>
-            <a:endParaRPr lang="en-US" altLang="ko-KR" sz="1200" dirty="0" smtClean="0"/>
-          </a:p>
-          <a:p>
-            <a:pPr marL="285750" indent="-285750">
-              <a:buFontTx/>
-              <a:buChar char="-"/>
-            </a:pPr>
-            <a:r>
-              <a:rPr lang="en-US" altLang="ko-KR" sz="1200" dirty="0" err="1" smtClean="0"/>
-              <a:t>gloo</a:t>
-            </a:r>
-            <a:endParaRPr lang="en-US" altLang="ko-KR" sz="1200" dirty="0" smtClean="0"/>
-          </a:p>
-          <a:p>
-            <a:pPr marL="285750" indent="-285750">
-              <a:buFontTx/>
-              <a:buChar char="-"/>
-            </a:pPr>
-            <a:r>
-              <a:rPr lang="en-US" altLang="ko-KR" sz="1200" dirty="0" err="1" smtClean="0"/>
-              <a:t>ose</a:t>
-            </a:r>
-            <a:r>
-              <a:rPr lang="en-US" altLang="ko-KR" sz="1200" dirty="0" smtClean="0"/>
-              <a:t>-ha-router</a:t>
-            </a:r>
-          </a:p>
-          <a:p>
-            <a:pPr marL="285750" indent="-285750">
-              <a:buFontTx/>
-              <a:buChar char="-"/>
-            </a:pPr>
-            <a:r>
-              <a:rPr lang="en-US" altLang="ko-KR" sz="1200" dirty="0" err="1" smtClean="0"/>
-              <a:t>etc</a:t>
-            </a:r>
-            <a:endParaRPr lang="ko-KR" altLang="en-US" sz="1200"/>
-          </a:p>
-        </p:txBody>
-      </p:sp>
-      <p:sp>
-        <p:nvSpPr>
-          <p:cNvPr id="15" name="세로로 말린 두루마리 모양 14"/>
-          <p:cNvSpPr/>
-          <p:nvPr/>
-        </p:nvSpPr>
-        <p:spPr>
-          <a:xfrm>
-            <a:off x="4371481" y="3616811"/>
-            <a:ext cx="1298223" cy="745066"/>
-          </a:xfrm>
-          <a:prstGeom prst="verticalScroll">
-            <a:avLst/>
-          </a:prstGeom>
-          <a:noFill/>
-        </p:spPr>
-        <p:style>
-          <a:lnRef idx="2">
-            <a:schemeClr val="accent1">
-              <a:shade val="50000"/>
-            </a:schemeClr>
-          </a:lnRef>
-          <a:fillRef idx="1">
-            <a:schemeClr val="accent1"/>
-          </a:fillRef>
-          <a:effectRef idx="0">
-            <a:schemeClr val="accent1"/>
-          </a:effectRef>
-          <a:fontRef idx="minor">
-            <a:schemeClr val="lt1"/>
-          </a:fontRef>
-        </p:style>
-        <p:txBody>
-          <a:bodyPr rtlCol="0" anchor="ctr"/>
-          <a:lstStyle/>
-          <a:p>
-            <a:pPr algn="ctr"/>
-            <a:r>
-              <a:rPr lang="en-US" altLang="ko-KR" sz="1200" dirty="0">
-                <a:solidFill>
-                  <a:schemeClr val="tx1"/>
-                </a:solidFill>
-              </a:rPr>
-              <a:t>D</a:t>
-            </a:r>
-            <a:r>
-              <a:rPr lang="en-US" altLang="ko-KR" sz="1200" dirty="0" smtClean="0">
-                <a:solidFill>
-                  <a:schemeClr val="tx1"/>
-                </a:solidFill>
-              </a:rPr>
-              <a:t>eployment</a:t>
-            </a:r>
-            <a:endParaRPr lang="ko-KR" altLang="en-US" sz="1200">
-              <a:solidFill>
-                <a:schemeClr val="tx1"/>
-              </a:solidFill>
-            </a:endParaRPr>
-          </a:p>
-        </p:txBody>
-      </p:sp>
-      <p:sp>
-        <p:nvSpPr>
-          <p:cNvPr id="16" name="세로로 말린 두루마리 모양 15"/>
-          <p:cNvSpPr/>
-          <p:nvPr/>
-        </p:nvSpPr>
-        <p:spPr>
-          <a:xfrm>
-            <a:off x="7006929" y="3575119"/>
-            <a:ext cx="1298223" cy="745066"/>
-          </a:xfrm>
-          <a:prstGeom prst="verticalScroll">
-            <a:avLst/>
-          </a:prstGeom>
-          <a:noFill/>
-        </p:spPr>
-        <p:style>
-          <a:lnRef idx="2">
-            <a:schemeClr val="accent1">
-              <a:shade val="50000"/>
-            </a:schemeClr>
-          </a:lnRef>
-          <a:fillRef idx="1">
-            <a:schemeClr val="accent1"/>
-          </a:fillRef>
-          <a:effectRef idx="0">
-            <a:schemeClr val="accent1"/>
-          </a:effectRef>
-          <a:fontRef idx="minor">
-            <a:schemeClr val="lt1"/>
-          </a:fontRef>
-        </p:style>
-        <p:txBody>
-          <a:bodyPr rtlCol="0" anchor="ctr"/>
-          <a:lstStyle/>
-          <a:p>
-            <a:pPr algn="ctr"/>
-            <a:r>
-              <a:rPr lang="en-US" altLang="ko-KR" sz="1200" dirty="0">
-                <a:solidFill>
-                  <a:schemeClr val="tx1"/>
-                </a:solidFill>
-              </a:rPr>
-              <a:t>D</a:t>
-            </a:r>
-            <a:r>
-              <a:rPr lang="en-US" altLang="ko-KR" sz="1200" dirty="0" smtClean="0">
-                <a:solidFill>
-                  <a:schemeClr val="tx1"/>
-                </a:solidFill>
-              </a:rPr>
-              <a:t>eployment</a:t>
-            </a:r>
-            <a:endParaRPr lang="ko-KR" altLang="en-US" sz="1200">
-              <a:solidFill>
-                <a:schemeClr val="tx1"/>
-              </a:solidFill>
-            </a:endParaRPr>
-          </a:p>
-        </p:txBody>
-      </p:sp>
-      <p:cxnSp>
-        <p:nvCxnSpPr>
-          <p:cNvPr id="18" name="직선 화살표 연결선 17"/>
-          <p:cNvCxnSpPr>
-            <a:stCxn id="8" idx="3"/>
-            <a:endCxn id="10" idx="1"/>
-          </p:cNvCxnSpPr>
-          <p:nvPr/>
-        </p:nvCxnSpPr>
-        <p:spPr>
-          <a:xfrm>
-            <a:off x="3059285" y="2895605"/>
-            <a:ext cx="1380051" cy="0"/>
-          </a:xfrm>
-          <a:prstGeom prst="straightConnector1">
-            <a:avLst/>
-          </a:prstGeom>
-          <a:ln w="25400">
-            <a:tailEnd type="triangle"/>
-          </a:ln>
-        </p:spPr>
-        <p:style>
-          <a:lnRef idx="1">
-            <a:schemeClr val="accent1"/>
-          </a:lnRef>
-          <a:fillRef idx="0">
-            <a:schemeClr val="accent1"/>
-          </a:fillRef>
-          <a:effectRef idx="0">
-            <a:schemeClr val="accent1"/>
-          </a:effectRef>
-          <a:fontRef idx="minor">
-            <a:schemeClr val="tx1"/>
-          </a:fontRef>
-        </p:style>
-      </p:cxnSp>
-      <p:cxnSp>
-        <p:nvCxnSpPr>
-          <p:cNvPr id="21" name="직선 화살표 연결선 20"/>
-          <p:cNvCxnSpPr>
-            <a:stCxn id="10" idx="3"/>
-            <a:endCxn id="11" idx="1"/>
-          </p:cNvCxnSpPr>
-          <p:nvPr/>
-        </p:nvCxnSpPr>
-        <p:spPr>
-          <a:xfrm>
-            <a:off x="5601850" y="2895605"/>
-            <a:ext cx="1472934" cy="0"/>
-          </a:xfrm>
-          <a:prstGeom prst="straightConnector1">
-            <a:avLst/>
-          </a:prstGeom>
-          <a:ln w="25400">
-            <a:tailEnd type="triangle"/>
-          </a:ln>
-        </p:spPr>
-        <p:style>
-          <a:lnRef idx="1">
-            <a:schemeClr val="accent1"/>
-          </a:lnRef>
-          <a:fillRef idx="0">
-            <a:schemeClr val="accent1"/>
-          </a:fillRef>
-          <a:effectRef idx="0">
-            <a:schemeClr val="accent1"/>
-          </a:effectRef>
-          <a:fontRef idx="minor">
-            <a:schemeClr val="tx1"/>
-          </a:fontRef>
-        </p:style>
-      </p:cxnSp>
-      <p:sp>
-        <p:nvSpPr>
-          <p:cNvPr id="27" name="세로로 말린 두루마리 모양 26"/>
-          <p:cNvSpPr/>
-          <p:nvPr/>
-        </p:nvSpPr>
-        <p:spPr>
-          <a:xfrm>
-            <a:off x="1843574" y="4375598"/>
-            <a:ext cx="1017856" cy="745066"/>
-          </a:xfrm>
-          <a:prstGeom prst="verticalScroll">
-            <a:avLst/>
-          </a:prstGeom>
-          <a:noFill/>
-        </p:spPr>
-        <p:style>
-          <a:lnRef idx="2">
-            <a:schemeClr val="accent1">
-              <a:shade val="50000"/>
-            </a:schemeClr>
-          </a:lnRef>
-          <a:fillRef idx="1">
-            <a:schemeClr val="accent1"/>
-          </a:fillRef>
-          <a:effectRef idx="0">
-            <a:schemeClr val="accent1"/>
-          </a:effectRef>
-          <a:fontRef idx="minor">
-            <a:schemeClr val="lt1"/>
-          </a:fontRef>
-        </p:style>
-        <p:txBody>
-          <a:bodyPr rtlCol="0" anchor="ctr"/>
-          <a:lstStyle/>
-          <a:p>
-            <a:pPr algn="ctr"/>
-            <a:r>
-              <a:rPr lang="en-US" altLang="ko-KR" sz="1200" dirty="0" smtClean="0">
-                <a:solidFill>
-                  <a:schemeClr val="tx1"/>
-                </a:solidFill>
-              </a:rPr>
-              <a:t>Ingress</a:t>
-            </a:r>
-          </a:p>
-          <a:p>
-            <a:pPr algn="ctr"/>
-            <a:r>
-              <a:rPr lang="en-US" altLang="ko-KR" sz="1200" dirty="0" smtClean="0">
-                <a:solidFill>
-                  <a:schemeClr val="tx1"/>
-                </a:solidFill>
-              </a:rPr>
-              <a:t>or</a:t>
-            </a:r>
-          </a:p>
-          <a:p>
-            <a:pPr algn="ctr"/>
-            <a:r>
-              <a:rPr lang="en-US" altLang="ko-KR" sz="1200" dirty="0" smtClean="0">
-                <a:solidFill>
-                  <a:schemeClr val="tx1"/>
-                </a:solidFill>
-              </a:rPr>
-              <a:t>Route</a:t>
-            </a:r>
-            <a:endParaRPr lang="ko-KR" altLang="en-US" sz="1200">
-              <a:solidFill>
-                <a:schemeClr val="tx1"/>
-              </a:solidFill>
-            </a:endParaRPr>
-          </a:p>
-        </p:txBody>
-      </p:sp>
-      <p:sp>
-        <p:nvSpPr>
-          <p:cNvPr id="28" name="세로로 말린 두루마리 모양 27"/>
-          <p:cNvSpPr/>
-          <p:nvPr/>
-        </p:nvSpPr>
-        <p:spPr>
-          <a:xfrm>
-            <a:off x="5789100" y="3062758"/>
-            <a:ext cx="1017856" cy="745066"/>
-          </a:xfrm>
-          <a:prstGeom prst="verticalScroll">
-            <a:avLst/>
-          </a:prstGeom>
-          <a:noFill/>
-        </p:spPr>
-        <p:style>
-          <a:lnRef idx="2">
-            <a:schemeClr val="accent1">
-              <a:shade val="50000"/>
-            </a:schemeClr>
-          </a:lnRef>
-          <a:fillRef idx="1">
-            <a:schemeClr val="accent1"/>
-          </a:fillRef>
-          <a:effectRef idx="0">
-            <a:schemeClr val="accent1"/>
-          </a:effectRef>
-          <a:fontRef idx="minor">
-            <a:schemeClr val="lt1"/>
-          </a:fontRef>
-        </p:style>
-        <p:txBody>
-          <a:bodyPr rtlCol="0" anchor="ctr"/>
-          <a:lstStyle/>
-          <a:p>
-            <a:pPr algn="ctr"/>
-            <a:r>
-              <a:rPr lang="en-US" altLang="ko-KR" sz="1200" dirty="0" smtClean="0">
-                <a:solidFill>
-                  <a:schemeClr val="tx1"/>
-                </a:solidFill>
-              </a:rPr>
-              <a:t>Service</a:t>
-            </a:r>
-            <a:endParaRPr lang="ko-KR" altLang="en-US" sz="1200">
-              <a:solidFill>
-                <a:schemeClr val="tx1"/>
-              </a:solidFill>
-            </a:endParaRPr>
-          </a:p>
-        </p:txBody>
-      </p:sp>
-      <p:sp>
-        <p:nvSpPr>
-          <p:cNvPr id="29" name="세로로 말린 두루마리 모양 28"/>
-          <p:cNvSpPr/>
-          <p:nvPr/>
-        </p:nvSpPr>
-        <p:spPr>
-          <a:xfrm>
-            <a:off x="3234229" y="3062758"/>
-            <a:ext cx="1017856" cy="745066"/>
-          </a:xfrm>
-          <a:prstGeom prst="verticalScroll">
-            <a:avLst/>
-          </a:prstGeom>
-          <a:noFill/>
-        </p:spPr>
-        <p:style>
-          <a:lnRef idx="2">
-            <a:schemeClr val="accent1">
-              <a:shade val="50000"/>
-            </a:schemeClr>
-          </a:lnRef>
-          <a:fillRef idx="1">
-            <a:schemeClr val="accent1"/>
-          </a:fillRef>
-          <a:effectRef idx="0">
-            <a:schemeClr val="accent1"/>
-          </a:effectRef>
-          <a:fontRef idx="minor">
-            <a:schemeClr val="lt1"/>
-          </a:fontRef>
-        </p:style>
-        <p:txBody>
-          <a:bodyPr rtlCol="0" anchor="ctr"/>
-          <a:lstStyle/>
-          <a:p>
-            <a:pPr algn="ctr"/>
-            <a:r>
-              <a:rPr lang="en-US" altLang="ko-KR" sz="1200" dirty="0" smtClean="0">
-                <a:solidFill>
-                  <a:schemeClr val="tx1"/>
-                </a:solidFill>
-              </a:rPr>
-              <a:t>Service</a:t>
-            </a:r>
-            <a:endParaRPr lang="ko-KR" altLang="en-US" sz="1200">
-              <a:solidFill>
-                <a:schemeClr val="tx1"/>
-              </a:solidFill>
-            </a:endParaRPr>
-          </a:p>
-        </p:txBody>
-      </p:sp>
-      <p:sp>
-        <p:nvSpPr>
-          <p:cNvPr id="30" name="직사각형 29"/>
-          <p:cNvSpPr/>
-          <p:nvPr/>
-        </p:nvSpPr>
-        <p:spPr>
-          <a:xfrm>
-            <a:off x="10664891" y="2528716"/>
-            <a:ext cx="1162514" cy="733778"/>
-          </a:xfrm>
-          <a:prstGeom prst="rect">
-            <a:avLst/>
-          </a:prstGeom>
-          <a:noFill/>
-        </p:spPr>
-        <p:style>
-          <a:lnRef idx="2">
-            <a:schemeClr val="accent1">
-              <a:shade val="50000"/>
-            </a:schemeClr>
-          </a:lnRef>
-          <a:fillRef idx="1">
-            <a:schemeClr val="accent1"/>
-          </a:fillRef>
-          <a:effectRef idx="0">
-            <a:schemeClr val="accent1"/>
-          </a:effectRef>
-          <a:fontRef idx="minor">
-            <a:schemeClr val="lt1"/>
-          </a:fontRef>
-        </p:style>
-        <p:txBody>
-          <a:bodyPr rtlCol="0" anchor="ctr"/>
-          <a:lstStyle/>
-          <a:p>
-            <a:pPr algn="ctr"/>
-            <a:r>
-              <a:rPr lang="en-US" altLang="ko-KR" dirty="0" smtClean="0">
-                <a:solidFill>
-                  <a:schemeClr val="tx1"/>
-                </a:solidFill>
-              </a:rPr>
-              <a:t>External</a:t>
-            </a:r>
-          </a:p>
-          <a:p>
-            <a:pPr algn="ctr"/>
-            <a:r>
-              <a:rPr lang="en-US" altLang="ko-KR" dirty="0" smtClean="0">
-                <a:solidFill>
-                  <a:schemeClr val="tx1"/>
-                </a:solidFill>
-              </a:rPr>
-              <a:t>svc</a:t>
-            </a:r>
-            <a:endParaRPr lang="ko-KR" altLang="en-US">
-              <a:solidFill>
-                <a:schemeClr val="tx1"/>
-              </a:solidFill>
-            </a:endParaRPr>
-          </a:p>
-        </p:txBody>
-      </p:sp>
-      <p:cxnSp>
-        <p:nvCxnSpPr>
-          <p:cNvPr id="31" name="직선 화살표 연결선 30"/>
-          <p:cNvCxnSpPr>
-            <a:stCxn id="11" idx="3"/>
-            <a:endCxn id="30" idx="1"/>
-          </p:cNvCxnSpPr>
-          <p:nvPr/>
-        </p:nvCxnSpPr>
-        <p:spPr>
-          <a:xfrm>
-            <a:off x="8237298" y="2895605"/>
-            <a:ext cx="2427593" cy="0"/>
-          </a:xfrm>
-          <a:prstGeom prst="straightConnector1">
-            <a:avLst/>
-          </a:prstGeom>
-          <a:ln w="25400">
-            <a:tailEnd type="triangle"/>
-          </a:ln>
-        </p:spPr>
-        <p:style>
-          <a:lnRef idx="1">
-            <a:schemeClr val="accent1"/>
-          </a:lnRef>
-          <a:fillRef idx="0">
-            <a:schemeClr val="accent1"/>
-          </a:fillRef>
-          <a:effectRef idx="0">
-            <a:schemeClr val="accent1"/>
-          </a:effectRef>
-          <a:fontRef idx="minor">
-            <a:schemeClr val="tx1"/>
-          </a:fontRef>
-        </p:style>
-      </p:cxnSp>
-      <p:sp>
-        <p:nvSpPr>
-          <p:cNvPr id="34" name="직사각형 33"/>
-          <p:cNvSpPr/>
-          <p:nvPr/>
-        </p:nvSpPr>
-        <p:spPr>
-          <a:xfrm>
-            <a:off x="8363896" y="4770712"/>
-            <a:ext cx="1162514" cy="733778"/>
-          </a:xfrm>
-          <a:prstGeom prst="rect">
-            <a:avLst/>
-          </a:prstGeom>
-          <a:noFill/>
-        </p:spPr>
-        <p:style>
-          <a:lnRef idx="2">
-            <a:schemeClr val="accent1">
-              <a:shade val="50000"/>
-            </a:schemeClr>
-          </a:lnRef>
-          <a:fillRef idx="1">
-            <a:schemeClr val="accent1"/>
-          </a:fillRef>
-          <a:effectRef idx="0">
-            <a:schemeClr val="accent1"/>
-          </a:effectRef>
-          <a:fontRef idx="minor">
-            <a:schemeClr val="lt1"/>
-          </a:fontRef>
-        </p:style>
-        <p:txBody>
-          <a:bodyPr rtlCol="0" anchor="ctr"/>
-          <a:lstStyle/>
-          <a:p>
-            <a:pPr algn="ctr"/>
-            <a:r>
-              <a:rPr lang="en-US" altLang="ko-KR" dirty="0" smtClean="0">
-                <a:solidFill>
-                  <a:schemeClr val="tx1"/>
-                </a:solidFill>
-              </a:rPr>
-              <a:t>egress</a:t>
-            </a:r>
-          </a:p>
-          <a:p>
-            <a:pPr algn="ctr"/>
-            <a:r>
-              <a:rPr lang="en-US" altLang="ko-KR" dirty="0" smtClean="0">
-                <a:solidFill>
-                  <a:schemeClr val="tx1"/>
-                </a:solidFill>
-              </a:rPr>
-              <a:t>pod</a:t>
-            </a:r>
-            <a:endParaRPr lang="ko-KR" altLang="en-US">
-              <a:solidFill>
-                <a:schemeClr val="tx1"/>
-              </a:solidFill>
-            </a:endParaRPr>
-          </a:p>
-        </p:txBody>
-      </p:sp>
-      <p:sp>
-        <p:nvSpPr>
-          <p:cNvPr id="35" name="세로로 말린 두루마리 모양 34"/>
-          <p:cNvSpPr/>
-          <p:nvPr/>
-        </p:nvSpPr>
-        <p:spPr>
-          <a:xfrm>
-            <a:off x="8296041" y="5616225"/>
-            <a:ext cx="1298223" cy="745066"/>
-          </a:xfrm>
-          <a:prstGeom prst="verticalScroll">
-            <a:avLst/>
-          </a:prstGeom>
-          <a:noFill/>
-        </p:spPr>
-        <p:style>
-          <a:lnRef idx="2">
-            <a:schemeClr val="accent1">
-              <a:shade val="50000"/>
-            </a:schemeClr>
-          </a:lnRef>
-          <a:fillRef idx="1">
-            <a:schemeClr val="accent1"/>
-          </a:fillRef>
-          <a:effectRef idx="0">
-            <a:schemeClr val="accent1"/>
-          </a:effectRef>
-          <a:fontRef idx="minor">
-            <a:schemeClr val="lt1"/>
-          </a:fontRef>
-        </p:style>
-        <p:txBody>
-          <a:bodyPr rtlCol="0" anchor="ctr"/>
-          <a:lstStyle/>
-          <a:p>
-            <a:pPr algn="ctr"/>
-            <a:r>
-              <a:rPr lang="en-US" altLang="ko-KR" sz="1200" dirty="0">
-                <a:solidFill>
-                  <a:schemeClr val="tx1"/>
-                </a:solidFill>
-              </a:rPr>
-              <a:t>D</a:t>
-            </a:r>
-            <a:r>
-              <a:rPr lang="en-US" altLang="ko-KR" sz="1200" dirty="0" smtClean="0">
-                <a:solidFill>
-                  <a:schemeClr val="tx1"/>
-                </a:solidFill>
-              </a:rPr>
-              <a:t>eployment</a:t>
-            </a:r>
-            <a:endParaRPr lang="ko-KR" altLang="en-US" sz="1200">
-              <a:solidFill>
-                <a:schemeClr val="tx1"/>
-              </a:solidFill>
-            </a:endParaRPr>
-          </a:p>
-        </p:txBody>
-      </p:sp>
-      <p:cxnSp>
-        <p:nvCxnSpPr>
-          <p:cNvPr id="37" name="꺾인 연결선 36"/>
-          <p:cNvCxnSpPr>
-            <a:stCxn id="11" idx="3"/>
-            <a:endCxn id="34" idx="0"/>
-          </p:cNvCxnSpPr>
-          <p:nvPr/>
-        </p:nvCxnSpPr>
-        <p:spPr>
-          <a:xfrm>
-            <a:off x="8237298" y="2895605"/>
-            <a:ext cx="707855" cy="1875107"/>
-          </a:xfrm>
-          <a:prstGeom prst="bentConnector2">
-            <a:avLst/>
-          </a:prstGeom>
-          <a:ln w="25400">
-            <a:tailEnd type="triangle"/>
-          </a:ln>
-        </p:spPr>
-        <p:style>
-          <a:lnRef idx="1">
-            <a:schemeClr val="accent1"/>
-          </a:lnRef>
-          <a:fillRef idx="0">
-            <a:schemeClr val="accent1"/>
-          </a:fillRef>
-          <a:effectRef idx="0">
-            <a:schemeClr val="accent1"/>
-          </a:effectRef>
-          <a:fontRef idx="minor">
-            <a:schemeClr val="tx1"/>
-          </a:fontRef>
-        </p:style>
-      </p:cxnSp>
-      <p:sp>
-        <p:nvSpPr>
-          <p:cNvPr id="38" name="세로로 말린 두루마리 모양 37"/>
-          <p:cNvSpPr/>
-          <p:nvPr/>
-        </p:nvSpPr>
-        <p:spPr>
-          <a:xfrm>
-            <a:off x="9043079" y="3575119"/>
-            <a:ext cx="1017856" cy="745066"/>
-          </a:xfrm>
-          <a:prstGeom prst="verticalScroll">
-            <a:avLst/>
-          </a:prstGeom>
-          <a:noFill/>
-        </p:spPr>
-        <p:style>
-          <a:lnRef idx="2">
-            <a:schemeClr val="accent1">
-              <a:shade val="50000"/>
-            </a:schemeClr>
-          </a:lnRef>
-          <a:fillRef idx="1">
-            <a:schemeClr val="accent1"/>
-          </a:fillRef>
-          <a:effectRef idx="0">
-            <a:schemeClr val="accent1"/>
-          </a:effectRef>
-          <a:fontRef idx="minor">
-            <a:schemeClr val="lt1"/>
-          </a:fontRef>
-        </p:style>
-        <p:txBody>
-          <a:bodyPr rtlCol="0" anchor="ctr"/>
-          <a:lstStyle/>
-          <a:p>
-            <a:pPr algn="ctr"/>
-            <a:r>
-              <a:rPr lang="en-US" altLang="ko-KR" sz="1200" dirty="0" smtClean="0">
-                <a:solidFill>
-                  <a:schemeClr val="tx1"/>
-                </a:solidFill>
-              </a:rPr>
-              <a:t>Service</a:t>
-            </a:r>
-            <a:endParaRPr lang="ko-KR" altLang="en-US" sz="1200">
-              <a:solidFill>
-                <a:schemeClr val="tx1"/>
-              </a:solidFill>
-            </a:endParaRPr>
-          </a:p>
-        </p:txBody>
-      </p:sp>
-      <p:cxnSp>
-        <p:nvCxnSpPr>
-          <p:cNvPr id="39" name="꺾인 연결선 38"/>
-          <p:cNvCxnSpPr>
-            <a:stCxn id="34" idx="3"/>
-            <a:endCxn id="30" idx="2"/>
-          </p:cNvCxnSpPr>
-          <p:nvPr/>
-        </p:nvCxnSpPr>
-        <p:spPr>
-          <a:xfrm flipV="1">
-            <a:off x="9526410" y="3262494"/>
-            <a:ext cx="1719738" cy="1875107"/>
-          </a:xfrm>
-          <a:prstGeom prst="bentConnector2">
-            <a:avLst/>
-          </a:prstGeom>
-          <a:ln w="25400">
-            <a:tailEnd type="triangle"/>
-          </a:ln>
-        </p:spPr>
-        <p:style>
-          <a:lnRef idx="1">
-            <a:schemeClr val="accent1"/>
-          </a:lnRef>
-          <a:fillRef idx="0">
-            <a:schemeClr val="accent1"/>
-          </a:fillRef>
-          <a:effectRef idx="0">
-            <a:schemeClr val="accent1"/>
-          </a:effectRef>
-          <a:fontRef idx="minor">
-            <a:schemeClr val="tx1"/>
-          </a:fontRef>
-        </p:style>
-      </p:cxnSp>
-      <p:cxnSp>
-        <p:nvCxnSpPr>
-          <p:cNvPr id="42" name="직선 화살표 연결선 41"/>
-          <p:cNvCxnSpPr>
-            <a:endCxn id="8" idx="1"/>
-          </p:cNvCxnSpPr>
-          <p:nvPr/>
-        </p:nvCxnSpPr>
-        <p:spPr>
-          <a:xfrm>
-            <a:off x="677333" y="2895605"/>
-            <a:ext cx="1219438" cy="0"/>
-          </a:xfrm>
-          <a:prstGeom prst="straightConnector1">
-            <a:avLst/>
-          </a:prstGeom>
-          <a:ln w="25400">
-            <a:tailEnd type="triangle"/>
-          </a:ln>
-        </p:spPr>
-        <p:style>
-          <a:lnRef idx="1">
-            <a:schemeClr val="accent1"/>
-          </a:lnRef>
-          <a:fillRef idx="0">
-            <a:schemeClr val="accent1"/>
-          </a:fillRef>
-          <a:effectRef idx="0">
-            <a:schemeClr val="accent1"/>
-          </a:effectRef>
-          <a:fontRef idx="minor">
-            <a:schemeClr val="tx1"/>
-          </a:fontRef>
-        </p:style>
-      </p:cxnSp>
-      <p:sp>
-        <p:nvSpPr>
-          <p:cNvPr id="45" name="TextBox 44"/>
-          <p:cNvSpPr txBox="1"/>
-          <p:nvPr/>
-        </p:nvSpPr>
-        <p:spPr>
-          <a:xfrm>
-            <a:off x="421430" y="960702"/>
-            <a:ext cx="1334853" cy="369332"/>
-          </a:xfrm>
-          <a:prstGeom prst="rect">
-            <a:avLst/>
-          </a:prstGeom>
-          <a:noFill/>
-        </p:spPr>
-        <p:txBody>
-          <a:bodyPr wrap="none" rtlCol="0">
-            <a:spAutoFit/>
-          </a:bodyPr>
-          <a:lstStyle/>
-          <a:p>
-            <a:r>
-              <a:rPr lang="en-US" altLang="ko-KR" dirty="0" err="1" smtClean="0"/>
+              <a:rPr lang="en-US" altLang="ko-KR" sz="1600" dirty="0" smtClean="0"/>
+              <a:t>1. </a:t>
+            </a:r>
+            <a:r>
+              <a:rPr lang="en-US" altLang="ko-KR" sz="1600" dirty="0" err="1" smtClean="0"/>
+              <a:t>istio</a:t>
+            </a:r>
+            <a:r>
+              <a:rPr lang="ko-KR" altLang="en-US" sz="1600" dirty="0" smtClean="0"/>
+              <a:t>를 설치하면 </a:t>
+            </a:r>
+            <a:r>
+              <a:rPr lang="en-US" altLang="ko-KR" sz="1600" dirty="0" err="1" smtClean="0"/>
               <a:t>kubernetes</a:t>
             </a:r>
-            <a:endParaRPr lang="ko-KR" altLang="en-US"/>
+            <a:r>
+              <a:rPr lang="ko-KR" altLang="en-US" sz="1600" dirty="0" smtClean="0"/>
+              <a:t>의 </a:t>
+            </a:r>
+            <a:r>
+              <a:rPr lang="en-US" altLang="ko-KR" sz="1600" dirty="0"/>
+              <a:t>Custom Resource Definitions (CRDs</a:t>
+            </a:r>
+            <a:r>
+              <a:rPr lang="en-US" altLang="ko-KR" sz="1600" dirty="0" smtClean="0"/>
+              <a:t>)</a:t>
+            </a:r>
+            <a:r>
+              <a:rPr lang="ko-KR" altLang="en-US" sz="1600" dirty="0" smtClean="0"/>
+              <a:t>로 정의 된 </a:t>
+            </a:r>
+            <a:r>
+              <a:rPr lang="en-US" altLang="ko-KR" sz="1600" dirty="0" smtClean="0"/>
+              <a:t>50</a:t>
+            </a:r>
+            <a:r>
+              <a:rPr lang="ko-KR" altLang="en-US" sz="1600" dirty="0" smtClean="0"/>
+              <a:t>개의 </a:t>
+            </a:r>
+            <a:r>
+              <a:rPr lang="en-US" altLang="ko-KR" sz="1600" dirty="0" smtClean="0"/>
+              <a:t>objects</a:t>
+            </a:r>
+            <a:r>
+              <a:rPr lang="ko-KR" altLang="en-US" sz="1600" dirty="0" smtClean="0"/>
+              <a:t>들이 설치되고</a:t>
+            </a:r>
+            <a:endParaRPr lang="en-US" altLang="ko-KR" sz="1600" dirty="0" smtClean="0"/>
+          </a:p>
+          <a:p>
+            <a:r>
+              <a:rPr lang="ko-KR" altLang="en-US" sz="1600" dirty="0" smtClean="0"/>
+              <a:t>이를 사용할 수 있다</a:t>
+            </a:r>
+            <a:r>
+              <a:rPr lang="en-US" altLang="ko-KR" sz="1600" dirty="0" smtClean="0"/>
+              <a:t>.</a:t>
+            </a:r>
+          </a:p>
+          <a:p>
+            <a:endParaRPr lang="en-US" altLang="ko-KR" sz="1000" dirty="0"/>
+          </a:p>
+          <a:p>
+            <a:r>
+              <a:rPr lang="en-US" altLang="ko-KR" sz="1000" dirty="0"/>
+              <a:t>[root@ktis-master01 </a:t>
+            </a:r>
+            <a:r>
+              <a:rPr lang="en-US" altLang="ko-KR" sz="1000" dirty="0" err="1"/>
+              <a:t>kubernetes</a:t>
+            </a:r>
+            <a:r>
+              <a:rPr lang="en-US" altLang="ko-KR" sz="1000" dirty="0"/>
+              <a:t>]# </a:t>
+            </a:r>
+            <a:r>
+              <a:rPr lang="en-US" altLang="ko-KR" sz="1000" dirty="0" err="1"/>
+              <a:t>kubectl</a:t>
+            </a:r>
+            <a:r>
+              <a:rPr lang="en-US" altLang="ko-KR" sz="1000" dirty="0"/>
+              <a:t> </a:t>
+            </a:r>
+            <a:r>
+              <a:rPr lang="en-US" altLang="ko-KR" sz="1000" dirty="0" err="1"/>
+              <a:t>api</a:t>
+            </a:r>
+            <a:r>
+              <a:rPr lang="en-US" altLang="ko-KR" sz="1000" dirty="0"/>
+              <a:t>-resources | </a:t>
+            </a:r>
+            <a:r>
+              <a:rPr lang="en-US" altLang="ko-KR" sz="1000" dirty="0" err="1"/>
+              <a:t>grep</a:t>
+            </a:r>
+            <a:r>
+              <a:rPr lang="en-US" altLang="ko-KR" sz="1000" dirty="0"/>
+              <a:t> </a:t>
+            </a:r>
+            <a:r>
+              <a:rPr lang="en-US" altLang="ko-KR" sz="1000" dirty="0" err="1"/>
+              <a:t>istio</a:t>
+            </a:r>
+            <a:endParaRPr lang="en-US" altLang="ko-KR" sz="1000" dirty="0"/>
+          </a:p>
+          <a:p>
+            <a:r>
+              <a:rPr lang="en-US" altLang="ko-KR" sz="1000" dirty="0" err="1"/>
+              <a:t>meshpolicies</a:t>
+            </a:r>
+            <a:r>
+              <a:rPr lang="en-US" altLang="ko-KR" sz="1000" dirty="0"/>
+              <a:t>                                         authentication.istio.io        false        </a:t>
+            </a:r>
+            <a:r>
+              <a:rPr lang="en-US" altLang="ko-KR" sz="1000" dirty="0" err="1"/>
+              <a:t>MeshPolicy</a:t>
+            </a:r>
+            <a:endParaRPr lang="en-US" altLang="ko-KR" sz="1000" dirty="0"/>
+          </a:p>
+          <a:p>
+            <a:r>
+              <a:rPr lang="en-US" altLang="ko-KR" sz="1000" dirty="0"/>
+              <a:t>policies                                             authentication.istio.io        true         Policy</a:t>
+            </a:r>
+          </a:p>
+          <a:p>
+            <a:r>
+              <a:rPr lang="en-US" altLang="ko-KR" sz="1000" dirty="0"/>
+              <a:t>adapters                                             config.istio.io                true         adapter</a:t>
+            </a:r>
+          </a:p>
+          <a:p>
+            <a:r>
+              <a:rPr lang="en-US" altLang="ko-KR" sz="1000" dirty="0" err="1"/>
+              <a:t>apikeys</a:t>
+            </a:r>
+            <a:r>
+              <a:rPr lang="en-US" altLang="ko-KR" sz="1000" dirty="0"/>
+              <a:t>                                              config.istio.io                true         </a:t>
+            </a:r>
+            <a:r>
+              <a:rPr lang="en-US" altLang="ko-KR" sz="1000" dirty="0" err="1"/>
+              <a:t>apikey</a:t>
+            </a:r>
+            <a:endParaRPr lang="en-US" altLang="ko-KR" sz="1000" dirty="0"/>
+          </a:p>
+          <a:p>
+            <a:r>
+              <a:rPr lang="en-US" altLang="ko-KR" sz="1000" dirty="0" err="1"/>
+              <a:t>attributemanifests</a:t>
+            </a:r>
+            <a:r>
+              <a:rPr lang="en-US" altLang="ko-KR" sz="1000" dirty="0"/>
+              <a:t>                                   config.istio.io                true         </a:t>
+            </a:r>
+            <a:r>
+              <a:rPr lang="en-US" altLang="ko-KR" sz="1000" dirty="0" err="1"/>
+              <a:t>attributemanifest</a:t>
+            </a:r>
+            <a:endParaRPr lang="en-US" altLang="ko-KR" sz="1000" dirty="0"/>
+          </a:p>
+          <a:p>
+            <a:r>
+              <a:rPr lang="en-US" altLang="ko-KR" sz="1000" dirty="0"/>
+              <a:t>authorizations                                       config.istio.io                true         authorization</a:t>
+            </a:r>
+          </a:p>
+          <a:p>
+            <a:r>
+              <a:rPr lang="en-US" altLang="ko-KR" sz="1000" dirty="0"/>
+              <a:t>bypasses                                             config.istio.io                true         bypass</a:t>
+            </a:r>
+          </a:p>
+          <a:p>
+            <a:r>
+              <a:rPr lang="en-US" altLang="ko-KR" sz="1000" dirty="0" err="1"/>
+              <a:t>checknothings</a:t>
+            </a:r>
+            <a:r>
+              <a:rPr lang="en-US" altLang="ko-KR" sz="1000" dirty="0"/>
+              <a:t>                                        config.istio.io                true         </a:t>
+            </a:r>
+            <a:r>
+              <a:rPr lang="en-US" altLang="ko-KR" sz="1000" dirty="0" err="1"/>
+              <a:t>checknothing</a:t>
+            </a:r>
+            <a:endParaRPr lang="en-US" altLang="ko-KR" sz="1000" dirty="0"/>
+          </a:p>
+          <a:p>
+            <a:r>
+              <a:rPr lang="en-US" altLang="ko-KR" sz="1000" dirty="0" err="1"/>
+              <a:t>circonuses</a:t>
+            </a:r>
+            <a:r>
+              <a:rPr lang="en-US" altLang="ko-KR" sz="1000" dirty="0"/>
+              <a:t>                                           config.istio.io                true         </a:t>
+            </a:r>
+            <a:r>
+              <a:rPr lang="en-US" altLang="ko-KR" sz="1000" dirty="0" err="1"/>
+              <a:t>circonus</a:t>
+            </a:r>
+            <a:endParaRPr lang="en-US" altLang="ko-KR" sz="1000" dirty="0"/>
+          </a:p>
+          <a:p>
+            <a:r>
+              <a:rPr lang="en-US" altLang="ko-KR" sz="1000" dirty="0" smtClean="0"/>
+              <a:t>rules                                                </a:t>
+            </a:r>
+            <a:r>
+              <a:rPr lang="en-US" altLang="ko-KR" sz="1000" dirty="0"/>
+              <a:t>config.istio.io                true         rule</a:t>
+            </a:r>
+          </a:p>
+          <a:p>
+            <a:r>
+              <a:rPr lang="en-US" altLang="ko-KR" sz="1000" dirty="0" err="1"/>
+              <a:t>servicecontrolreports</a:t>
+            </a:r>
+            <a:r>
+              <a:rPr lang="en-US" altLang="ko-KR" sz="1000" dirty="0"/>
+              <a:t>                                config.istio.io                true         </a:t>
+            </a:r>
+            <a:r>
+              <a:rPr lang="en-US" altLang="ko-KR" sz="1000" dirty="0" err="1"/>
+              <a:t>servicecontrolreport</a:t>
+            </a:r>
+            <a:endParaRPr lang="en-US" altLang="ko-KR" sz="1000" dirty="0"/>
+          </a:p>
+          <a:p>
+            <a:r>
+              <a:rPr lang="en-US" altLang="ko-KR" sz="1000" dirty="0" err="1"/>
+              <a:t>servicecontrols</a:t>
+            </a:r>
+            <a:r>
+              <a:rPr lang="en-US" altLang="ko-KR" sz="1000" dirty="0"/>
+              <a:t>                                      config.istio.io                true         </a:t>
+            </a:r>
+            <a:r>
+              <a:rPr lang="en-US" altLang="ko-KR" sz="1000" dirty="0" err="1"/>
+              <a:t>servicecontrol</a:t>
+            </a:r>
+            <a:endParaRPr lang="en-US" altLang="ko-KR" sz="1000" dirty="0"/>
+          </a:p>
+          <a:p>
+            <a:r>
+              <a:rPr lang="en-US" altLang="ko-KR" sz="1000" dirty="0" err="1"/>
+              <a:t>signalfxs</a:t>
+            </a:r>
+            <a:r>
+              <a:rPr lang="en-US" altLang="ko-KR" sz="1000" dirty="0"/>
+              <a:t>                                            config.istio.io                true         </a:t>
+            </a:r>
+            <a:r>
+              <a:rPr lang="en-US" altLang="ko-KR" sz="1000" dirty="0" err="1"/>
+              <a:t>signalfx</a:t>
+            </a:r>
+            <a:endParaRPr lang="en-US" altLang="ko-KR" sz="1000" dirty="0"/>
+          </a:p>
+          <a:p>
+            <a:r>
+              <a:rPr lang="en-US" altLang="ko-KR" sz="1000" dirty="0" err="1"/>
+              <a:t>solarwindses</a:t>
+            </a:r>
+            <a:r>
+              <a:rPr lang="en-US" altLang="ko-KR" sz="1000" dirty="0"/>
+              <a:t>                                         config.istio.io                true         </a:t>
+            </a:r>
+            <a:r>
+              <a:rPr lang="en-US" altLang="ko-KR" sz="1000" dirty="0" err="1"/>
+              <a:t>solarwinds</a:t>
+            </a:r>
+            <a:endParaRPr lang="en-US" altLang="ko-KR" sz="1000" dirty="0"/>
+          </a:p>
+          <a:p>
+            <a:r>
+              <a:rPr lang="en-US" altLang="ko-KR" sz="1000" dirty="0" err="1"/>
+              <a:t>stackdrivers</a:t>
+            </a:r>
+            <a:r>
+              <a:rPr lang="en-US" altLang="ko-KR" sz="1000" dirty="0"/>
+              <a:t>                                         config.istio.io                true         </a:t>
+            </a:r>
+            <a:r>
+              <a:rPr lang="en-US" altLang="ko-KR" sz="1000" dirty="0" err="1" smtClean="0"/>
+              <a:t>stackdriver</a:t>
+            </a:r>
+            <a:endParaRPr lang="en-US" altLang="ko-KR" sz="1000" dirty="0" smtClean="0"/>
+          </a:p>
+          <a:p>
+            <a:endParaRPr lang="en-US" altLang="ko-KR" sz="1000" dirty="0"/>
+          </a:p>
+          <a:p>
+            <a:r>
+              <a:rPr lang="ko-KR" altLang="en-US" sz="1000" dirty="0" smtClean="0"/>
+              <a:t>중략</a:t>
+            </a:r>
+            <a:endParaRPr lang="en-US" altLang="ko-KR" sz="1000" dirty="0" smtClean="0"/>
+          </a:p>
+          <a:p>
+            <a:endParaRPr lang="en-US" altLang="ko-KR" sz="1000" dirty="0"/>
+          </a:p>
+          <a:p>
+            <a:r>
+              <a:rPr lang="en-US" altLang="ko-KR" sz="1000" dirty="0" err="1"/>
+              <a:t>statsds</a:t>
+            </a:r>
+            <a:r>
+              <a:rPr lang="en-US" altLang="ko-KR" sz="1000" dirty="0"/>
+              <a:t>                                              config.istio.io                true         </a:t>
+            </a:r>
+            <a:r>
+              <a:rPr lang="en-US" altLang="ko-KR" sz="1000" dirty="0" err="1"/>
+              <a:t>statsd</a:t>
+            </a:r>
+            <a:endParaRPr lang="en-US" altLang="ko-KR" sz="1000" dirty="0"/>
+          </a:p>
+          <a:p>
+            <a:r>
+              <a:rPr lang="en-US" altLang="ko-KR" sz="1000" dirty="0" err="1"/>
+              <a:t>stdios</a:t>
+            </a:r>
+            <a:r>
+              <a:rPr lang="en-US" altLang="ko-KR" sz="1000" dirty="0"/>
+              <a:t>                                               config.istio.io                true         </a:t>
+            </a:r>
+            <a:r>
+              <a:rPr lang="en-US" altLang="ko-KR" sz="1000" dirty="0" err="1"/>
+              <a:t>stdio</a:t>
+            </a:r>
+            <a:endParaRPr lang="en-US" altLang="ko-KR" sz="1000" dirty="0"/>
+          </a:p>
+          <a:p>
+            <a:r>
+              <a:rPr lang="en-US" altLang="ko-KR" sz="1000" dirty="0"/>
+              <a:t>templates                                            config.istio.io                true         template</a:t>
+            </a:r>
+          </a:p>
+          <a:p>
+            <a:r>
+              <a:rPr lang="en-US" altLang="ko-KR" sz="1000" dirty="0" err="1"/>
+              <a:t>tracespans</a:t>
+            </a:r>
+            <a:r>
+              <a:rPr lang="en-US" altLang="ko-KR" sz="1000" dirty="0"/>
+              <a:t>                                           config.istio.io                true         </a:t>
+            </a:r>
+            <a:r>
+              <a:rPr lang="en-US" altLang="ko-KR" sz="1000" dirty="0" err="1"/>
+              <a:t>tracespan</a:t>
+            </a:r>
+            <a:endParaRPr lang="en-US" altLang="ko-KR" sz="1000" dirty="0"/>
+          </a:p>
+          <a:p>
+            <a:r>
+              <a:rPr lang="en-US" altLang="ko-KR" sz="1000" dirty="0"/>
+              <a:t>installations                                        istio.openshift.com            true         Installation</a:t>
+            </a:r>
+          </a:p>
+          <a:p>
+            <a:r>
+              <a:rPr lang="en-US" altLang="ko-KR" sz="1000" dirty="0" err="1"/>
+              <a:t>destinationrules</a:t>
+            </a:r>
+            <a:r>
+              <a:rPr lang="en-US" altLang="ko-KR" sz="1000" dirty="0"/>
+              <a:t>                                     networking.istio.io            true         </a:t>
+            </a:r>
+            <a:r>
+              <a:rPr lang="en-US" altLang="ko-KR" sz="1000" dirty="0" err="1"/>
+              <a:t>DestinationRule</a:t>
+            </a:r>
+            <a:endParaRPr lang="en-US" altLang="ko-KR" sz="1000" dirty="0"/>
+          </a:p>
+          <a:p>
+            <a:r>
+              <a:rPr lang="en-US" altLang="ko-KR" sz="1000" dirty="0" err="1"/>
+              <a:t>envoyfilters</a:t>
+            </a:r>
+            <a:r>
+              <a:rPr lang="en-US" altLang="ko-KR" sz="1000" dirty="0"/>
+              <a:t>                                         networking.istio.io            true         </a:t>
+            </a:r>
+            <a:r>
+              <a:rPr lang="en-US" altLang="ko-KR" sz="1000" dirty="0" err="1"/>
+              <a:t>EnvoyFilter</a:t>
+            </a:r>
+            <a:endParaRPr lang="en-US" altLang="ko-KR" sz="1000" dirty="0"/>
+          </a:p>
+          <a:p>
+            <a:r>
+              <a:rPr lang="en-US" altLang="ko-KR" sz="1000" dirty="0"/>
+              <a:t>gateways                                             networking.istio.io            true         Gateway</a:t>
+            </a:r>
+          </a:p>
+          <a:p>
+            <a:r>
+              <a:rPr lang="en-US" altLang="ko-KR" sz="1000" dirty="0" err="1"/>
+              <a:t>serviceentries</a:t>
+            </a:r>
+            <a:r>
+              <a:rPr lang="en-US" altLang="ko-KR" sz="1000" dirty="0"/>
+              <a:t>                                       networking.istio.io            true         </a:t>
+            </a:r>
+            <a:r>
+              <a:rPr lang="en-US" altLang="ko-KR" sz="1000" dirty="0" err="1"/>
+              <a:t>ServiceEntry</a:t>
+            </a:r>
+            <a:endParaRPr lang="en-US" altLang="ko-KR" sz="1000" dirty="0"/>
+          </a:p>
+          <a:p>
+            <a:r>
+              <a:rPr lang="en-US" altLang="ko-KR" sz="1000" dirty="0" err="1"/>
+              <a:t>virtualservices</a:t>
+            </a:r>
+            <a:r>
+              <a:rPr lang="en-US" altLang="ko-KR" sz="1000" dirty="0"/>
+              <a:t>                                      networking.istio.io            true         </a:t>
+            </a:r>
+            <a:r>
+              <a:rPr lang="en-US" altLang="ko-KR" sz="1000" dirty="0" err="1"/>
+              <a:t>VirtualService</a:t>
+            </a:r>
+            <a:endParaRPr lang="en-US" altLang="ko-KR" sz="1000" dirty="0"/>
+          </a:p>
+          <a:p>
+            <a:r>
+              <a:rPr lang="en-US" altLang="ko-KR" sz="1000" dirty="0" err="1"/>
+              <a:t>rbacconfigs</a:t>
+            </a:r>
+            <a:r>
+              <a:rPr lang="en-US" altLang="ko-KR" sz="1000" dirty="0"/>
+              <a:t>                                          rbac.istio.io                  true         </a:t>
+            </a:r>
+            <a:r>
+              <a:rPr lang="en-US" altLang="ko-KR" sz="1000" dirty="0" err="1"/>
+              <a:t>RbacConfig</a:t>
+            </a:r>
+            <a:endParaRPr lang="en-US" altLang="ko-KR" sz="1000" dirty="0"/>
+          </a:p>
+          <a:p>
+            <a:r>
+              <a:rPr lang="en-US" altLang="ko-KR" sz="1000" dirty="0" err="1"/>
+              <a:t>servicerolebindings</a:t>
+            </a:r>
+            <a:r>
+              <a:rPr lang="en-US" altLang="ko-KR" sz="1000" dirty="0"/>
+              <a:t>                                  rbac.istio.io                  true         </a:t>
+            </a:r>
+            <a:r>
+              <a:rPr lang="en-US" altLang="ko-KR" sz="1000" dirty="0" err="1"/>
+              <a:t>ServiceRoleBinding</a:t>
+            </a:r>
+            <a:endParaRPr lang="en-US" altLang="ko-KR" sz="1000" dirty="0"/>
+          </a:p>
+          <a:p>
+            <a:r>
+              <a:rPr lang="en-US" altLang="ko-KR" sz="1000" dirty="0" err="1"/>
+              <a:t>serviceroles</a:t>
+            </a:r>
+            <a:r>
+              <a:rPr lang="en-US" altLang="ko-KR" sz="1000" dirty="0"/>
+              <a:t>                                         rbac.istio.io                  true         </a:t>
+            </a:r>
+            <a:r>
+              <a:rPr lang="en-US" altLang="ko-KR" sz="1000" dirty="0" err="1"/>
+              <a:t>ServiceRole</a:t>
+            </a:r>
+            <a:endParaRPr lang="en-US" altLang="ko-KR" sz="1000" dirty="0"/>
+          </a:p>
+          <a:p>
+            <a:endParaRPr lang="en-US" altLang="ko-KR" sz="1000" dirty="0" smtClean="0"/>
           </a:p>
         </p:txBody>
       </p:sp>
     </p:spTree>
     <p:extLst>
       <p:ext uri="{BB962C8B-B14F-4D97-AF65-F5344CB8AC3E}">
-        <p14:creationId xmlns:p14="http://schemas.microsoft.com/office/powerpoint/2010/main" val="1917383772"/>
+        <p14:creationId xmlns:p14="http://schemas.microsoft.com/office/powerpoint/2010/main" val="3009501957"/>
       </p:ext>
     </p:extLst>
   </p:cSld>
@@ -9082,7 +9219,7 @@
         <p:spPr>
           <a:xfrm>
             <a:off x="509154" y="187035"/>
-            <a:ext cx="2069797" cy="369332"/>
+            <a:ext cx="1526380" cy="369332"/>
           </a:xfrm>
           <a:prstGeom prst="rect">
             <a:avLst/>
@@ -9100,12 +9237,8 @@
               <a:t>Istio</a:t>
             </a:r>
             <a:r>
-              <a:rPr lang="en-US" altLang="ko-KR" b="1" dirty="0" smtClean="0"/>
+              <a:rPr lang="ko-KR" altLang="en-US" b="1" dirty="0" smtClean="0"/>
               <a:t> </a:t>
-            </a:r>
-            <a:r>
-              <a:rPr lang="ko-KR" altLang="en-US" b="1" smtClean="0"/>
-              <a:t>주요 </a:t>
             </a:r>
             <a:r>
               <a:rPr lang="en-US" altLang="ko-KR" b="1" dirty="0" smtClean="0"/>
@@ -9117,19 +9250,396 @@
       </p:sp>
       <p:sp>
         <p:nvSpPr>
-          <p:cNvPr id="6" name="직사각형 5"/>
-          <p:cNvSpPr/>
+          <p:cNvPr id="45" name="TextBox 44"/>
+          <p:cNvSpPr txBox="1"/>
           <p:nvPr/>
         </p:nvSpPr>
         <p:spPr>
           <a:xfrm>
-            <a:off x="1463960" y="1413806"/>
-            <a:ext cx="8876662" cy="5090905"/>
+            <a:off x="421430" y="960702"/>
+            <a:ext cx="11787714" cy="3046988"/>
           </a:xfrm>
           <a:prstGeom prst="rect">
             <a:avLst/>
           </a:prstGeom>
           <a:noFill/>
+        </p:spPr>
+        <p:txBody>
+          <a:bodyPr wrap="none" rtlCol="0">
+            <a:spAutoFit/>
+          </a:bodyPr>
+          <a:lstStyle/>
+          <a:p>
+            <a:r>
+              <a:rPr lang="en-US" altLang="ko-KR" sz="1600" dirty="0" smtClean="0"/>
+              <a:t>2. </a:t>
+            </a:r>
+            <a:r>
+              <a:rPr lang="en-US" altLang="ko-KR" sz="1600" dirty="0" err="1" smtClean="0"/>
+              <a:t>istio</a:t>
+            </a:r>
+            <a:r>
+              <a:rPr lang="ko-KR" altLang="en-US" sz="1600" dirty="0" smtClean="0"/>
+              <a:t>를 설치하였다고 </a:t>
+            </a:r>
+            <a:r>
+              <a:rPr lang="en-US" altLang="ko-KR" sz="1600" dirty="0" err="1" smtClean="0"/>
+              <a:t>kubernetes</a:t>
+            </a:r>
+            <a:r>
+              <a:rPr lang="en-US" altLang="ko-KR" sz="1600" dirty="0" smtClean="0"/>
+              <a:t> </a:t>
+            </a:r>
+            <a:r>
+              <a:rPr lang="ko-KR" altLang="en-US" sz="1600" dirty="0" smtClean="0"/>
+              <a:t>오브젝트를 못 </a:t>
+            </a:r>
+            <a:r>
+              <a:rPr lang="ko-KR" altLang="en-US" sz="1600" dirty="0" err="1" smtClean="0"/>
+              <a:t>사용거나</a:t>
+            </a:r>
+            <a:r>
+              <a:rPr lang="ko-KR" altLang="en-US" sz="1600" dirty="0" smtClean="0"/>
+              <a:t> 택일하여 </a:t>
+            </a:r>
+            <a:r>
+              <a:rPr lang="ko-KR" altLang="en-US" sz="1600" dirty="0" err="1" smtClean="0"/>
+              <a:t>사용해야하는</a:t>
+            </a:r>
+            <a:r>
+              <a:rPr lang="ko-KR" altLang="en-US" sz="1600" dirty="0" smtClean="0"/>
+              <a:t> 것이 아니다</a:t>
+            </a:r>
+            <a:r>
+              <a:rPr lang="en-US" altLang="ko-KR" sz="1600" dirty="0" smtClean="0"/>
+              <a:t>. </a:t>
+            </a:r>
+            <a:r>
+              <a:rPr lang="en-US" altLang="ko-KR" sz="1600" dirty="0" err="1" smtClean="0"/>
+              <a:t>Kubernetes</a:t>
+            </a:r>
+            <a:r>
+              <a:rPr lang="ko-KR" altLang="en-US" sz="1600" dirty="0" smtClean="0"/>
+              <a:t>의 기능을</a:t>
+            </a:r>
+            <a:endParaRPr lang="en-US" altLang="ko-KR" sz="1600" dirty="0" smtClean="0"/>
+          </a:p>
+          <a:p>
+            <a:r>
+              <a:rPr lang="ko-KR" altLang="en-US" sz="1600" dirty="0" smtClean="0"/>
+              <a:t>기본으로 </a:t>
+            </a:r>
+            <a:r>
+              <a:rPr lang="en-US" altLang="ko-KR" sz="1600" dirty="0" err="1" smtClean="0"/>
+              <a:t>istio</a:t>
+            </a:r>
+            <a:r>
+              <a:rPr lang="ko-KR" altLang="en-US" sz="1600" dirty="0" smtClean="0"/>
+              <a:t>만의 추가적인 기능을 </a:t>
+            </a:r>
+            <a:r>
+              <a:rPr lang="en-US" altLang="ko-KR" sz="1600" dirty="0" smtClean="0"/>
+              <a:t>+a</a:t>
+            </a:r>
+            <a:r>
+              <a:rPr lang="ko-KR" altLang="en-US" sz="1600" dirty="0" smtClean="0"/>
+              <a:t>로 활용 가능하다</a:t>
+            </a:r>
+            <a:r>
+              <a:rPr lang="en-US" altLang="ko-KR" sz="1600" dirty="0" smtClean="0"/>
+              <a:t>.</a:t>
+            </a:r>
+          </a:p>
+          <a:p>
+            <a:endParaRPr lang="en-US" altLang="ko-KR" sz="1600" dirty="0"/>
+          </a:p>
+          <a:p>
+            <a:r>
+              <a:rPr lang="en-US" altLang="ko-KR" sz="1600" dirty="0" smtClean="0"/>
+              <a:t>3. </a:t>
+            </a:r>
+            <a:r>
+              <a:rPr lang="en-US" altLang="ko-KR" sz="1600" dirty="0" err="1"/>
+              <a:t>i</a:t>
+            </a:r>
+            <a:r>
+              <a:rPr lang="en-US" altLang="ko-KR" sz="1600" dirty="0" err="1" smtClean="0"/>
+              <a:t>stio</a:t>
+            </a:r>
+            <a:r>
+              <a:rPr lang="ko-KR" altLang="en-US" sz="1600" dirty="0" smtClean="0"/>
+              <a:t>를 설치하면</a:t>
+            </a:r>
+            <a:r>
+              <a:rPr lang="en-US" altLang="ko-KR" sz="1600" dirty="0"/>
+              <a:t> Pilot, Mixer, Citadel, and the API </a:t>
+            </a:r>
+            <a:r>
+              <a:rPr lang="en-US" altLang="ko-KR" sz="1600" dirty="0" smtClean="0"/>
+              <a:t>server</a:t>
+            </a:r>
+            <a:r>
+              <a:rPr lang="ko-KR" altLang="en-US" sz="1600" dirty="0" smtClean="0"/>
+              <a:t>가 설치되고 </a:t>
+            </a:r>
+            <a:r>
+              <a:rPr lang="en-US" altLang="ko-KR" sz="1600" dirty="0" smtClean="0"/>
+              <a:t>API server</a:t>
+            </a:r>
+            <a:r>
+              <a:rPr lang="ko-KR" altLang="en-US" sz="1600" dirty="0" smtClean="0"/>
+              <a:t>는 </a:t>
+            </a:r>
+            <a:r>
+              <a:rPr lang="en-US" altLang="ko-KR" sz="1600" dirty="0" err="1" smtClean="0"/>
+              <a:t>kubernetes’s</a:t>
+            </a:r>
+            <a:r>
+              <a:rPr lang="en-US" altLang="ko-KR" sz="1600" dirty="0" smtClean="0"/>
+              <a:t> API server</a:t>
+            </a:r>
+            <a:r>
+              <a:rPr lang="ko-KR" altLang="en-US" sz="1600" dirty="0" smtClean="0"/>
+              <a:t>를 기본으로 한다</a:t>
+            </a:r>
+            <a:r>
+              <a:rPr lang="en-US" altLang="ko-KR" sz="1600" dirty="0" smtClean="0"/>
+              <a:t>.</a:t>
+            </a:r>
+          </a:p>
+          <a:p>
+            <a:r>
+              <a:rPr lang="ko-KR" altLang="en-US" sz="1600" dirty="0" smtClean="0"/>
+              <a:t>즉</a:t>
+            </a:r>
+            <a:r>
+              <a:rPr lang="en-US" altLang="ko-KR" sz="1600" dirty="0" smtClean="0"/>
+              <a:t>, </a:t>
+            </a:r>
+            <a:r>
+              <a:rPr lang="en-US" altLang="ko-KR" sz="1600" dirty="0" smtClean="0"/>
+              <a:t>CRDs</a:t>
+            </a:r>
+            <a:r>
+              <a:rPr lang="ko-KR" altLang="en-US" sz="1600" dirty="0" smtClean="0"/>
+              <a:t>에 의해 추가된 </a:t>
+            </a:r>
+            <a:r>
+              <a:rPr lang="en-US" altLang="ko-KR" sz="1600" dirty="0" err="1" smtClean="0"/>
+              <a:t>istio</a:t>
+            </a:r>
+            <a:r>
+              <a:rPr lang="ko-KR" altLang="en-US" sz="1600" dirty="0" smtClean="0"/>
+              <a:t>의 오브젝트들도 </a:t>
+            </a:r>
+            <a:r>
+              <a:rPr lang="en-US" altLang="ko-KR" sz="1600" dirty="0" err="1"/>
+              <a:t>kubernetes’s</a:t>
+            </a:r>
+            <a:r>
+              <a:rPr lang="en-US" altLang="ko-KR" sz="1600" dirty="0"/>
+              <a:t> API </a:t>
+            </a:r>
+            <a:r>
+              <a:rPr lang="en-US" altLang="ko-KR" sz="1600" dirty="0" smtClean="0"/>
+              <a:t>server</a:t>
+            </a:r>
+            <a:r>
+              <a:rPr lang="ko-KR" altLang="en-US" sz="1600" dirty="0" smtClean="0"/>
+              <a:t>에 의해 관리가 가능하게 된다</a:t>
+            </a:r>
+            <a:r>
+              <a:rPr lang="en-US" altLang="ko-KR" sz="1600" dirty="0" smtClean="0"/>
+              <a:t>.</a:t>
+            </a:r>
+          </a:p>
+          <a:p>
+            <a:r>
+              <a:rPr lang="en-US" altLang="ko-KR" sz="1600" dirty="0" smtClean="0"/>
+              <a:t> - Mixer: policy/telemetry pod</a:t>
+            </a:r>
+          </a:p>
+          <a:p>
+            <a:r>
+              <a:rPr lang="en-US" altLang="ko-KR" sz="1600" dirty="0"/>
+              <a:t> </a:t>
+            </a:r>
+            <a:r>
+              <a:rPr lang="en-US" altLang="ko-KR" sz="1600" dirty="0" smtClean="0"/>
+              <a:t>- Pilot: pilot/</a:t>
+            </a:r>
+            <a:r>
+              <a:rPr lang="en-US" altLang="ko-KR" sz="1600" dirty="0" err="1" smtClean="0"/>
+              <a:t>ingressgateway</a:t>
+            </a:r>
+            <a:r>
+              <a:rPr lang="en-US" altLang="ko-KR" sz="1600" dirty="0" smtClean="0"/>
+              <a:t>/</a:t>
+            </a:r>
+            <a:r>
+              <a:rPr lang="en-US" altLang="ko-KR" sz="1600" dirty="0" err="1" smtClean="0"/>
+              <a:t>egressgateway</a:t>
+            </a:r>
+            <a:r>
+              <a:rPr lang="en-US" altLang="ko-KR" sz="1600" dirty="0" smtClean="0"/>
+              <a:t> pod</a:t>
+            </a:r>
+          </a:p>
+          <a:p>
+            <a:r>
+              <a:rPr lang="en-US" altLang="ko-KR" sz="1600" dirty="0"/>
+              <a:t> </a:t>
+            </a:r>
+            <a:r>
+              <a:rPr lang="en-US" altLang="ko-KR" sz="1600" dirty="0" smtClean="0"/>
+              <a:t>- Citadel: citadel(</a:t>
+            </a:r>
+            <a:r>
+              <a:rPr lang="ko-KR" altLang="en-US" sz="1600" dirty="0" smtClean="0"/>
+              <a:t>인증</a:t>
+            </a:r>
+            <a:r>
+              <a:rPr lang="en-US" altLang="ko-KR" sz="1600" dirty="0" smtClean="0"/>
+              <a:t>,</a:t>
+            </a:r>
+            <a:r>
+              <a:rPr lang="ko-KR" altLang="en-US" sz="1600" dirty="0" smtClean="0"/>
+              <a:t>권한</a:t>
+            </a:r>
+            <a:r>
+              <a:rPr lang="en-US" altLang="ko-KR" sz="1600" dirty="0" smtClean="0"/>
+              <a:t>) pod</a:t>
+            </a:r>
+          </a:p>
+          <a:p>
+            <a:r>
+              <a:rPr lang="en-US" altLang="ko-KR" sz="1600" dirty="0"/>
+              <a:t> </a:t>
+            </a:r>
+            <a:r>
+              <a:rPr lang="en-US" altLang="ko-KR" sz="1600" dirty="0" smtClean="0"/>
+              <a:t>- Galley: galley(</a:t>
+            </a:r>
+            <a:r>
+              <a:rPr lang="en-US" altLang="ko-KR" sz="1600" dirty="0" err="1" smtClean="0"/>
+              <a:t>Config</a:t>
+            </a:r>
+            <a:r>
+              <a:rPr lang="en-US" altLang="ko-KR" sz="1600" dirty="0" smtClean="0"/>
+              <a:t> validator) pod</a:t>
+            </a:r>
+          </a:p>
+          <a:p>
+            <a:r>
+              <a:rPr lang="en-US" altLang="ko-KR" sz="1600" dirty="0"/>
+              <a:t> </a:t>
+            </a:r>
+            <a:r>
+              <a:rPr lang="en-US" altLang="ko-KR" sz="1600" dirty="0" smtClean="0"/>
+              <a:t>- Envoy: sidecar-injector pod</a:t>
+            </a:r>
+          </a:p>
+          <a:p>
+            <a:endParaRPr lang="en-US" altLang="ko-KR" sz="1600" dirty="0"/>
+          </a:p>
+          <a:p>
+            <a:r>
+              <a:rPr lang="en-US" altLang="ko-KR" sz="1600" dirty="0" smtClean="0"/>
+              <a:t>4. </a:t>
+            </a:r>
+            <a:r>
+              <a:rPr lang="en-US" altLang="ko-KR" sz="1600" dirty="0" err="1" smtClean="0"/>
+              <a:t>kubectl</a:t>
+            </a:r>
+            <a:r>
+              <a:rPr lang="en-US" altLang="ko-KR" sz="1600" dirty="0" smtClean="0"/>
+              <a:t> client command </a:t>
+            </a:r>
+            <a:r>
+              <a:rPr lang="ko-KR" altLang="en-US" sz="1600" dirty="0" smtClean="0"/>
+              <a:t>통해 관리가 가능하지만 </a:t>
+            </a:r>
+            <a:r>
+              <a:rPr lang="en-US" altLang="ko-KR" sz="1600" dirty="0" err="1" smtClean="0"/>
+              <a:t>istio</a:t>
+            </a:r>
+            <a:r>
+              <a:rPr lang="ko-KR" altLang="en-US" sz="1600" dirty="0" smtClean="0"/>
+              <a:t>만의 설정 관리는 </a:t>
+            </a:r>
+            <a:r>
+              <a:rPr lang="en-US" altLang="ko-KR" sz="1600" dirty="0" err="1" smtClean="0"/>
+              <a:t>istioctl</a:t>
+            </a:r>
+            <a:r>
+              <a:rPr lang="en-US" altLang="ko-KR" sz="1600" dirty="0" smtClean="0"/>
+              <a:t> client command </a:t>
+            </a:r>
+            <a:r>
+              <a:rPr lang="ko-KR" altLang="en-US" sz="1600" dirty="0" smtClean="0"/>
+              <a:t>로 가능하다</a:t>
+            </a:r>
+            <a:r>
+              <a:rPr lang="en-US" altLang="ko-KR" sz="1600" dirty="0" smtClean="0"/>
+              <a:t>.</a:t>
+            </a:r>
+            <a:endParaRPr lang="en-US" altLang="ko-KR" sz="1000" dirty="0" smtClean="0"/>
+          </a:p>
+        </p:txBody>
+      </p:sp>
+    </p:spTree>
+    <p:extLst>
+      <p:ext uri="{BB962C8B-B14F-4D97-AF65-F5344CB8AC3E}">
+        <p14:creationId xmlns:p14="http://schemas.microsoft.com/office/powerpoint/2010/main" val="1106693190"/>
+      </p:ext>
+    </p:extLst>
+  </p:cSld>
+  <p:clrMapOvr>
+    <a:masterClrMapping/>
+  </p:clrMapOvr>
+</p:sld>
+</file>
+
+<file path=ppt/slides/slide7.xml><?xml version="1.0" encoding="utf-8"?>
+<p:sld xmlns:a="http://schemas.openxmlformats.org/drawingml/2006/main" xmlns:r="http://schemas.openxmlformats.org/officeDocument/2006/relationships" xmlns:p="http://schemas.openxmlformats.org/presentationml/2006/main">
+  <p:cSld>
+    <p:spTree>
+      <p:nvGrpSpPr>
+        <p:cNvPr id="1" name=""/>
+        <p:cNvGrpSpPr/>
+        <p:nvPr/>
+      </p:nvGrpSpPr>
+      <p:grpSpPr>
+        <a:xfrm>
+          <a:off x="0" y="0"/>
+          <a:ext cx="0" cy="0"/>
+          <a:chOff x="0" y="0"/>
+          <a:chExt cx="0" cy="0"/>
+        </a:xfrm>
+      </p:grpSpPr>
+      <p:sp>
+        <p:nvSpPr>
+          <p:cNvPr id="2" name="직사각형 1"/>
+          <p:cNvSpPr/>
+          <p:nvPr/>
+        </p:nvSpPr>
+        <p:spPr>
+          <a:xfrm>
+            <a:off x="0" y="633845"/>
+            <a:ext cx="6546273" cy="103909"/>
+          </a:xfrm>
+          <a:prstGeom prst="rect">
+            <a:avLst/>
+          </a:prstGeom>
+          <a:solidFill>
+            <a:schemeClr val="tx1">
+              <a:lumMod val="75000"/>
+              <a:lumOff val="25000"/>
+            </a:schemeClr>
+          </a:solidFill>
+          <a:ln>
+            <a:noFill/>
+          </a:ln>
         </p:spPr>
         <p:style>
           <a:lnRef idx="2">
@@ -9158,49 +9668,26 @@
       </p:sp>
       <p:sp>
         <p:nvSpPr>
-          <p:cNvPr id="7" name="TextBox 6"/>
-          <p:cNvSpPr txBox="1"/>
+          <p:cNvPr id="3" name="직사각형 2"/>
+          <p:cNvSpPr/>
           <p:nvPr/>
         </p:nvSpPr>
         <p:spPr>
           <a:xfrm>
-            <a:off x="1463960" y="1409703"/>
-            <a:ext cx="865622" cy="369332"/>
+            <a:off x="6547553" y="633846"/>
+            <a:ext cx="3029784" cy="108012"/>
           </a:xfrm>
           <a:prstGeom prst="rect">
             <a:avLst/>
           </a:prstGeom>
-          <a:noFill/>
-        </p:spPr>
-        <p:txBody>
-          <a:bodyPr wrap="none" rtlCol="0">
-            <a:spAutoFit/>
-          </a:bodyPr>
-          <a:lstStyle/>
-          <a:p>
-            <a:r>
-              <a:rPr lang="en-US" altLang="ko-KR" dirty="0" smtClean="0"/>
-              <a:t>cluster</a:t>
-            </a:r>
-            <a:endParaRPr lang="ko-KR" altLang="en-US"/>
-          </a:p>
-        </p:txBody>
-      </p:sp>
-      <p:sp>
-        <p:nvSpPr>
-          <p:cNvPr id="8" name="직사각형 7"/>
-          <p:cNvSpPr/>
-          <p:nvPr/>
-        </p:nvSpPr>
-        <p:spPr>
-          <a:xfrm>
-            <a:off x="1896771" y="2185813"/>
-            <a:ext cx="1162514" cy="733778"/>
-          </a:xfrm>
-          <a:prstGeom prst="rect">
-            <a:avLst/>
-          </a:prstGeom>
-          <a:noFill/>
+          <a:solidFill>
+            <a:schemeClr val="accent1">
+              <a:lumMod val="75000"/>
+            </a:schemeClr>
+          </a:solidFill>
+          <a:ln>
+            <a:noFill/>
+          </a:ln>
         </p:spPr>
         <p:style>
           <a:lnRef idx="2">
@@ -9223,59 +9710,32 @@
           <a:lstStyle/>
           <a:p>
             <a:pPr algn="ctr"/>
-            <a:r>
-              <a:rPr lang="en-US" altLang="ko-KR" sz="1400" dirty="0" smtClean="0">
-                <a:solidFill>
-                  <a:schemeClr val="tx1"/>
-                </a:solidFill>
-              </a:rPr>
-              <a:t>ingress</a:t>
-            </a:r>
-          </a:p>
-          <a:p>
-            <a:pPr algn="ctr"/>
-            <a:r>
-              <a:rPr lang="en-US" altLang="ko-KR" sz="1400" dirty="0" smtClean="0">
-                <a:solidFill>
-                  <a:schemeClr val="tx1"/>
-                </a:solidFill>
-              </a:rPr>
-              <a:t>gateway</a:t>
-            </a:r>
-          </a:p>
-          <a:p>
-            <a:pPr algn="ctr"/>
-            <a:r>
-              <a:rPr lang="en-US" altLang="ko-KR" sz="1400" dirty="0" smtClean="0">
-                <a:solidFill>
-                  <a:schemeClr val="tx1"/>
-                </a:solidFill>
-              </a:rPr>
-              <a:t>pod</a:t>
-            </a:r>
-            <a:endParaRPr lang="ko-KR" altLang="en-US" sz="1400">
-              <a:solidFill>
-                <a:schemeClr val="tx1"/>
-              </a:solidFill>
-            </a:endParaRPr>
-          </a:p>
-        </p:txBody>
-      </p:sp>
-      <p:sp>
-        <p:nvSpPr>
-          <p:cNvPr id="10" name="직사각형 9"/>
+            <a:endParaRPr lang="ko-KR" altLang="en-US"/>
+          </a:p>
+        </p:txBody>
+      </p:sp>
+      <p:sp>
+        <p:nvSpPr>
+          <p:cNvPr id="4" name="직사각형 3"/>
           <p:cNvSpPr/>
           <p:nvPr/>
         </p:nvSpPr>
         <p:spPr>
           <a:xfrm>
-            <a:off x="4439336" y="2185813"/>
-            <a:ext cx="1162514" cy="733778"/>
+            <a:off x="9577337" y="630380"/>
+            <a:ext cx="2607735" cy="107374"/>
           </a:xfrm>
           <a:prstGeom prst="rect">
             <a:avLst/>
           </a:prstGeom>
-          <a:noFill/>
+          <a:solidFill>
+            <a:schemeClr val="bg1">
+              <a:lumMod val="65000"/>
+            </a:schemeClr>
+          </a:solidFill>
+          <a:ln>
+            <a:noFill/>
+          </a:ln>
         </p:spPr>
         <p:style>
           <a:lnRef idx="2">
@@ -9298,43 +9758,62 @@
           <a:lstStyle/>
           <a:p>
             <a:pPr algn="ctr"/>
-            <a:r>
-              <a:rPr lang="en-US" altLang="ko-KR" dirty="0" smtClean="0">
-                <a:solidFill>
-                  <a:schemeClr val="tx1"/>
-                </a:solidFill>
-              </a:rPr>
-              <a:t>svc</a:t>
-            </a:r>
-          </a:p>
-          <a:p>
-            <a:pPr algn="ctr"/>
-            <a:r>
-              <a:rPr lang="en-US" altLang="ko-KR" dirty="0" smtClean="0">
-                <a:solidFill>
-                  <a:schemeClr val="tx1"/>
-                </a:solidFill>
-              </a:rPr>
-              <a:t>pod</a:t>
-            </a:r>
-            <a:endParaRPr lang="ko-KR" altLang="en-US">
-              <a:solidFill>
-                <a:schemeClr val="tx1"/>
-              </a:solidFill>
-            </a:endParaRPr>
-          </a:p>
-        </p:txBody>
-      </p:sp>
-      <p:sp>
-        <p:nvSpPr>
-          <p:cNvPr id="11" name="직사각형 10"/>
+            <a:endParaRPr lang="ko-KR" altLang="en-US"/>
+          </a:p>
+        </p:txBody>
+      </p:sp>
+      <p:sp>
+        <p:nvSpPr>
+          <p:cNvPr id="5" name="TextBox 4"/>
+          <p:cNvSpPr txBox="1"/>
+          <p:nvPr/>
+        </p:nvSpPr>
+        <p:spPr>
+          <a:xfrm>
+            <a:off x="509154" y="187035"/>
+            <a:ext cx="2069797" cy="369332"/>
+          </a:xfrm>
+          <a:prstGeom prst="rect">
+            <a:avLst/>
+          </a:prstGeom>
+          <a:noFill/>
+        </p:spPr>
+        <p:txBody>
+          <a:bodyPr wrap="none" rtlCol="0">
+            <a:spAutoFit/>
+          </a:bodyPr>
+          <a:lstStyle/>
+          <a:p>
+            <a:r>
+              <a:rPr lang="en-US" altLang="ko-KR" b="1" dirty="0" err="1" smtClean="0"/>
+              <a:t>Istio</a:t>
+            </a:r>
+            <a:r>
+              <a:rPr lang="en-US" altLang="ko-KR" b="1" dirty="0" smtClean="0"/>
+              <a:t> </a:t>
+            </a:r>
+            <a:r>
+              <a:rPr lang="ko-KR" altLang="en-US" b="1" smtClean="0"/>
+              <a:t>주요 </a:t>
+            </a:r>
+            <a:r>
+              <a:rPr lang="en-US" altLang="ko-KR" b="1" dirty="0" smtClean="0"/>
+              <a:t>objects</a:t>
+            </a:r>
+            <a:endParaRPr lang="ko-KR" altLang="en-US" b="1" dirty="0"/>
+          </a:p>
+        </p:txBody>
+      </p:sp>
+      <p:sp>
+        <p:nvSpPr>
+          <p:cNvPr id="6" name="직사각형 5"/>
           <p:cNvSpPr/>
           <p:nvPr/>
         </p:nvSpPr>
         <p:spPr>
           <a:xfrm>
-            <a:off x="7074784" y="2185813"/>
-            <a:ext cx="1162514" cy="733778"/>
+            <a:off x="1463960" y="1756709"/>
+            <a:ext cx="8876662" cy="4745695"/>
           </a:xfrm>
           <a:prstGeom prst="rect">
             <a:avLst/>
@@ -9362,45 +9841,52 @@
           <a:lstStyle/>
           <a:p>
             <a:pPr algn="ctr"/>
-            <a:r>
-              <a:rPr lang="en-US" altLang="ko-KR" dirty="0" smtClean="0">
-                <a:solidFill>
-                  <a:schemeClr val="tx1"/>
-                </a:solidFill>
-              </a:rPr>
-              <a:t>svc</a:t>
-            </a:r>
-          </a:p>
-          <a:p>
-            <a:pPr algn="ctr"/>
-            <a:r>
-              <a:rPr lang="en-US" altLang="ko-KR" dirty="0" smtClean="0">
-                <a:solidFill>
-                  <a:schemeClr val="tx1"/>
-                </a:solidFill>
-              </a:rPr>
-              <a:t>pod</a:t>
-            </a:r>
-            <a:endParaRPr lang="ko-KR" altLang="en-US">
-              <a:solidFill>
-                <a:schemeClr val="tx1"/>
-              </a:solidFill>
-            </a:endParaRPr>
-          </a:p>
-        </p:txBody>
-      </p:sp>
-      <p:sp>
-        <p:nvSpPr>
-          <p:cNvPr id="15" name="세로로 말린 두루마리 모양 14"/>
+            <a:endParaRPr lang="ko-KR" altLang="en-US"/>
+          </a:p>
+        </p:txBody>
+      </p:sp>
+      <p:sp>
+        <p:nvSpPr>
+          <p:cNvPr id="7" name="TextBox 6"/>
+          <p:cNvSpPr txBox="1"/>
+          <p:nvPr/>
+        </p:nvSpPr>
+        <p:spPr>
+          <a:xfrm>
+            <a:off x="1463960" y="1752606"/>
+            <a:ext cx="865622" cy="369332"/>
+          </a:xfrm>
+          <a:prstGeom prst="rect">
+            <a:avLst/>
+          </a:prstGeom>
+          <a:noFill/>
+        </p:spPr>
+        <p:txBody>
+          <a:bodyPr wrap="none" rtlCol="0">
+            <a:spAutoFit/>
+          </a:bodyPr>
+          <a:lstStyle/>
+          <a:p>
+            <a:r>
+              <a:rPr lang="en-US" altLang="ko-KR" dirty="0" smtClean="0"/>
+              <a:t>cluster</a:t>
+            </a:r>
+            <a:endParaRPr lang="ko-KR" altLang="en-US"/>
+          </a:p>
+        </p:txBody>
+      </p:sp>
+      <p:sp>
+        <p:nvSpPr>
+          <p:cNvPr id="8" name="직사각형 7"/>
           <p:cNvSpPr/>
           <p:nvPr/>
         </p:nvSpPr>
         <p:spPr>
           <a:xfrm>
-            <a:off x="4371481" y="3055697"/>
-            <a:ext cx="1298223" cy="745066"/>
-          </a:xfrm>
-          <a:prstGeom prst="verticalScroll">
+            <a:off x="1896771" y="2528716"/>
+            <a:ext cx="1162514" cy="733778"/>
+          </a:xfrm>
+          <a:prstGeom prst="rect">
             <a:avLst/>
           </a:prstGeom>
           <a:noFill/>
@@ -9427,6 +9913,279 @@
           <a:p>
             <a:pPr algn="ctr"/>
             <a:r>
+              <a:rPr lang="en-US" altLang="ko-KR" dirty="0" smtClean="0">
+                <a:solidFill>
+                  <a:schemeClr val="tx1"/>
+                </a:solidFill>
+              </a:rPr>
+              <a:t>ingress</a:t>
+            </a:r>
+          </a:p>
+          <a:p>
+            <a:pPr algn="ctr"/>
+            <a:r>
+              <a:rPr lang="en-US" altLang="ko-KR" dirty="0" smtClean="0">
+                <a:solidFill>
+                  <a:schemeClr val="tx1"/>
+                </a:solidFill>
+              </a:rPr>
+              <a:t>pod</a:t>
+            </a:r>
+            <a:endParaRPr lang="ko-KR" altLang="en-US">
+              <a:solidFill>
+                <a:schemeClr val="tx1"/>
+              </a:solidFill>
+            </a:endParaRPr>
+          </a:p>
+        </p:txBody>
+      </p:sp>
+      <p:sp>
+        <p:nvSpPr>
+          <p:cNvPr id="10" name="직사각형 9"/>
+          <p:cNvSpPr/>
+          <p:nvPr/>
+        </p:nvSpPr>
+        <p:spPr>
+          <a:xfrm>
+            <a:off x="4439336" y="2528716"/>
+            <a:ext cx="1162514" cy="733778"/>
+          </a:xfrm>
+          <a:prstGeom prst="rect">
+            <a:avLst/>
+          </a:prstGeom>
+          <a:noFill/>
+        </p:spPr>
+        <p:style>
+          <a:lnRef idx="2">
+            <a:schemeClr val="accent1">
+              <a:shade val="50000"/>
+            </a:schemeClr>
+          </a:lnRef>
+          <a:fillRef idx="1">
+            <a:schemeClr val="accent1"/>
+          </a:fillRef>
+          <a:effectRef idx="0">
+            <a:schemeClr val="accent1"/>
+          </a:effectRef>
+          <a:fontRef idx="minor">
+            <a:schemeClr val="lt1"/>
+          </a:fontRef>
+        </p:style>
+        <p:txBody>
+          <a:bodyPr rtlCol="0" anchor="ctr"/>
+          <a:lstStyle/>
+          <a:p>
+            <a:pPr algn="ctr"/>
+            <a:r>
+              <a:rPr lang="en-US" altLang="ko-KR" dirty="0" smtClean="0">
+                <a:solidFill>
+                  <a:schemeClr val="tx1"/>
+                </a:solidFill>
+              </a:rPr>
+              <a:t>svc</a:t>
+            </a:r>
+          </a:p>
+          <a:p>
+            <a:pPr algn="ctr"/>
+            <a:r>
+              <a:rPr lang="en-US" altLang="ko-KR" dirty="0" smtClean="0">
+                <a:solidFill>
+                  <a:schemeClr val="tx1"/>
+                </a:solidFill>
+              </a:rPr>
+              <a:t>pod</a:t>
+            </a:r>
+            <a:endParaRPr lang="ko-KR" altLang="en-US">
+              <a:solidFill>
+                <a:schemeClr val="tx1"/>
+              </a:solidFill>
+            </a:endParaRPr>
+          </a:p>
+        </p:txBody>
+      </p:sp>
+      <p:sp>
+        <p:nvSpPr>
+          <p:cNvPr id="11" name="직사각형 10"/>
+          <p:cNvSpPr/>
+          <p:nvPr/>
+        </p:nvSpPr>
+        <p:spPr>
+          <a:xfrm>
+            <a:off x="7074784" y="2528716"/>
+            <a:ext cx="1162514" cy="733778"/>
+          </a:xfrm>
+          <a:prstGeom prst="rect">
+            <a:avLst/>
+          </a:prstGeom>
+          <a:noFill/>
+        </p:spPr>
+        <p:style>
+          <a:lnRef idx="2">
+            <a:schemeClr val="accent1">
+              <a:shade val="50000"/>
+            </a:schemeClr>
+          </a:lnRef>
+          <a:fillRef idx="1">
+            <a:schemeClr val="accent1"/>
+          </a:fillRef>
+          <a:effectRef idx="0">
+            <a:schemeClr val="accent1"/>
+          </a:effectRef>
+          <a:fontRef idx="minor">
+            <a:schemeClr val="lt1"/>
+          </a:fontRef>
+        </p:style>
+        <p:txBody>
+          <a:bodyPr rtlCol="0" anchor="ctr"/>
+          <a:lstStyle/>
+          <a:p>
+            <a:pPr algn="ctr"/>
+            <a:r>
+              <a:rPr lang="en-US" altLang="ko-KR" dirty="0" smtClean="0">
+                <a:solidFill>
+                  <a:schemeClr val="tx1"/>
+                </a:solidFill>
+              </a:rPr>
+              <a:t>svc</a:t>
+            </a:r>
+          </a:p>
+          <a:p>
+            <a:pPr algn="ctr"/>
+            <a:r>
+              <a:rPr lang="en-US" altLang="ko-KR" dirty="0" smtClean="0">
+                <a:solidFill>
+                  <a:schemeClr val="tx1"/>
+                </a:solidFill>
+              </a:rPr>
+              <a:t>pod</a:t>
+            </a:r>
+            <a:endParaRPr lang="ko-KR" altLang="en-US">
+              <a:solidFill>
+                <a:schemeClr val="tx1"/>
+              </a:solidFill>
+            </a:endParaRPr>
+          </a:p>
+        </p:txBody>
+      </p:sp>
+      <p:sp>
+        <p:nvSpPr>
+          <p:cNvPr id="9" name="TextBox 8"/>
+          <p:cNvSpPr txBox="1"/>
+          <p:nvPr/>
+        </p:nvSpPr>
+        <p:spPr>
+          <a:xfrm>
+            <a:off x="1875771" y="3331264"/>
+            <a:ext cx="1433149" cy="1015663"/>
+          </a:xfrm>
+          <a:prstGeom prst="rect">
+            <a:avLst/>
+          </a:prstGeom>
+          <a:noFill/>
+        </p:spPr>
+        <p:txBody>
+          <a:bodyPr wrap="none" rtlCol="0">
+            <a:spAutoFit/>
+          </a:bodyPr>
+          <a:lstStyle/>
+          <a:p>
+            <a:pPr marL="285750" indent="-285750">
+              <a:buFontTx/>
+              <a:buChar char="-"/>
+            </a:pPr>
+            <a:r>
+              <a:rPr lang="en-US" altLang="ko-KR" sz="1200" dirty="0" err="1" smtClean="0"/>
+              <a:t>nginx</a:t>
+            </a:r>
+            <a:endParaRPr lang="en-US" altLang="ko-KR" sz="1200" dirty="0" smtClean="0"/>
+          </a:p>
+          <a:p>
+            <a:pPr marL="285750" indent="-285750">
+              <a:buFontTx/>
+              <a:buChar char="-"/>
+            </a:pPr>
+            <a:r>
+              <a:rPr lang="en-US" altLang="ko-KR" sz="1200" dirty="0" err="1" smtClean="0"/>
+              <a:t>traefik</a:t>
+            </a:r>
+            <a:endParaRPr lang="en-US" altLang="ko-KR" sz="1200" dirty="0" smtClean="0"/>
+          </a:p>
+          <a:p>
+            <a:pPr marL="285750" indent="-285750">
+              <a:buFontTx/>
+              <a:buChar char="-"/>
+            </a:pPr>
+            <a:r>
+              <a:rPr lang="en-US" altLang="ko-KR" sz="1200" dirty="0" err="1" smtClean="0"/>
+              <a:t>gloo</a:t>
+            </a:r>
+            <a:endParaRPr lang="en-US" altLang="ko-KR" sz="1200" dirty="0" smtClean="0"/>
+          </a:p>
+          <a:p>
+            <a:pPr marL="285750" indent="-285750">
+              <a:buFontTx/>
+              <a:buChar char="-"/>
+            </a:pPr>
+            <a:r>
+              <a:rPr lang="en-US" altLang="ko-KR" sz="1200" dirty="0" err="1" smtClean="0"/>
+              <a:t>ose</a:t>
+            </a:r>
+            <a:r>
+              <a:rPr lang="en-US" altLang="ko-KR" sz="1200" dirty="0" smtClean="0"/>
+              <a:t>-ha-router</a:t>
+            </a:r>
+          </a:p>
+          <a:p>
+            <a:pPr marL="285750" indent="-285750">
+              <a:buFontTx/>
+              <a:buChar char="-"/>
+            </a:pPr>
+            <a:r>
+              <a:rPr lang="en-US" altLang="ko-KR" sz="1200" dirty="0" err="1" smtClean="0"/>
+              <a:t>etc</a:t>
+            </a:r>
+            <a:endParaRPr lang="ko-KR" altLang="en-US" sz="1200"/>
+          </a:p>
+        </p:txBody>
+      </p:sp>
+      <p:sp>
+        <p:nvSpPr>
+          <p:cNvPr id="15" name="세로로 말린 두루마리 모양 14"/>
+          <p:cNvSpPr/>
+          <p:nvPr/>
+        </p:nvSpPr>
+        <p:spPr>
+          <a:xfrm>
+            <a:off x="4371481" y="3616811"/>
+            <a:ext cx="1298223" cy="745066"/>
+          </a:xfrm>
+          <a:prstGeom prst="verticalScroll">
+            <a:avLst/>
+          </a:prstGeom>
+          <a:noFill/>
+        </p:spPr>
+        <p:style>
+          <a:lnRef idx="2">
+            <a:schemeClr val="accent1">
+              <a:shade val="50000"/>
+            </a:schemeClr>
+          </a:lnRef>
+          <a:fillRef idx="1">
+            <a:schemeClr val="accent1"/>
+          </a:fillRef>
+          <a:effectRef idx="0">
+            <a:schemeClr val="accent1"/>
+          </a:effectRef>
+          <a:fontRef idx="minor">
+            <a:schemeClr val="lt1"/>
+          </a:fontRef>
+        </p:style>
+        <p:txBody>
+          <a:bodyPr rtlCol="0" anchor="ctr"/>
+          <a:lstStyle/>
+          <a:p>
+            <a:pPr algn="ctr"/>
+            <a:r>
               <a:rPr lang="en-US" altLang="ko-KR" sz="1200" dirty="0">
                 <a:solidFill>
                   <a:schemeClr val="tx1"/>
@@ -9458,7 +10217,7 @@
         </p:nvSpPr>
         <p:spPr>
           <a:xfrm>
-            <a:off x="7006929" y="3014005"/>
+            <a:off x="7006929" y="3575119"/>
             <a:ext cx="1298223" cy="745066"/>
           </a:xfrm>
           <a:prstGeom prst="verticalScroll">
@@ -9522,7 +10281,7 @@
         </p:nvCxnSpPr>
         <p:spPr>
           <a:xfrm>
-            <a:off x="3059285" y="2552702"/>
+            <a:off x="3059285" y="2895605"/>
             <a:ext cx="1380051" cy="0"/>
           </a:xfrm>
           <a:prstGeom prst="straightConnector1">
@@ -9558,7 +10317,7 @@
         </p:nvCxnSpPr>
         <p:spPr>
           <a:xfrm>
-            <a:off x="5601850" y="2552702"/>
+            <a:off x="5601850" y="2895605"/>
             <a:ext cx="1472934" cy="0"/>
           </a:xfrm>
           <a:prstGeom prst="straightConnector1">
@@ -9591,18 +10350,13 @@
         </p:nvSpPr>
         <p:spPr>
           <a:xfrm>
-            <a:off x="1843574" y="3073139"/>
+            <a:off x="1843574" y="4375598"/>
             <a:ext cx="1017856" cy="745066"/>
           </a:xfrm>
           <a:prstGeom prst="verticalScroll">
             <a:avLst/>
           </a:prstGeom>
           <a:noFill/>
-          <a:ln>
-            <a:solidFill>
-              <a:srgbClr val="FF0000"/>
-            </a:solidFill>
-          </a:ln>
         </p:spPr>
         <p:style>
           <a:lnRef idx="2">
@@ -9631,7 +10385,29 @@
                   <a:schemeClr val="tx1"/>
                 </a:solidFill>
               </a:rPr>
-              <a:t>Gateway</a:t>
+              <a:t>Ingress</a:t>
+            </a:r>
+          </a:p>
+          <a:p>
+            <a:pPr algn="ctr"/>
+            <a:r>
+              <a:rPr lang="en-US" altLang="ko-KR" sz="1200" dirty="0" smtClean="0">
+                <a:solidFill>
+                  <a:schemeClr val="tx1"/>
+                </a:solidFill>
+              </a:rPr>
+              <a:t>or</a:t>
+            </a:r>
+          </a:p>
+          <a:p>
+            <a:pPr algn="ctr"/>
+            <a:r>
+              <a:rPr lang="en-US" altLang="ko-KR" sz="1200" dirty="0" smtClean="0">
+                <a:solidFill>
+                  <a:schemeClr val="tx1"/>
+                </a:solidFill>
+              </a:rPr>
+              <a:t>Route</a:t>
             </a:r>
             <a:endParaRPr lang="ko-KR" altLang="en-US" sz="1200">
               <a:solidFill>
@@ -9649,7 +10425,7 @@
         </p:nvSpPr>
         <p:spPr>
           <a:xfrm>
-            <a:off x="5789100" y="2719855"/>
+            <a:off x="5789100" y="3062758"/>
             <a:ext cx="1017856" cy="745066"/>
           </a:xfrm>
           <a:prstGeom prst="verticalScroll">
@@ -9702,7 +10478,7 @@
         </p:nvSpPr>
         <p:spPr>
           <a:xfrm>
-            <a:off x="3234229" y="2719855"/>
+            <a:off x="3234229" y="3062758"/>
             <a:ext cx="1017856" cy="745066"/>
           </a:xfrm>
           <a:prstGeom prst="verticalScroll">
@@ -9755,7 +10531,7 @@
         </p:nvSpPr>
         <p:spPr>
           <a:xfrm>
-            <a:off x="10664891" y="2185813"/>
+            <a:off x="10664891" y="2528716"/>
             <a:ext cx="1162514" cy="733778"/>
           </a:xfrm>
           <a:prstGeom prst="rect">
@@ -9822,7 +10598,7 @@
         </p:nvCxnSpPr>
         <p:spPr>
           <a:xfrm>
-            <a:off x="8237298" y="2552702"/>
+            <a:off x="8237298" y="2895605"/>
             <a:ext cx="2427593" cy="0"/>
           </a:xfrm>
           <a:prstGeom prst="straightConnector1">
@@ -9855,7 +10631,7 @@
         </p:nvSpPr>
         <p:spPr>
           <a:xfrm>
-            <a:off x="8363896" y="3201681"/>
+            <a:off x="8363896" y="4770712"/>
             <a:ext cx="1162514" cy="733778"/>
           </a:xfrm>
           <a:prstGeom prst="rect">
@@ -9885,41 +10661,86 @@
           <a:p>
             <a:pPr algn="ctr"/>
             <a:r>
-              <a:rPr lang="en-US" altLang="ko-KR" sz="1400" dirty="0" smtClean="0">
+              <a:rPr lang="en-US" altLang="ko-KR" dirty="0" smtClean="0">
                 <a:solidFill>
                   <a:schemeClr val="tx1"/>
                 </a:solidFill>
               </a:rPr>
               <a:t>egress</a:t>
             </a:r>
-            <a:endParaRPr lang="en-US" altLang="ko-KR" sz="1400" dirty="0">
+          </a:p>
+          <a:p>
+            <a:pPr algn="ctr"/>
+            <a:r>
+              <a:rPr lang="en-US" altLang="ko-KR" dirty="0" smtClean="0">
+                <a:solidFill>
+                  <a:schemeClr val="tx1"/>
+                </a:solidFill>
+              </a:rPr>
+              <a:t>pod</a:t>
+            </a:r>
+            <a:endParaRPr lang="ko-KR" altLang="en-US">
               <a:solidFill>
                 <a:schemeClr val="tx1"/>
               </a:solidFill>
             </a:endParaRPr>
           </a:p>
+        </p:txBody>
+      </p:sp>
+      <p:sp>
+        <p:nvSpPr>
+          <p:cNvPr id="35" name="세로로 말린 두루마리 모양 34"/>
+          <p:cNvSpPr/>
+          <p:nvPr/>
+        </p:nvSpPr>
+        <p:spPr>
+          <a:xfrm>
+            <a:off x="8296041" y="5616225"/>
+            <a:ext cx="1298223" cy="745066"/>
+          </a:xfrm>
+          <a:prstGeom prst="verticalScroll">
+            <a:avLst/>
+          </a:prstGeom>
+          <a:noFill/>
+        </p:spPr>
+        <p:style>
+          <a:lnRef idx="2">
+            <a:schemeClr val="accent1">
+              <a:shade val="50000"/>
+            </a:schemeClr>
+          </a:lnRef>
+          <a:fillRef idx="1">
+            <a:schemeClr val="accent1"/>
+          </a:fillRef>
+          <a:effectRef idx="0">
+            <a:schemeClr val="accent1"/>
+          </a:effectRef>
+          <a:fontRef idx="minor">
+            <a:schemeClr val="lt1"/>
+          </a:fontRef>
+        </p:style>
+        <p:txBody>
+          <a:bodyPr rtlCol="0" anchor="ctr"/>
+          <a:lstStyle/>
           <a:p>
             <a:pPr algn="ctr"/>
             <a:r>
-              <a:rPr lang="en-US" altLang="ko-KR" sz="1400" dirty="0">
+              <a:rPr lang="en-US" altLang="ko-KR" sz="1200" dirty="0">
                 <a:solidFill>
                   <a:schemeClr val="tx1"/>
                 </a:solidFill>
               </a:rPr>
-              <a:t>gateway</a:t>
-            </a:r>
-          </a:p>
-          <a:p>
-            <a:pPr algn="ctr"/>
-            <a:r>
-              <a:rPr lang="en-US" altLang="ko-KR" sz="1400" dirty="0">
+              <a:t>D</a:t>
+            </a:r>
+            <a:r>
+              <a:rPr lang="en-US" altLang="ko-KR" sz="1200" dirty="0" smtClean="0">
                 <a:solidFill>
                   <a:schemeClr val="tx1"/>
                 </a:solidFill>
               </a:rPr>
-              <a:t>pod</a:t>
-            </a:r>
-            <a:endParaRPr lang="ko-KR" altLang="en-US" sz="1400">
+              <a:t>eployment</a:t>
+            </a:r>
+            <a:endParaRPr lang="ko-KR" altLang="en-US" sz="1200">
               <a:solidFill>
                 <a:schemeClr val="tx1"/>
               </a:solidFill>
@@ -9938,8 +10759,8 @@
         </p:nvCxnSpPr>
         <p:spPr>
           <a:xfrm>
-            <a:off x="8237298" y="2552702"/>
-            <a:ext cx="707855" cy="648979"/>
+            <a:off x="8237298" y="2895605"/>
+            <a:ext cx="707855" cy="1875107"/>
           </a:xfrm>
           <a:prstGeom prst="bentConnector2">
             <a:avLst/>
@@ -9971,18 +10792,13 @@
         </p:nvSpPr>
         <p:spPr>
           <a:xfrm>
-            <a:off x="9017482" y="1636642"/>
+            <a:off x="9043079" y="3575119"/>
             <a:ext cx="1017856" cy="745066"/>
           </a:xfrm>
           <a:prstGeom prst="verticalScroll">
             <a:avLst/>
           </a:prstGeom>
           <a:noFill/>
-          <a:ln>
-            <a:solidFill>
-              <a:srgbClr val="FF0000"/>
-            </a:solidFill>
-          </a:ln>
         </p:spPr>
         <p:style>
           <a:lnRef idx="2">
@@ -10006,12 +10822,12 @@
           <a:p>
             <a:pPr algn="ctr"/>
             <a:r>
-              <a:rPr lang="en-US" altLang="ko-KR" sz="1200" dirty="0" err="1" smtClean="0">
+              <a:rPr lang="en-US" altLang="ko-KR" sz="1200" dirty="0" smtClean="0">
                 <a:solidFill>
                   <a:schemeClr val="tx1"/>
                 </a:solidFill>
               </a:rPr>
-              <a:t>ServiceEntry</a:t>
+              <a:t>Service</a:t>
             </a:r>
             <a:endParaRPr lang="ko-KR" altLang="en-US" sz="1200">
               <a:solidFill>
@@ -10032,8 +10848,8 @@
         </p:nvCxnSpPr>
         <p:spPr>
           <a:xfrm flipV="1">
-            <a:off x="9526410" y="2919591"/>
-            <a:ext cx="1719738" cy="648979"/>
+            <a:off x="9526410" y="3262494"/>
+            <a:ext cx="1719738" cy="1875107"/>
           </a:xfrm>
           <a:prstGeom prst="bentConnector2">
             <a:avLst/>
@@ -10067,7 +10883,7 @@
         </p:nvCxnSpPr>
         <p:spPr>
           <a:xfrm>
-            <a:off x="677333" y="2552702"/>
+            <a:off x="677333" y="2895605"/>
             <a:ext cx="1219438" cy="0"/>
           </a:xfrm>
           <a:prstGeom prst="straightConnector1">
@@ -10100,8 +10916,8 @@
         </p:nvSpPr>
         <p:spPr>
           <a:xfrm>
-            <a:off x="421430" y="939920"/>
-            <a:ext cx="620683" cy="369332"/>
+            <a:off x="421430" y="960702"/>
+            <a:ext cx="1334853" cy="369332"/>
           </a:xfrm>
           <a:prstGeom prst="rect">
             <a:avLst/>
@@ -10116,21 +10932,706 @@
           <a:p>
             <a:r>
               <a:rPr lang="en-US" altLang="ko-KR" dirty="0" err="1" smtClean="0"/>
-              <a:t>Istio</a:t>
+              <a:t>kubernetes</a:t>
             </a:r>
             <a:endParaRPr lang="ko-KR" altLang="en-US"/>
           </a:p>
         </p:txBody>
       </p:sp>
-      <p:sp>
-        <p:nvSpPr>
-          <p:cNvPr id="32" name="세로로 말린 두루마리 모양 31"/>
+    </p:spTree>
+    <p:extLst>
+      <p:ext uri="{BB962C8B-B14F-4D97-AF65-F5344CB8AC3E}">
+        <p14:creationId xmlns:p14="http://schemas.microsoft.com/office/powerpoint/2010/main" val="1917383772"/>
+      </p:ext>
+    </p:extLst>
+  </p:cSld>
+  <p:clrMapOvr>
+    <a:masterClrMapping/>
+  </p:clrMapOvr>
+</p:sld>
+</file>
+
+<file path=ppt/slides/slide8.xml><?xml version="1.0" encoding="utf-8"?>
+<p:sld xmlns:a="http://schemas.openxmlformats.org/drawingml/2006/main" xmlns:r="http://schemas.openxmlformats.org/officeDocument/2006/relationships" xmlns:p="http://schemas.openxmlformats.org/presentationml/2006/main">
+  <p:cSld>
+    <p:spTree>
+      <p:nvGrpSpPr>
+        <p:cNvPr id="1" name=""/>
+        <p:cNvGrpSpPr/>
+        <p:nvPr/>
+      </p:nvGrpSpPr>
+      <p:grpSpPr>
+        <a:xfrm>
+          <a:off x="0" y="0"/>
+          <a:ext cx="0" cy="0"/>
+          <a:chOff x="0" y="0"/>
+          <a:chExt cx="0" cy="0"/>
+        </a:xfrm>
+      </p:grpSpPr>
+      <p:sp>
+        <p:nvSpPr>
+          <p:cNvPr id="2" name="직사각형 1"/>
           <p:cNvSpPr/>
           <p:nvPr/>
         </p:nvSpPr>
         <p:spPr>
           <a:xfrm>
-            <a:off x="3226464" y="3530342"/>
+            <a:off x="0" y="633845"/>
+            <a:ext cx="6546273" cy="103909"/>
+          </a:xfrm>
+          <a:prstGeom prst="rect">
+            <a:avLst/>
+          </a:prstGeom>
+          <a:solidFill>
+            <a:schemeClr val="tx1">
+              <a:lumMod val="75000"/>
+              <a:lumOff val="25000"/>
+            </a:schemeClr>
+          </a:solidFill>
+          <a:ln>
+            <a:noFill/>
+          </a:ln>
+        </p:spPr>
+        <p:style>
+          <a:lnRef idx="2">
+            <a:schemeClr val="accent1">
+              <a:shade val="50000"/>
+            </a:schemeClr>
+          </a:lnRef>
+          <a:fillRef idx="1">
+            <a:schemeClr val="accent1"/>
+          </a:fillRef>
+          <a:effectRef idx="0">
+            <a:schemeClr val="accent1"/>
+          </a:effectRef>
+          <a:fontRef idx="minor">
+            <a:schemeClr val="lt1"/>
+          </a:fontRef>
+        </p:style>
+        <p:txBody>
+          <a:bodyPr rtlCol="0" anchor="ctr"/>
+          <a:lstStyle/>
+          <a:p>
+            <a:pPr algn="ctr"/>
+            <a:endParaRPr lang="ko-KR" altLang="en-US"/>
+          </a:p>
+        </p:txBody>
+      </p:sp>
+      <p:sp>
+        <p:nvSpPr>
+          <p:cNvPr id="3" name="직사각형 2"/>
+          <p:cNvSpPr/>
+          <p:nvPr/>
+        </p:nvSpPr>
+        <p:spPr>
+          <a:xfrm>
+            <a:off x="6547553" y="633846"/>
+            <a:ext cx="3029784" cy="108012"/>
+          </a:xfrm>
+          <a:prstGeom prst="rect">
+            <a:avLst/>
+          </a:prstGeom>
+          <a:solidFill>
+            <a:schemeClr val="accent1">
+              <a:lumMod val="75000"/>
+            </a:schemeClr>
+          </a:solidFill>
+          <a:ln>
+            <a:noFill/>
+          </a:ln>
+        </p:spPr>
+        <p:style>
+          <a:lnRef idx="2">
+            <a:schemeClr val="accent1">
+              <a:shade val="50000"/>
+            </a:schemeClr>
+          </a:lnRef>
+          <a:fillRef idx="1">
+            <a:schemeClr val="accent1"/>
+          </a:fillRef>
+          <a:effectRef idx="0">
+            <a:schemeClr val="accent1"/>
+          </a:effectRef>
+          <a:fontRef idx="minor">
+            <a:schemeClr val="lt1"/>
+          </a:fontRef>
+        </p:style>
+        <p:txBody>
+          <a:bodyPr rtlCol="0" anchor="ctr"/>
+          <a:lstStyle/>
+          <a:p>
+            <a:pPr algn="ctr"/>
+            <a:endParaRPr lang="ko-KR" altLang="en-US"/>
+          </a:p>
+        </p:txBody>
+      </p:sp>
+      <p:sp>
+        <p:nvSpPr>
+          <p:cNvPr id="4" name="직사각형 3"/>
+          <p:cNvSpPr/>
+          <p:nvPr/>
+        </p:nvSpPr>
+        <p:spPr>
+          <a:xfrm>
+            <a:off x="9577337" y="630380"/>
+            <a:ext cx="2607735" cy="107374"/>
+          </a:xfrm>
+          <a:prstGeom prst="rect">
+            <a:avLst/>
+          </a:prstGeom>
+          <a:solidFill>
+            <a:schemeClr val="bg1">
+              <a:lumMod val="65000"/>
+            </a:schemeClr>
+          </a:solidFill>
+          <a:ln>
+            <a:noFill/>
+          </a:ln>
+        </p:spPr>
+        <p:style>
+          <a:lnRef idx="2">
+            <a:schemeClr val="accent1">
+              <a:shade val="50000"/>
+            </a:schemeClr>
+          </a:lnRef>
+          <a:fillRef idx="1">
+            <a:schemeClr val="accent1"/>
+          </a:fillRef>
+          <a:effectRef idx="0">
+            <a:schemeClr val="accent1"/>
+          </a:effectRef>
+          <a:fontRef idx="minor">
+            <a:schemeClr val="lt1"/>
+          </a:fontRef>
+        </p:style>
+        <p:txBody>
+          <a:bodyPr rtlCol="0" anchor="ctr"/>
+          <a:lstStyle/>
+          <a:p>
+            <a:pPr algn="ctr"/>
+            <a:endParaRPr lang="ko-KR" altLang="en-US"/>
+          </a:p>
+        </p:txBody>
+      </p:sp>
+      <p:sp>
+        <p:nvSpPr>
+          <p:cNvPr id="5" name="TextBox 4"/>
+          <p:cNvSpPr txBox="1"/>
+          <p:nvPr/>
+        </p:nvSpPr>
+        <p:spPr>
+          <a:xfrm>
+            <a:off x="509154" y="187035"/>
+            <a:ext cx="2069797" cy="369332"/>
+          </a:xfrm>
+          <a:prstGeom prst="rect">
+            <a:avLst/>
+          </a:prstGeom>
+          <a:noFill/>
+        </p:spPr>
+        <p:txBody>
+          <a:bodyPr wrap="none" rtlCol="0">
+            <a:spAutoFit/>
+          </a:bodyPr>
+          <a:lstStyle/>
+          <a:p>
+            <a:r>
+              <a:rPr lang="en-US" altLang="ko-KR" b="1" dirty="0" err="1" smtClean="0"/>
+              <a:t>Istio</a:t>
+            </a:r>
+            <a:r>
+              <a:rPr lang="en-US" altLang="ko-KR" b="1" dirty="0" smtClean="0"/>
+              <a:t> </a:t>
+            </a:r>
+            <a:r>
+              <a:rPr lang="ko-KR" altLang="en-US" b="1" smtClean="0"/>
+              <a:t>주요 </a:t>
+            </a:r>
+            <a:r>
+              <a:rPr lang="en-US" altLang="ko-KR" b="1" dirty="0" smtClean="0"/>
+              <a:t>objects</a:t>
+            </a:r>
+            <a:endParaRPr lang="ko-KR" altLang="en-US" b="1" dirty="0"/>
+          </a:p>
+        </p:txBody>
+      </p:sp>
+      <p:sp>
+        <p:nvSpPr>
+          <p:cNvPr id="6" name="직사각형 5"/>
+          <p:cNvSpPr/>
+          <p:nvPr/>
+        </p:nvSpPr>
+        <p:spPr>
+          <a:xfrm>
+            <a:off x="1463960" y="1413806"/>
+            <a:ext cx="8876662" cy="5090905"/>
+          </a:xfrm>
+          <a:prstGeom prst="rect">
+            <a:avLst/>
+          </a:prstGeom>
+          <a:noFill/>
+        </p:spPr>
+        <p:style>
+          <a:lnRef idx="2">
+            <a:schemeClr val="accent1">
+              <a:shade val="50000"/>
+            </a:schemeClr>
+          </a:lnRef>
+          <a:fillRef idx="1">
+            <a:schemeClr val="accent1"/>
+          </a:fillRef>
+          <a:effectRef idx="0">
+            <a:schemeClr val="accent1"/>
+          </a:effectRef>
+          <a:fontRef idx="minor">
+            <a:schemeClr val="lt1"/>
+          </a:fontRef>
+        </p:style>
+        <p:txBody>
+          <a:bodyPr rtlCol="0" anchor="ctr"/>
+          <a:lstStyle/>
+          <a:p>
+            <a:pPr algn="ctr"/>
+            <a:endParaRPr lang="ko-KR" altLang="en-US"/>
+          </a:p>
+        </p:txBody>
+      </p:sp>
+      <p:sp>
+        <p:nvSpPr>
+          <p:cNvPr id="7" name="TextBox 6"/>
+          <p:cNvSpPr txBox="1"/>
+          <p:nvPr/>
+        </p:nvSpPr>
+        <p:spPr>
+          <a:xfrm>
+            <a:off x="1463960" y="1409703"/>
+            <a:ext cx="865622" cy="369332"/>
+          </a:xfrm>
+          <a:prstGeom prst="rect">
+            <a:avLst/>
+          </a:prstGeom>
+          <a:noFill/>
+        </p:spPr>
+        <p:txBody>
+          <a:bodyPr wrap="none" rtlCol="0">
+            <a:spAutoFit/>
+          </a:bodyPr>
+          <a:lstStyle/>
+          <a:p>
+            <a:r>
+              <a:rPr lang="en-US" altLang="ko-KR" dirty="0" smtClean="0"/>
+              <a:t>cluster</a:t>
+            </a:r>
+            <a:endParaRPr lang="ko-KR" altLang="en-US"/>
+          </a:p>
+        </p:txBody>
+      </p:sp>
+      <p:sp>
+        <p:nvSpPr>
+          <p:cNvPr id="8" name="직사각형 7"/>
+          <p:cNvSpPr/>
+          <p:nvPr/>
+        </p:nvSpPr>
+        <p:spPr>
+          <a:xfrm>
+            <a:off x="1896771" y="2185813"/>
+            <a:ext cx="1162514" cy="733778"/>
+          </a:xfrm>
+          <a:prstGeom prst="rect">
+            <a:avLst/>
+          </a:prstGeom>
+          <a:noFill/>
+        </p:spPr>
+        <p:style>
+          <a:lnRef idx="2">
+            <a:schemeClr val="accent1">
+              <a:shade val="50000"/>
+            </a:schemeClr>
+          </a:lnRef>
+          <a:fillRef idx="1">
+            <a:schemeClr val="accent1"/>
+          </a:fillRef>
+          <a:effectRef idx="0">
+            <a:schemeClr val="accent1"/>
+          </a:effectRef>
+          <a:fontRef idx="minor">
+            <a:schemeClr val="lt1"/>
+          </a:fontRef>
+        </p:style>
+        <p:txBody>
+          <a:bodyPr rtlCol="0" anchor="ctr"/>
+          <a:lstStyle/>
+          <a:p>
+            <a:pPr algn="ctr"/>
+            <a:r>
+              <a:rPr lang="en-US" altLang="ko-KR" sz="1400" dirty="0" smtClean="0">
+                <a:solidFill>
+                  <a:schemeClr val="tx1"/>
+                </a:solidFill>
+              </a:rPr>
+              <a:t>ingress</a:t>
+            </a:r>
+          </a:p>
+          <a:p>
+            <a:pPr algn="ctr"/>
+            <a:r>
+              <a:rPr lang="en-US" altLang="ko-KR" sz="1400" dirty="0" smtClean="0">
+                <a:solidFill>
+                  <a:schemeClr val="tx1"/>
+                </a:solidFill>
+              </a:rPr>
+              <a:t>gateway</a:t>
+            </a:r>
+          </a:p>
+          <a:p>
+            <a:pPr algn="ctr"/>
+            <a:r>
+              <a:rPr lang="en-US" altLang="ko-KR" sz="1400" dirty="0" smtClean="0">
+                <a:solidFill>
+                  <a:schemeClr val="tx1"/>
+                </a:solidFill>
+              </a:rPr>
+              <a:t>pod</a:t>
+            </a:r>
+            <a:endParaRPr lang="ko-KR" altLang="en-US" sz="1400">
+              <a:solidFill>
+                <a:schemeClr val="tx1"/>
+              </a:solidFill>
+            </a:endParaRPr>
+          </a:p>
+        </p:txBody>
+      </p:sp>
+      <p:sp>
+        <p:nvSpPr>
+          <p:cNvPr id="10" name="직사각형 9"/>
+          <p:cNvSpPr/>
+          <p:nvPr/>
+        </p:nvSpPr>
+        <p:spPr>
+          <a:xfrm>
+            <a:off x="4439336" y="2185813"/>
+            <a:ext cx="1162514" cy="733778"/>
+          </a:xfrm>
+          <a:prstGeom prst="rect">
+            <a:avLst/>
+          </a:prstGeom>
+          <a:noFill/>
+        </p:spPr>
+        <p:style>
+          <a:lnRef idx="2">
+            <a:schemeClr val="accent1">
+              <a:shade val="50000"/>
+            </a:schemeClr>
+          </a:lnRef>
+          <a:fillRef idx="1">
+            <a:schemeClr val="accent1"/>
+          </a:fillRef>
+          <a:effectRef idx="0">
+            <a:schemeClr val="accent1"/>
+          </a:effectRef>
+          <a:fontRef idx="minor">
+            <a:schemeClr val="lt1"/>
+          </a:fontRef>
+        </p:style>
+        <p:txBody>
+          <a:bodyPr rtlCol="0" anchor="ctr"/>
+          <a:lstStyle/>
+          <a:p>
+            <a:pPr algn="ctr"/>
+            <a:r>
+              <a:rPr lang="en-US" altLang="ko-KR" dirty="0" smtClean="0">
+                <a:solidFill>
+                  <a:schemeClr val="tx1"/>
+                </a:solidFill>
+              </a:rPr>
+              <a:t>svc</a:t>
+            </a:r>
+          </a:p>
+          <a:p>
+            <a:pPr algn="ctr"/>
+            <a:r>
+              <a:rPr lang="en-US" altLang="ko-KR" dirty="0" smtClean="0">
+                <a:solidFill>
+                  <a:schemeClr val="tx1"/>
+                </a:solidFill>
+              </a:rPr>
+              <a:t>pod</a:t>
+            </a:r>
+            <a:endParaRPr lang="ko-KR" altLang="en-US">
+              <a:solidFill>
+                <a:schemeClr val="tx1"/>
+              </a:solidFill>
+            </a:endParaRPr>
+          </a:p>
+        </p:txBody>
+      </p:sp>
+      <p:sp>
+        <p:nvSpPr>
+          <p:cNvPr id="11" name="직사각형 10"/>
+          <p:cNvSpPr/>
+          <p:nvPr/>
+        </p:nvSpPr>
+        <p:spPr>
+          <a:xfrm>
+            <a:off x="7074784" y="2185813"/>
+            <a:ext cx="1162514" cy="733778"/>
+          </a:xfrm>
+          <a:prstGeom prst="rect">
+            <a:avLst/>
+          </a:prstGeom>
+          <a:noFill/>
+        </p:spPr>
+        <p:style>
+          <a:lnRef idx="2">
+            <a:schemeClr val="accent1">
+              <a:shade val="50000"/>
+            </a:schemeClr>
+          </a:lnRef>
+          <a:fillRef idx="1">
+            <a:schemeClr val="accent1"/>
+          </a:fillRef>
+          <a:effectRef idx="0">
+            <a:schemeClr val="accent1"/>
+          </a:effectRef>
+          <a:fontRef idx="minor">
+            <a:schemeClr val="lt1"/>
+          </a:fontRef>
+        </p:style>
+        <p:txBody>
+          <a:bodyPr rtlCol="0" anchor="ctr"/>
+          <a:lstStyle/>
+          <a:p>
+            <a:pPr algn="ctr"/>
+            <a:r>
+              <a:rPr lang="en-US" altLang="ko-KR" dirty="0" smtClean="0">
+                <a:solidFill>
+                  <a:schemeClr val="tx1"/>
+                </a:solidFill>
+              </a:rPr>
+              <a:t>svc</a:t>
+            </a:r>
+          </a:p>
+          <a:p>
+            <a:pPr algn="ctr"/>
+            <a:r>
+              <a:rPr lang="en-US" altLang="ko-KR" dirty="0" smtClean="0">
+                <a:solidFill>
+                  <a:schemeClr val="tx1"/>
+                </a:solidFill>
+              </a:rPr>
+              <a:t>pod</a:t>
+            </a:r>
+            <a:endParaRPr lang="ko-KR" altLang="en-US">
+              <a:solidFill>
+                <a:schemeClr val="tx1"/>
+              </a:solidFill>
+            </a:endParaRPr>
+          </a:p>
+        </p:txBody>
+      </p:sp>
+      <p:sp>
+        <p:nvSpPr>
+          <p:cNvPr id="15" name="세로로 말린 두루마리 모양 14"/>
+          <p:cNvSpPr/>
+          <p:nvPr/>
+        </p:nvSpPr>
+        <p:spPr>
+          <a:xfrm>
+            <a:off x="4371481" y="3055697"/>
+            <a:ext cx="1298223" cy="745066"/>
+          </a:xfrm>
+          <a:prstGeom prst="verticalScroll">
+            <a:avLst/>
+          </a:prstGeom>
+          <a:noFill/>
+        </p:spPr>
+        <p:style>
+          <a:lnRef idx="2">
+            <a:schemeClr val="accent1">
+              <a:shade val="50000"/>
+            </a:schemeClr>
+          </a:lnRef>
+          <a:fillRef idx="1">
+            <a:schemeClr val="accent1"/>
+          </a:fillRef>
+          <a:effectRef idx="0">
+            <a:schemeClr val="accent1"/>
+          </a:effectRef>
+          <a:fontRef idx="minor">
+            <a:schemeClr val="lt1"/>
+          </a:fontRef>
+        </p:style>
+        <p:txBody>
+          <a:bodyPr rtlCol="0" anchor="ctr"/>
+          <a:lstStyle/>
+          <a:p>
+            <a:pPr algn="ctr"/>
+            <a:r>
+              <a:rPr lang="en-US" altLang="ko-KR" sz="1200" dirty="0">
+                <a:solidFill>
+                  <a:schemeClr val="tx1"/>
+                </a:solidFill>
+              </a:rPr>
+              <a:t>D</a:t>
+            </a:r>
+            <a:r>
+              <a:rPr lang="en-US" altLang="ko-KR" sz="1200" dirty="0" smtClean="0">
+                <a:solidFill>
+                  <a:schemeClr val="tx1"/>
+                </a:solidFill>
+              </a:rPr>
+              <a:t>eployment</a:t>
+            </a:r>
+            <a:endParaRPr lang="ko-KR" altLang="en-US" sz="1200">
+              <a:solidFill>
+                <a:schemeClr val="tx1"/>
+              </a:solidFill>
+            </a:endParaRPr>
+          </a:p>
+        </p:txBody>
+      </p:sp>
+      <p:sp>
+        <p:nvSpPr>
+          <p:cNvPr id="16" name="세로로 말린 두루마리 모양 15"/>
+          <p:cNvSpPr/>
+          <p:nvPr/>
+        </p:nvSpPr>
+        <p:spPr>
+          <a:xfrm>
+            <a:off x="7006929" y="3014005"/>
+            <a:ext cx="1298223" cy="745066"/>
+          </a:xfrm>
+          <a:prstGeom prst="verticalScroll">
+            <a:avLst/>
+          </a:prstGeom>
+          <a:noFill/>
+        </p:spPr>
+        <p:style>
+          <a:lnRef idx="2">
+            <a:schemeClr val="accent1">
+              <a:shade val="50000"/>
+            </a:schemeClr>
+          </a:lnRef>
+          <a:fillRef idx="1">
+            <a:schemeClr val="accent1"/>
+          </a:fillRef>
+          <a:effectRef idx="0">
+            <a:schemeClr val="accent1"/>
+          </a:effectRef>
+          <a:fontRef idx="minor">
+            <a:schemeClr val="lt1"/>
+          </a:fontRef>
+        </p:style>
+        <p:txBody>
+          <a:bodyPr rtlCol="0" anchor="ctr"/>
+          <a:lstStyle/>
+          <a:p>
+            <a:pPr algn="ctr"/>
+            <a:r>
+              <a:rPr lang="en-US" altLang="ko-KR" sz="1200" dirty="0">
+                <a:solidFill>
+                  <a:schemeClr val="tx1"/>
+                </a:solidFill>
+              </a:rPr>
+              <a:t>D</a:t>
+            </a:r>
+            <a:r>
+              <a:rPr lang="en-US" altLang="ko-KR" sz="1200" dirty="0" smtClean="0">
+                <a:solidFill>
+                  <a:schemeClr val="tx1"/>
+                </a:solidFill>
+              </a:rPr>
+              <a:t>eployment</a:t>
+            </a:r>
+            <a:endParaRPr lang="ko-KR" altLang="en-US" sz="1200">
+              <a:solidFill>
+                <a:schemeClr val="tx1"/>
+              </a:solidFill>
+            </a:endParaRPr>
+          </a:p>
+        </p:txBody>
+      </p:sp>
+      <p:cxnSp>
+        <p:nvCxnSpPr>
+          <p:cNvPr id="18" name="직선 화살표 연결선 17"/>
+          <p:cNvCxnSpPr>
+            <a:stCxn id="8" idx="3"/>
+            <a:endCxn id="10" idx="1"/>
+          </p:cNvCxnSpPr>
+          <p:nvPr/>
+        </p:nvCxnSpPr>
+        <p:spPr>
+          <a:xfrm>
+            <a:off x="3059285" y="2552702"/>
+            <a:ext cx="1380051" cy="0"/>
+          </a:xfrm>
+          <a:prstGeom prst="straightConnector1">
+            <a:avLst/>
+          </a:prstGeom>
+          <a:ln w="25400">
+            <a:tailEnd type="triangle"/>
+          </a:ln>
+        </p:spPr>
+        <p:style>
+          <a:lnRef idx="1">
+            <a:schemeClr val="accent1"/>
+          </a:lnRef>
+          <a:fillRef idx="0">
+            <a:schemeClr val="accent1"/>
+          </a:fillRef>
+          <a:effectRef idx="0">
+            <a:schemeClr val="accent1"/>
+          </a:effectRef>
+          <a:fontRef idx="minor">
+            <a:schemeClr val="tx1"/>
+          </a:fontRef>
+        </p:style>
+      </p:cxnSp>
+      <p:cxnSp>
+        <p:nvCxnSpPr>
+          <p:cNvPr id="21" name="직선 화살표 연결선 20"/>
+          <p:cNvCxnSpPr>
+            <a:stCxn id="10" idx="3"/>
+            <a:endCxn id="11" idx="1"/>
+          </p:cNvCxnSpPr>
+          <p:nvPr/>
+        </p:nvCxnSpPr>
+        <p:spPr>
+          <a:xfrm>
+            <a:off x="5601850" y="2552702"/>
+            <a:ext cx="1472934" cy="0"/>
+          </a:xfrm>
+          <a:prstGeom prst="straightConnector1">
+            <a:avLst/>
+          </a:prstGeom>
+          <a:ln w="25400">
+            <a:tailEnd type="triangle"/>
+          </a:ln>
+        </p:spPr>
+        <p:style>
+          <a:lnRef idx="1">
+            <a:schemeClr val="accent1"/>
+          </a:lnRef>
+          <a:fillRef idx="0">
+            <a:schemeClr val="accent1"/>
+          </a:fillRef>
+          <a:effectRef idx="0">
+            <a:schemeClr val="accent1"/>
+          </a:effectRef>
+          <a:fontRef idx="minor">
+            <a:schemeClr val="tx1"/>
+          </a:fontRef>
+        </p:style>
+      </p:cxnSp>
+      <p:sp>
+        <p:nvSpPr>
+          <p:cNvPr id="27" name="세로로 말린 두루마리 모양 26"/>
+          <p:cNvSpPr/>
+          <p:nvPr/>
+        </p:nvSpPr>
+        <p:spPr>
+          <a:xfrm>
+            <a:off x="1843574" y="3073139"/>
             <a:ext cx="1017856" cy="745066"/>
           </a:xfrm>
           <a:prstGeom prst="verticalScroll">
@@ -10165,12 +11666,12 @@
           <a:p>
             <a:pPr algn="ctr"/>
             <a:r>
-              <a:rPr lang="en-US" altLang="ko-KR" sz="1200" dirty="0" err="1" smtClean="0">
+              <a:rPr lang="en-US" altLang="ko-KR" sz="1200" dirty="0" smtClean="0">
                 <a:solidFill>
                   <a:schemeClr val="tx1"/>
                 </a:solidFill>
               </a:rPr>
-              <a:t>VirtualSerivce</a:t>
+              <a:t>Gateway</a:t>
             </a:r>
             <a:endParaRPr lang="ko-KR" altLang="en-US" sz="1200">
               <a:solidFill>
@@ -10182,13 +11683,335 @@
       </p:sp>
       <p:sp>
         <p:nvSpPr>
-          <p:cNvPr id="33" name="세로로 말린 두루마리 모양 32"/>
+          <p:cNvPr id="28" name="세로로 말린 두루마리 모양 27"/>
           <p:cNvSpPr/>
           <p:nvPr/>
         </p:nvSpPr>
         <p:spPr>
           <a:xfrm>
-            <a:off x="3243396" y="4348787"/>
+            <a:off x="5789100" y="2719855"/>
+            <a:ext cx="1017856" cy="745066"/>
+          </a:xfrm>
+          <a:prstGeom prst="verticalScroll">
+            <a:avLst/>
+          </a:prstGeom>
+          <a:noFill/>
+        </p:spPr>
+        <p:style>
+          <a:lnRef idx="2">
+            <a:schemeClr val="accent1">
+              <a:shade val="50000"/>
+            </a:schemeClr>
+          </a:lnRef>
+          <a:fillRef idx="1">
+            <a:schemeClr val="accent1"/>
+          </a:fillRef>
+          <a:effectRef idx="0">
+            <a:schemeClr val="accent1"/>
+          </a:effectRef>
+          <a:fontRef idx="minor">
+            <a:schemeClr val="lt1"/>
+          </a:fontRef>
+        </p:style>
+        <p:txBody>
+          <a:bodyPr rtlCol="0" anchor="ctr"/>
+          <a:lstStyle/>
+          <a:p>
+            <a:pPr algn="ctr"/>
+            <a:r>
+              <a:rPr lang="en-US" altLang="ko-KR" sz="1200" dirty="0" smtClean="0">
+                <a:solidFill>
+                  <a:schemeClr val="tx1"/>
+                </a:solidFill>
+              </a:rPr>
+              <a:t>Service</a:t>
+            </a:r>
+            <a:endParaRPr lang="ko-KR" altLang="en-US" sz="1200">
+              <a:solidFill>
+                <a:schemeClr val="tx1"/>
+              </a:solidFill>
+            </a:endParaRPr>
+          </a:p>
+        </p:txBody>
+      </p:sp>
+      <p:sp>
+        <p:nvSpPr>
+          <p:cNvPr id="29" name="세로로 말린 두루마리 모양 28"/>
+          <p:cNvSpPr/>
+          <p:nvPr/>
+        </p:nvSpPr>
+        <p:spPr>
+          <a:xfrm>
+            <a:off x="3234229" y="2719855"/>
+            <a:ext cx="1017856" cy="745066"/>
+          </a:xfrm>
+          <a:prstGeom prst="verticalScroll">
+            <a:avLst/>
+          </a:prstGeom>
+          <a:noFill/>
+        </p:spPr>
+        <p:style>
+          <a:lnRef idx="2">
+            <a:schemeClr val="accent1">
+              <a:shade val="50000"/>
+            </a:schemeClr>
+          </a:lnRef>
+          <a:fillRef idx="1">
+            <a:schemeClr val="accent1"/>
+          </a:fillRef>
+          <a:effectRef idx="0">
+            <a:schemeClr val="accent1"/>
+          </a:effectRef>
+          <a:fontRef idx="minor">
+            <a:schemeClr val="lt1"/>
+          </a:fontRef>
+        </p:style>
+        <p:txBody>
+          <a:bodyPr rtlCol="0" anchor="ctr"/>
+          <a:lstStyle/>
+          <a:p>
+            <a:pPr algn="ctr"/>
+            <a:r>
+              <a:rPr lang="en-US" altLang="ko-KR" sz="1200" dirty="0" smtClean="0">
+                <a:solidFill>
+                  <a:schemeClr val="tx1"/>
+                </a:solidFill>
+              </a:rPr>
+              <a:t>Service</a:t>
+            </a:r>
+            <a:endParaRPr lang="ko-KR" altLang="en-US" sz="1200">
+              <a:solidFill>
+                <a:schemeClr val="tx1"/>
+              </a:solidFill>
+            </a:endParaRPr>
+          </a:p>
+        </p:txBody>
+      </p:sp>
+      <p:sp>
+        <p:nvSpPr>
+          <p:cNvPr id="30" name="직사각형 29"/>
+          <p:cNvSpPr/>
+          <p:nvPr/>
+        </p:nvSpPr>
+        <p:spPr>
+          <a:xfrm>
+            <a:off x="10664891" y="2185813"/>
+            <a:ext cx="1162514" cy="733778"/>
+          </a:xfrm>
+          <a:prstGeom prst="rect">
+            <a:avLst/>
+          </a:prstGeom>
+          <a:noFill/>
+        </p:spPr>
+        <p:style>
+          <a:lnRef idx="2">
+            <a:schemeClr val="accent1">
+              <a:shade val="50000"/>
+            </a:schemeClr>
+          </a:lnRef>
+          <a:fillRef idx="1">
+            <a:schemeClr val="accent1"/>
+          </a:fillRef>
+          <a:effectRef idx="0">
+            <a:schemeClr val="accent1"/>
+          </a:effectRef>
+          <a:fontRef idx="minor">
+            <a:schemeClr val="lt1"/>
+          </a:fontRef>
+        </p:style>
+        <p:txBody>
+          <a:bodyPr rtlCol="0" anchor="ctr"/>
+          <a:lstStyle/>
+          <a:p>
+            <a:pPr algn="ctr"/>
+            <a:r>
+              <a:rPr lang="en-US" altLang="ko-KR" dirty="0" smtClean="0">
+                <a:solidFill>
+                  <a:schemeClr val="tx1"/>
+                </a:solidFill>
+              </a:rPr>
+              <a:t>External</a:t>
+            </a:r>
+          </a:p>
+          <a:p>
+            <a:pPr algn="ctr"/>
+            <a:r>
+              <a:rPr lang="en-US" altLang="ko-KR" dirty="0" smtClean="0">
+                <a:solidFill>
+                  <a:schemeClr val="tx1"/>
+                </a:solidFill>
+              </a:rPr>
+              <a:t>svc</a:t>
+            </a:r>
+            <a:endParaRPr lang="ko-KR" altLang="en-US">
+              <a:solidFill>
+                <a:schemeClr val="tx1"/>
+              </a:solidFill>
+            </a:endParaRPr>
+          </a:p>
+        </p:txBody>
+      </p:sp>
+      <p:cxnSp>
+        <p:nvCxnSpPr>
+          <p:cNvPr id="31" name="직선 화살표 연결선 30"/>
+          <p:cNvCxnSpPr>
+            <a:stCxn id="11" idx="3"/>
+            <a:endCxn id="30" idx="1"/>
+          </p:cNvCxnSpPr>
+          <p:nvPr/>
+        </p:nvCxnSpPr>
+        <p:spPr>
+          <a:xfrm>
+            <a:off x="8237298" y="2552702"/>
+            <a:ext cx="2427593" cy="0"/>
+          </a:xfrm>
+          <a:prstGeom prst="straightConnector1">
+            <a:avLst/>
+          </a:prstGeom>
+          <a:ln w="25400">
+            <a:tailEnd type="triangle"/>
+          </a:ln>
+        </p:spPr>
+        <p:style>
+          <a:lnRef idx="1">
+            <a:schemeClr val="accent1"/>
+          </a:lnRef>
+          <a:fillRef idx="0">
+            <a:schemeClr val="accent1"/>
+          </a:fillRef>
+          <a:effectRef idx="0">
+            <a:schemeClr val="accent1"/>
+          </a:effectRef>
+          <a:fontRef idx="minor">
+            <a:schemeClr val="tx1"/>
+          </a:fontRef>
+        </p:style>
+      </p:cxnSp>
+      <p:sp>
+        <p:nvSpPr>
+          <p:cNvPr id="34" name="직사각형 33"/>
+          <p:cNvSpPr/>
+          <p:nvPr/>
+        </p:nvSpPr>
+        <p:spPr>
+          <a:xfrm>
+            <a:off x="8363896" y="3201681"/>
+            <a:ext cx="1162514" cy="733778"/>
+          </a:xfrm>
+          <a:prstGeom prst="rect">
+            <a:avLst/>
+          </a:prstGeom>
+          <a:noFill/>
+        </p:spPr>
+        <p:style>
+          <a:lnRef idx="2">
+            <a:schemeClr val="accent1">
+              <a:shade val="50000"/>
+            </a:schemeClr>
+          </a:lnRef>
+          <a:fillRef idx="1">
+            <a:schemeClr val="accent1"/>
+          </a:fillRef>
+          <a:effectRef idx="0">
+            <a:schemeClr val="accent1"/>
+          </a:effectRef>
+          <a:fontRef idx="minor">
+            <a:schemeClr val="lt1"/>
+          </a:fontRef>
+        </p:style>
+        <p:txBody>
+          <a:bodyPr rtlCol="0" anchor="ctr"/>
+          <a:lstStyle/>
+          <a:p>
+            <a:pPr algn="ctr"/>
+            <a:r>
+              <a:rPr lang="en-US" altLang="ko-KR" sz="1400" dirty="0" smtClean="0">
+                <a:solidFill>
+                  <a:schemeClr val="tx1"/>
+                </a:solidFill>
+              </a:rPr>
+              <a:t>egress</a:t>
+            </a:r>
+            <a:endParaRPr lang="en-US" altLang="ko-KR" sz="1400" dirty="0">
+              <a:solidFill>
+                <a:schemeClr val="tx1"/>
+              </a:solidFill>
+            </a:endParaRPr>
+          </a:p>
+          <a:p>
+            <a:pPr algn="ctr"/>
+            <a:r>
+              <a:rPr lang="en-US" altLang="ko-KR" sz="1400" dirty="0">
+                <a:solidFill>
+                  <a:schemeClr val="tx1"/>
+                </a:solidFill>
+              </a:rPr>
+              <a:t>gateway</a:t>
+            </a:r>
+          </a:p>
+          <a:p>
+            <a:pPr algn="ctr"/>
+            <a:r>
+              <a:rPr lang="en-US" altLang="ko-KR" sz="1400" dirty="0">
+                <a:solidFill>
+                  <a:schemeClr val="tx1"/>
+                </a:solidFill>
+              </a:rPr>
+              <a:t>pod</a:t>
+            </a:r>
+            <a:endParaRPr lang="ko-KR" altLang="en-US" sz="1400">
+              <a:solidFill>
+                <a:schemeClr val="tx1"/>
+              </a:solidFill>
+            </a:endParaRPr>
+          </a:p>
+        </p:txBody>
+      </p:sp>
+      <p:cxnSp>
+        <p:nvCxnSpPr>
+          <p:cNvPr id="37" name="꺾인 연결선 36"/>
+          <p:cNvCxnSpPr>
+            <a:stCxn id="11" idx="3"/>
+            <a:endCxn id="34" idx="0"/>
+          </p:cNvCxnSpPr>
+          <p:nvPr/>
+        </p:nvCxnSpPr>
+        <p:spPr>
+          <a:xfrm>
+            <a:off x="8237298" y="2552702"/>
+            <a:ext cx="707855" cy="648979"/>
+          </a:xfrm>
+          <a:prstGeom prst="bentConnector2">
+            <a:avLst/>
+          </a:prstGeom>
+          <a:ln w="25400">
+            <a:tailEnd type="triangle"/>
+          </a:ln>
+        </p:spPr>
+        <p:style>
+          <a:lnRef idx="1">
+            <a:schemeClr val="accent1"/>
+          </a:lnRef>
+          <a:fillRef idx="0">
+            <a:schemeClr val="accent1"/>
+          </a:fillRef>
+          <a:effectRef idx="0">
+            <a:schemeClr val="accent1"/>
+          </a:effectRef>
+          <a:fontRef idx="minor">
+            <a:schemeClr val="tx1"/>
+          </a:fontRef>
+        </p:style>
+      </p:cxnSp>
+      <p:sp>
+        <p:nvSpPr>
+          <p:cNvPr id="38" name="세로로 말린 두루마리 모양 37"/>
+          <p:cNvSpPr/>
+          <p:nvPr/>
+        </p:nvSpPr>
+        <p:spPr>
+          <a:xfrm>
+            <a:off x="9017482" y="1636642"/>
             <a:ext cx="1017856" cy="745066"/>
           </a:xfrm>
           <a:prstGeom prst="verticalScroll">
@@ -10228,7 +12051,7 @@
                   <a:schemeClr val="tx1"/>
                 </a:solidFill>
               </a:rPr>
-              <a:t>DestinationRule</a:t>
+              <a:t>ServiceEntry</a:t>
             </a:r>
             <a:endParaRPr lang="ko-KR" altLang="en-US" sz="1200">
               <a:solidFill>
@@ -10238,15 +12061,116 @@
           </a:p>
         </p:txBody>
       </p:sp>
-      <p:sp>
-        <p:nvSpPr>
-          <p:cNvPr id="36" name="세로로 말린 두루마리 모양 35"/>
+      <p:cxnSp>
+        <p:nvCxnSpPr>
+          <p:cNvPr id="39" name="꺾인 연결선 38"/>
+          <p:cNvCxnSpPr>
+            <a:stCxn id="34" idx="3"/>
+            <a:endCxn id="30" idx="2"/>
+          </p:cNvCxnSpPr>
+          <p:nvPr/>
+        </p:nvCxnSpPr>
+        <p:spPr>
+          <a:xfrm flipV="1">
+            <a:off x="9526410" y="2919591"/>
+            <a:ext cx="1719738" cy="648979"/>
+          </a:xfrm>
+          <a:prstGeom prst="bentConnector2">
+            <a:avLst/>
+          </a:prstGeom>
+          <a:ln w="25400">
+            <a:tailEnd type="triangle"/>
+          </a:ln>
+        </p:spPr>
+        <p:style>
+          <a:lnRef idx="1">
+            <a:schemeClr val="accent1"/>
+          </a:lnRef>
+          <a:fillRef idx="0">
+            <a:schemeClr val="accent1"/>
+          </a:fillRef>
+          <a:effectRef idx="0">
+            <a:schemeClr val="accent1"/>
+          </a:effectRef>
+          <a:fontRef idx="minor">
+            <a:schemeClr val="tx1"/>
+          </a:fontRef>
+        </p:style>
+      </p:cxnSp>
+      <p:cxnSp>
+        <p:nvCxnSpPr>
+          <p:cNvPr id="42" name="직선 화살표 연결선 41"/>
+          <p:cNvCxnSpPr>
+            <a:endCxn id="8" idx="1"/>
+          </p:cNvCxnSpPr>
+          <p:nvPr/>
+        </p:nvCxnSpPr>
+        <p:spPr>
+          <a:xfrm>
+            <a:off x="677333" y="2552702"/>
+            <a:ext cx="1219438" cy="0"/>
+          </a:xfrm>
+          <a:prstGeom prst="straightConnector1">
+            <a:avLst/>
+          </a:prstGeom>
+          <a:ln w="25400">
+            <a:tailEnd type="triangle"/>
+          </a:ln>
+        </p:spPr>
+        <p:style>
+          <a:lnRef idx="1">
+            <a:schemeClr val="accent1"/>
+          </a:lnRef>
+          <a:fillRef idx="0">
+            <a:schemeClr val="accent1"/>
+          </a:fillRef>
+          <a:effectRef idx="0">
+            <a:schemeClr val="accent1"/>
+          </a:effectRef>
+          <a:fontRef idx="minor">
+            <a:schemeClr val="tx1"/>
+          </a:fontRef>
+        </p:style>
+      </p:cxnSp>
+      <p:sp>
+        <p:nvSpPr>
+          <p:cNvPr id="45" name="TextBox 44"/>
+          <p:cNvSpPr txBox="1"/>
+          <p:nvPr/>
+        </p:nvSpPr>
+        <p:spPr>
+          <a:xfrm>
+            <a:off x="421430" y="939920"/>
+            <a:ext cx="620683" cy="369332"/>
+          </a:xfrm>
+          <a:prstGeom prst="rect">
+            <a:avLst/>
+          </a:prstGeom>
+          <a:noFill/>
+        </p:spPr>
+        <p:txBody>
+          <a:bodyPr wrap="none" rtlCol="0">
+            <a:spAutoFit/>
+          </a:bodyPr>
+          <a:lstStyle/>
+          <a:p>
+            <a:r>
+              <a:rPr lang="en-US" altLang="ko-KR" dirty="0" err="1" smtClean="0"/>
+              <a:t>Istio</a:t>
+            </a:r>
+            <a:endParaRPr lang="ko-KR" altLang="en-US"/>
+          </a:p>
+        </p:txBody>
+      </p:sp>
+      <p:sp>
+        <p:nvSpPr>
+          <p:cNvPr id="32" name="세로로 말린 두루마리 모양 31"/>
           <p:cNvSpPr/>
           <p:nvPr/>
         </p:nvSpPr>
         <p:spPr>
           <a:xfrm>
-            <a:off x="5767630" y="3567554"/>
+            <a:off x="3226464" y="3530342"/>
             <a:ext cx="1017856" cy="745066"/>
           </a:xfrm>
           <a:prstGeom prst="verticalScroll">
@@ -10298,13 +12222,13 @@
       </p:sp>
       <p:sp>
         <p:nvSpPr>
-          <p:cNvPr id="40" name="세로로 말린 두루마리 모양 39"/>
+          <p:cNvPr id="33" name="세로로 말린 두루마리 모양 32"/>
           <p:cNvSpPr/>
           <p:nvPr/>
         </p:nvSpPr>
         <p:spPr>
           <a:xfrm>
-            <a:off x="5784562" y="4385999"/>
+            <a:off x="3243396" y="4348787"/>
             <a:ext cx="1017856" cy="745066"/>
           </a:xfrm>
           <a:prstGeom prst="verticalScroll">
@@ -10356,13 +12280,13 @@
       </p:sp>
       <p:sp>
         <p:nvSpPr>
-          <p:cNvPr id="41" name="세로로 말린 두루마리 모양 40"/>
+          <p:cNvPr id="36" name="세로로 말린 두루마리 모양 35"/>
           <p:cNvSpPr/>
           <p:nvPr/>
         </p:nvSpPr>
         <p:spPr>
           <a:xfrm>
-            <a:off x="8431935" y="4018974"/>
+            <a:off x="5767630" y="3567554"/>
             <a:ext cx="1017856" cy="745066"/>
           </a:xfrm>
           <a:prstGeom prst="verticalScroll">
@@ -10397,12 +12321,12 @@
           <a:p>
             <a:pPr algn="ctr"/>
             <a:r>
-              <a:rPr lang="en-US" altLang="ko-KR" sz="1200" dirty="0" smtClean="0">
+              <a:rPr lang="en-US" altLang="ko-KR" sz="1200" dirty="0" err="1" smtClean="0">
                 <a:solidFill>
                   <a:schemeClr val="tx1"/>
                 </a:solidFill>
               </a:rPr>
-              <a:t>Gateway</a:t>
+              <a:t>VirtualSerivce</a:t>
             </a:r>
             <a:endParaRPr lang="ko-KR" altLang="en-US" sz="1200">
               <a:solidFill>
@@ -10414,13 +12338,13 @@
       </p:sp>
       <p:sp>
         <p:nvSpPr>
-          <p:cNvPr id="43" name="세로로 말린 두루마리 모양 42"/>
+          <p:cNvPr id="40" name="세로로 말린 두루마리 모양 39"/>
           <p:cNvSpPr/>
           <p:nvPr/>
         </p:nvSpPr>
         <p:spPr>
           <a:xfrm>
-            <a:off x="8405460" y="4816124"/>
+            <a:off x="5784562" y="4385999"/>
             <a:ext cx="1017856" cy="745066"/>
           </a:xfrm>
           <a:prstGeom prst="verticalScroll">
@@ -10460,7 +12384,7 @@
                   <a:schemeClr val="tx1"/>
                 </a:solidFill>
               </a:rPr>
-              <a:t>VirtualSerivce</a:t>
+              <a:t>DestinationRule</a:t>
             </a:r>
             <a:endParaRPr lang="ko-KR" altLang="en-US" sz="1200">
               <a:solidFill>
@@ -10472,13 +12396,13 @@
       </p:sp>
       <p:sp>
         <p:nvSpPr>
-          <p:cNvPr id="44" name="세로로 말린 두루마리 모양 43"/>
+          <p:cNvPr id="41" name="세로로 말린 두루마리 모양 40"/>
           <p:cNvSpPr/>
           <p:nvPr/>
         </p:nvSpPr>
         <p:spPr>
           <a:xfrm>
-            <a:off x="8380828" y="5634569"/>
+            <a:off x="8431935" y="4018974"/>
             <a:ext cx="1017856" cy="745066"/>
           </a:xfrm>
           <a:prstGeom prst="verticalScroll">
@@ -10513,12 +12437,12 @@
           <a:p>
             <a:pPr algn="ctr"/>
             <a:r>
-              <a:rPr lang="en-US" altLang="ko-KR" sz="1200" dirty="0" err="1" smtClean="0">
+              <a:rPr lang="en-US" altLang="ko-KR" sz="1200" dirty="0" smtClean="0">
                 <a:solidFill>
                   <a:schemeClr val="tx1"/>
                 </a:solidFill>
               </a:rPr>
-              <a:t>DestinationRule</a:t>
+              <a:t>Gateway</a:t>
             </a:r>
             <a:endParaRPr lang="ko-KR" altLang="en-US" sz="1200">
               <a:solidFill>
@@ -10528,10 +12452,643 @@
           </a:p>
         </p:txBody>
       </p:sp>
+      <p:sp>
+        <p:nvSpPr>
+          <p:cNvPr id="43" name="세로로 말린 두루마리 모양 42"/>
+          <p:cNvSpPr/>
+          <p:nvPr/>
+        </p:nvSpPr>
+        <p:spPr>
+          <a:xfrm>
+            <a:off x="8405460" y="4816124"/>
+            <a:ext cx="1017856" cy="745066"/>
+          </a:xfrm>
+          <a:prstGeom prst="verticalScroll">
+            <a:avLst/>
+          </a:prstGeom>
+          <a:noFill/>
+          <a:ln>
+            <a:solidFill>
+              <a:srgbClr val="FF0000"/>
+            </a:solidFill>
+          </a:ln>
+        </p:spPr>
+        <p:style>
+          <a:lnRef idx="2">
+            <a:schemeClr val="accent1">
+              <a:shade val="50000"/>
+            </a:schemeClr>
+          </a:lnRef>
+          <a:fillRef idx="1">
+            <a:schemeClr val="accent1"/>
+          </a:fillRef>
+          <a:effectRef idx="0">
+            <a:schemeClr val="accent1"/>
+          </a:effectRef>
+          <a:fontRef idx="minor">
+            <a:schemeClr val="lt1"/>
+          </a:fontRef>
+        </p:style>
+        <p:txBody>
+          <a:bodyPr rtlCol="0" anchor="ctr"/>
+          <a:lstStyle/>
+          <a:p>
+            <a:pPr algn="ctr"/>
+            <a:r>
+              <a:rPr lang="en-US" altLang="ko-KR" sz="1200" dirty="0" err="1" smtClean="0">
+                <a:solidFill>
+                  <a:schemeClr val="tx1"/>
+                </a:solidFill>
+              </a:rPr>
+              <a:t>VirtualSerivce</a:t>
+            </a:r>
+            <a:endParaRPr lang="ko-KR" altLang="en-US" sz="1200">
+              <a:solidFill>
+                <a:schemeClr val="tx1"/>
+              </a:solidFill>
+            </a:endParaRPr>
+          </a:p>
+        </p:txBody>
+      </p:sp>
+      <p:sp>
+        <p:nvSpPr>
+          <p:cNvPr id="44" name="세로로 말린 두루마리 모양 43"/>
+          <p:cNvSpPr/>
+          <p:nvPr/>
+        </p:nvSpPr>
+        <p:spPr>
+          <a:xfrm>
+            <a:off x="8380828" y="5634569"/>
+            <a:ext cx="1017856" cy="745066"/>
+          </a:xfrm>
+          <a:prstGeom prst="verticalScroll">
+            <a:avLst/>
+          </a:prstGeom>
+          <a:noFill/>
+          <a:ln>
+            <a:solidFill>
+              <a:srgbClr val="FF0000"/>
+            </a:solidFill>
+          </a:ln>
+        </p:spPr>
+        <p:style>
+          <a:lnRef idx="2">
+            <a:schemeClr val="accent1">
+              <a:shade val="50000"/>
+            </a:schemeClr>
+          </a:lnRef>
+          <a:fillRef idx="1">
+            <a:schemeClr val="accent1"/>
+          </a:fillRef>
+          <a:effectRef idx="0">
+            <a:schemeClr val="accent1"/>
+          </a:effectRef>
+          <a:fontRef idx="minor">
+            <a:schemeClr val="lt1"/>
+          </a:fontRef>
+        </p:style>
+        <p:txBody>
+          <a:bodyPr rtlCol="0" anchor="ctr"/>
+          <a:lstStyle/>
+          <a:p>
+            <a:pPr algn="ctr"/>
+            <a:r>
+              <a:rPr lang="en-US" altLang="ko-KR" sz="1200" dirty="0" err="1" smtClean="0">
+                <a:solidFill>
+                  <a:schemeClr val="tx1"/>
+                </a:solidFill>
+              </a:rPr>
+              <a:t>DestinationRule</a:t>
+            </a:r>
+            <a:endParaRPr lang="ko-KR" altLang="en-US" sz="1200">
+              <a:solidFill>
+                <a:schemeClr val="tx1"/>
+              </a:solidFill>
+            </a:endParaRPr>
+          </a:p>
+        </p:txBody>
+      </p:sp>
     </p:spTree>
     <p:extLst>
       <p:ext uri="{BB962C8B-B14F-4D97-AF65-F5344CB8AC3E}">
         <p14:creationId xmlns:p14="http://schemas.microsoft.com/office/powerpoint/2010/main" val="3051919313"/>
+      </p:ext>
+    </p:extLst>
+  </p:cSld>
+  <p:clrMapOvr>
+    <a:masterClrMapping/>
+  </p:clrMapOvr>
+</p:sld>
+</file>
+
+<file path=ppt/slides/slide9.xml><?xml version="1.0" encoding="utf-8"?>
+<p:sld xmlns:a="http://schemas.openxmlformats.org/drawingml/2006/main" xmlns:r="http://schemas.openxmlformats.org/officeDocument/2006/relationships" xmlns:p="http://schemas.openxmlformats.org/presentationml/2006/main">
+  <p:cSld>
+    <p:spTree>
+      <p:nvGrpSpPr>
+        <p:cNvPr id="1" name=""/>
+        <p:cNvGrpSpPr/>
+        <p:nvPr/>
+      </p:nvGrpSpPr>
+      <p:grpSpPr>
+        <a:xfrm>
+          <a:off x="0" y="0"/>
+          <a:ext cx="0" cy="0"/>
+          <a:chOff x="0" y="0"/>
+          <a:chExt cx="0" cy="0"/>
+        </a:xfrm>
+      </p:grpSpPr>
+      <p:sp>
+        <p:nvSpPr>
+          <p:cNvPr id="2" name="직사각형 1"/>
+          <p:cNvSpPr/>
+          <p:nvPr/>
+        </p:nvSpPr>
+        <p:spPr>
+          <a:xfrm>
+            <a:off x="0" y="633845"/>
+            <a:ext cx="6546273" cy="103909"/>
+          </a:xfrm>
+          <a:prstGeom prst="rect">
+            <a:avLst/>
+          </a:prstGeom>
+          <a:solidFill>
+            <a:schemeClr val="tx1">
+              <a:lumMod val="75000"/>
+              <a:lumOff val="25000"/>
+            </a:schemeClr>
+          </a:solidFill>
+          <a:ln>
+            <a:noFill/>
+          </a:ln>
+        </p:spPr>
+        <p:style>
+          <a:lnRef idx="2">
+            <a:schemeClr val="accent1">
+              <a:shade val="50000"/>
+            </a:schemeClr>
+          </a:lnRef>
+          <a:fillRef idx="1">
+            <a:schemeClr val="accent1"/>
+          </a:fillRef>
+          <a:effectRef idx="0">
+            <a:schemeClr val="accent1"/>
+          </a:effectRef>
+          <a:fontRef idx="minor">
+            <a:schemeClr val="lt1"/>
+          </a:fontRef>
+        </p:style>
+        <p:txBody>
+          <a:bodyPr rtlCol="0" anchor="ctr"/>
+          <a:lstStyle/>
+          <a:p>
+            <a:pPr algn="ctr"/>
+            <a:endParaRPr lang="ko-KR" altLang="en-US"/>
+          </a:p>
+        </p:txBody>
+      </p:sp>
+      <p:sp>
+        <p:nvSpPr>
+          <p:cNvPr id="3" name="직사각형 2"/>
+          <p:cNvSpPr/>
+          <p:nvPr/>
+        </p:nvSpPr>
+        <p:spPr>
+          <a:xfrm>
+            <a:off x="6547553" y="633846"/>
+            <a:ext cx="3029784" cy="108012"/>
+          </a:xfrm>
+          <a:prstGeom prst="rect">
+            <a:avLst/>
+          </a:prstGeom>
+          <a:solidFill>
+            <a:schemeClr val="accent1">
+              <a:lumMod val="75000"/>
+            </a:schemeClr>
+          </a:solidFill>
+          <a:ln>
+            <a:noFill/>
+          </a:ln>
+        </p:spPr>
+        <p:style>
+          <a:lnRef idx="2">
+            <a:schemeClr val="accent1">
+              <a:shade val="50000"/>
+            </a:schemeClr>
+          </a:lnRef>
+          <a:fillRef idx="1">
+            <a:schemeClr val="accent1"/>
+          </a:fillRef>
+          <a:effectRef idx="0">
+            <a:schemeClr val="accent1"/>
+          </a:effectRef>
+          <a:fontRef idx="minor">
+            <a:schemeClr val="lt1"/>
+          </a:fontRef>
+        </p:style>
+        <p:txBody>
+          <a:bodyPr rtlCol="0" anchor="ctr"/>
+          <a:lstStyle/>
+          <a:p>
+            <a:pPr algn="ctr"/>
+            <a:endParaRPr lang="ko-KR" altLang="en-US"/>
+          </a:p>
+        </p:txBody>
+      </p:sp>
+      <p:sp>
+        <p:nvSpPr>
+          <p:cNvPr id="4" name="직사각형 3"/>
+          <p:cNvSpPr/>
+          <p:nvPr/>
+        </p:nvSpPr>
+        <p:spPr>
+          <a:xfrm>
+            <a:off x="9577337" y="630380"/>
+            <a:ext cx="2607735" cy="107374"/>
+          </a:xfrm>
+          <a:prstGeom prst="rect">
+            <a:avLst/>
+          </a:prstGeom>
+          <a:solidFill>
+            <a:schemeClr val="bg1">
+              <a:lumMod val="65000"/>
+            </a:schemeClr>
+          </a:solidFill>
+          <a:ln>
+            <a:noFill/>
+          </a:ln>
+        </p:spPr>
+        <p:style>
+          <a:lnRef idx="2">
+            <a:schemeClr val="accent1">
+              <a:shade val="50000"/>
+            </a:schemeClr>
+          </a:lnRef>
+          <a:fillRef idx="1">
+            <a:schemeClr val="accent1"/>
+          </a:fillRef>
+          <a:effectRef idx="0">
+            <a:schemeClr val="accent1"/>
+          </a:effectRef>
+          <a:fontRef idx="minor">
+            <a:schemeClr val="lt1"/>
+          </a:fontRef>
+        </p:style>
+        <p:txBody>
+          <a:bodyPr rtlCol="0" anchor="ctr"/>
+          <a:lstStyle/>
+          <a:p>
+            <a:pPr algn="ctr"/>
+            <a:endParaRPr lang="ko-KR" altLang="en-US"/>
+          </a:p>
+        </p:txBody>
+      </p:sp>
+      <p:sp>
+        <p:nvSpPr>
+          <p:cNvPr id="5" name="TextBox 4"/>
+          <p:cNvSpPr txBox="1"/>
+          <p:nvPr/>
+        </p:nvSpPr>
+        <p:spPr>
+          <a:xfrm>
+            <a:off x="509154" y="187035"/>
+            <a:ext cx="2069797" cy="369332"/>
+          </a:xfrm>
+          <a:prstGeom prst="rect">
+            <a:avLst/>
+          </a:prstGeom>
+          <a:noFill/>
+        </p:spPr>
+        <p:txBody>
+          <a:bodyPr wrap="none" rtlCol="0">
+            <a:spAutoFit/>
+          </a:bodyPr>
+          <a:lstStyle/>
+          <a:p>
+            <a:r>
+              <a:rPr lang="en-US" altLang="ko-KR" b="1" dirty="0" err="1" smtClean="0"/>
+              <a:t>Istio</a:t>
+            </a:r>
+            <a:r>
+              <a:rPr lang="ko-KR" altLang="en-US" b="1" dirty="0" smtClean="0"/>
+              <a:t> 주요 </a:t>
+            </a:r>
+            <a:r>
+              <a:rPr lang="en-US" altLang="ko-KR" b="1" dirty="0" smtClean="0"/>
+              <a:t>objects</a:t>
+            </a:r>
+            <a:endParaRPr lang="ko-KR" altLang="en-US" b="1" dirty="0"/>
+          </a:p>
+        </p:txBody>
+      </p:sp>
+      <p:sp>
+        <p:nvSpPr>
+          <p:cNvPr id="45" name="TextBox 44"/>
+          <p:cNvSpPr txBox="1"/>
+          <p:nvPr/>
+        </p:nvSpPr>
+        <p:spPr>
+          <a:xfrm>
+            <a:off x="421430" y="960702"/>
+            <a:ext cx="11512511" cy="4031873"/>
+          </a:xfrm>
+          <a:prstGeom prst="rect">
+            <a:avLst/>
+          </a:prstGeom>
+          <a:noFill/>
+        </p:spPr>
+        <p:txBody>
+          <a:bodyPr wrap="none" rtlCol="0">
+            <a:spAutoFit/>
+          </a:bodyPr>
+          <a:lstStyle/>
+          <a:p>
+            <a:pPr marL="342900" indent="-342900">
+              <a:buAutoNum type="arabicPeriod"/>
+            </a:pPr>
+            <a:r>
+              <a:rPr lang="en-US" altLang="ko-KR" sz="1600" dirty="0" smtClean="0"/>
+              <a:t>Gateway</a:t>
+            </a:r>
+          </a:p>
+          <a:p>
+            <a:endParaRPr lang="en-US" altLang="ko-KR" sz="1600" dirty="0"/>
+          </a:p>
+          <a:p>
+            <a:r>
+              <a:rPr lang="en-US" altLang="ko-KR" sz="1600" dirty="0" smtClean="0"/>
+              <a:t>Gateway</a:t>
+            </a:r>
+            <a:r>
+              <a:rPr lang="ko-KR" altLang="en-US" sz="1600" dirty="0" smtClean="0"/>
+              <a:t>는 </a:t>
+            </a:r>
+            <a:r>
+              <a:rPr lang="en-US" altLang="ko-KR" sz="1600" dirty="0" smtClean="0"/>
+              <a:t>Service Mesh</a:t>
+            </a:r>
+            <a:r>
+              <a:rPr lang="ko-KR" altLang="en-US" sz="1600" dirty="0" smtClean="0"/>
+              <a:t>의 가장자리</a:t>
+            </a:r>
+            <a:r>
+              <a:rPr lang="en-US" altLang="ko-KR" sz="1600" dirty="0" smtClean="0"/>
+              <a:t>(edge)</a:t>
+            </a:r>
+            <a:r>
+              <a:rPr lang="ko-KR" altLang="en-US" sz="1600" dirty="0" smtClean="0"/>
+              <a:t>에 위치하여 </a:t>
+            </a:r>
+            <a:r>
+              <a:rPr lang="en-US" altLang="ko-KR" sz="1600" dirty="0" smtClean="0"/>
+              <a:t>Service Mesh</a:t>
+            </a:r>
+            <a:r>
+              <a:rPr lang="ko-KR" altLang="en-US" sz="1600" dirty="0" smtClean="0"/>
+              <a:t>로 들어오고 나가는 </a:t>
+            </a:r>
+            <a:r>
+              <a:rPr lang="en-US" altLang="ko-KR" sz="1600" dirty="0" smtClean="0"/>
+              <a:t>HTTP/TCP </a:t>
+            </a:r>
+            <a:r>
+              <a:rPr lang="ko-KR" altLang="en-US" sz="1600" dirty="0" smtClean="0"/>
+              <a:t>연결을 담당한다</a:t>
+            </a:r>
+            <a:r>
+              <a:rPr lang="en-US" altLang="ko-KR" sz="1600" dirty="0" smtClean="0"/>
+              <a:t>.</a:t>
+            </a:r>
+          </a:p>
+          <a:p>
+            <a:r>
+              <a:rPr lang="en-US" altLang="ko-KR" sz="1600" dirty="0" smtClean="0"/>
+              <a:t>selector</a:t>
+            </a:r>
+            <a:r>
+              <a:rPr lang="ko-KR" altLang="en-US" sz="1600" dirty="0" smtClean="0"/>
+              <a:t>에 의해 </a:t>
+            </a:r>
+            <a:r>
+              <a:rPr lang="en-US" altLang="ko-KR" sz="1600" dirty="0" smtClean="0"/>
+              <a:t>running proxy pod</a:t>
+            </a:r>
+            <a:r>
+              <a:rPr lang="ko-KR" altLang="en-US" sz="1600" dirty="0" smtClean="0"/>
+              <a:t>에 해당 설정을 적용한다</a:t>
+            </a:r>
+            <a:r>
+              <a:rPr lang="en-US" altLang="ko-KR" sz="1600" dirty="0" smtClean="0"/>
+              <a:t>.</a:t>
+            </a:r>
+            <a:r>
+              <a:rPr lang="en-US" altLang="ko-KR" sz="1600" dirty="0"/>
+              <a:t> </a:t>
+            </a:r>
+            <a:r>
+              <a:rPr lang="en-US" altLang="ko-KR" sz="1600" dirty="0" smtClean="0"/>
+              <a:t>Ingress </a:t>
+            </a:r>
+            <a:r>
+              <a:rPr lang="ko-KR" altLang="en-US" sz="1600" dirty="0" smtClean="0"/>
+              <a:t>경우 일반적으로 이야기는 하는 </a:t>
+            </a:r>
+            <a:r>
+              <a:rPr lang="en-US" altLang="ko-KR" sz="1600" dirty="0" smtClean="0"/>
+              <a:t>virtual hosting </a:t>
+            </a:r>
+            <a:r>
+              <a:rPr lang="ko-KR" altLang="en-US" sz="1600" dirty="0" smtClean="0"/>
+              <a:t>기능을</a:t>
+            </a:r>
+            <a:endParaRPr lang="en-US" altLang="ko-KR" sz="1600" dirty="0" smtClean="0"/>
+          </a:p>
+          <a:p>
+            <a:r>
+              <a:rPr lang="ko-KR" altLang="en-US" sz="1600" dirty="0" smtClean="0"/>
+              <a:t>제공한다고 이해하면 되고 </a:t>
+            </a:r>
+            <a:r>
+              <a:rPr lang="en-US" altLang="ko-KR" sz="1600" dirty="0" smtClean="0"/>
+              <a:t>TLS </a:t>
+            </a:r>
+            <a:r>
+              <a:rPr lang="ko-KR" altLang="en-US" sz="1600" dirty="0" smtClean="0"/>
+              <a:t>통신을 위한 서버인증 기능을 제공한다</a:t>
+            </a:r>
+            <a:r>
+              <a:rPr lang="en-US" altLang="ko-KR" sz="1600" dirty="0" smtClean="0"/>
+              <a:t>.</a:t>
+            </a:r>
+          </a:p>
+          <a:p>
+            <a:endParaRPr lang="en-US" altLang="ko-KR" sz="1600" dirty="0"/>
+          </a:p>
+          <a:p>
+            <a:r>
+              <a:rPr lang="en-US" altLang="ko-KR" sz="1600" dirty="0" smtClean="0"/>
+              <a:t>2. </a:t>
+            </a:r>
+            <a:r>
+              <a:rPr lang="en-US" altLang="ko-KR" sz="1600" dirty="0" err="1" smtClean="0"/>
+              <a:t>VirtualService</a:t>
+            </a:r>
+            <a:endParaRPr lang="en-US" altLang="ko-KR" sz="1600" dirty="0" smtClean="0"/>
+          </a:p>
+          <a:p>
+            <a:endParaRPr lang="en-US" altLang="ko-KR" sz="1600" dirty="0"/>
+          </a:p>
+          <a:p>
+            <a:r>
+              <a:rPr lang="ko-KR" altLang="en-US" sz="1600" dirty="0" err="1" smtClean="0"/>
+              <a:t>트래픽</a:t>
+            </a:r>
+            <a:r>
+              <a:rPr lang="ko-KR" altLang="en-US" sz="1600" dirty="0" smtClean="0"/>
+              <a:t> </a:t>
+            </a:r>
+            <a:r>
+              <a:rPr lang="ko-KR" altLang="en-US" sz="1600" dirty="0" err="1" smtClean="0"/>
+              <a:t>라우팅</a:t>
+            </a:r>
+            <a:r>
+              <a:rPr lang="ko-KR" altLang="en-US" sz="1600" dirty="0" smtClean="0"/>
+              <a:t> 정책을 설정하는 오브젝트로 </a:t>
+            </a:r>
+            <a:r>
+              <a:rPr lang="en-US" altLang="ko-KR" sz="1600" dirty="0" err="1" smtClean="0"/>
+              <a:t>istio</a:t>
+            </a:r>
+            <a:r>
+              <a:rPr lang="ko-KR" altLang="en-US" sz="1600" dirty="0" smtClean="0"/>
+              <a:t>의</a:t>
+            </a:r>
+            <a:r>
+              <a:rPr lang="en-US" altLang="ko-KR" sz="1600" dirty="0"/>
+              <a:t> </a:t>
+            </a:r>
+            <a:r>
+              <a:rPr lang="ko-KR" altLang="en-US" sz="1600" dirty="0" smtClean="0"/>
+              <a:t>주요 기능을 담당한다</a:t>
+            </a:r>
+            <a:r>
+              <a:rPr lang="en-US" altLang="ko-KR" sz="1600" dirty="0" smtClean="0"/>
+              <a:t>.</a:t>
+            </a:r>
+          </a:p>
+          <a:p>
+            <a:r>
+              <a:rPr lang="en-US" altLang="ko-KR" sz="1600" dirty="0"/>
+              <a:t> </a:t>
+            </a:r>
+            <a:r>
+              <a:rPr lang="en-US" altLang="ko-KR" sz="1600" dirty="0" smtClean="0"/>
+              <a:t>1) </a:t>
+            </a:r>
+            <a:r>
+              <a:rPr lang="ko-KR" altLang="en-US" sz="1600" dirty="0" err="1" smtClean="0"/>
+              <a:t>라우팅</a:t>
+            </a:r>
+            <a:r>
+              <a:rPr lang="en-US" altLang="ko-KR" sz="1600" dirty="0" smtClean="0"/>
+              <a:t>(HTTP URI matching, HTTP header matching, HTTP redirect, HTTP rewrite)</a:t>
+            </a:r>
+          </a:p>
+          <a:p>
+            <a:r>
+              <a:rPr lang="en-US" altLang="ko-KR" sz="1600" dirty="0" smtClean="0"/>
+              <a:t> 2) request-response timeout </a:t>
+            </a:r>
+            <a:r>
+              <a:rPr lang="ko-KR" altLang="en-US" sz="1600" dirty="0" smtClean="0"/>
+              <a:t>설정</a:t>
+            </a:r>
+            <a:endParaRPr lang="en-US" altLang="ko-KR" sz="1600" dirty="0" smtClean="0"/>
+          </a:p>
+          <a:p>
+            <a:r>
+              <a:rPr lang="en-US" altLang="ko-KR" sz="1600" dirty="0"/>
+              <a:t> 3</a:t>
+            </a:r>
+            <a:r>
+              <a:rPr lang="en-US" altLang="ko-KR" sz="1600" dirty="0" smtClean="0"/>
+              <a:t>) </a:t>
+            </a:r>
+            <a:r>
+              <a:rPr lang="en-US" altLang="ko-KR" sz="1600" dirty="0"/>
+              <a:t>Cross-Origin Resource Sharing (CORS) </a:t>
+            </a:r>
+            <a:r>
+              <a:rPr lang="en-US" altLang="ko-KR" sz="1600" dirty="0" smtClean="0"/>
+              <a:t>policy</a:t>
+            </a:r>
+          </a:p>
+          <a:p>
+            <a:r>
+              <a:rPr lang="en-US" altLang="ko-KR" sz="1600" dirty="0"/>
+              <a:t> 4</a:t>
+            </a:r>
+            <a:r>
+              <a:rPr lang="en-US" altLang="ko-KR" sz="1600" dirty="0" smtClean="0"/>
+              <a:t>) HTTP fault(delay, abort) injection</a:t>
+            </a:r>
+          </a:p>
+          <a:p>
+            <a:r>
+              <a:rPr lang="en-US" altLang="ko-KR" sz="1600" dirty="0"/>
+              <a:t> </a:t>
+            </a:r>
+            <a:r>
+              <a:rPr lang="en-US" altLang="ko-KR" sz="1600" dirty="0" smtClean="0"/>
+              <a:t>5) HTTP retry</a:t>
+            </a:r>
+          </a:p>
+          <a:p>
+            <a:r>
+              <a:rPr lang="en-US" altLang="ko-KR" sz="1600" dirty="0"/>
+              <a:t> </a:t>
+            </a:r>
+            <a:r>
+              <a:rPr lang="en-US" altLang="ko-KR" sz="1600" dirty="0" smtClean="0"/>
+              <a:t>6) Traffic mirror (</a:t>
+            </a:r>
+            <a:r>
+              <a:rPr lang="ko-KR" altLang="en-US" sz="1600" dirty="0" smtClean="0"/>
+              <a:t>복</a:t>
+            </a:r>
+            <a:r>
+              <a:rPr lang="ko-KR" altLang="en-US" sz="1600" dirty="0"/>
+              <a:t>제</a:t>
+            </a:r>
+            <a:r>
+              <a:rPr lang="en-US" altLang="ko-KR" sz="1600" dirty="0" smtClean="0"/>
+              <a:t>)</a:t>
+            </a:r>
+          </a:p>
+          <a:p>
+            <a:r>
+              <a:rPr lang="en-US" altLang="ko-KR" sz="1600" dirty="0"/>
+              <a:t> </a:t>
+            </a:r>
+            <a:r>
+              <a:rPr lang="en-US" altLang="ko-KR" sz="1600" dirty="0" smtClean="0"/>
+              <a:t>7) Traffic weight (</a:t>
+            </a:r>
+            <a:r>
+              <a:rPr lang="ko-KR" altLang="en-US" sz="1600" dirty="0" smtClean="0"/>
+              <a:t>가중치</a:t>
+            </a:r>
+            <a:r>
+              <a:rPr lang="en-US" altLang="ko-KR" sz="1600" dirty="0" smtClean="0"/>
+              <a:t>)</a:t>
+            </a:r>
+          </a:p>
+        </p:txBody>
+      </p:sp>
+    </p:spTree>
+    <p:extLst>
+      <p:ext uri="{BB962C8B-B14F-4D97-AF65-F5344CB8AC3E}">
+        <p14:creationId xmlns:p14="http://schemas.microsoft.com/office/powerpoint/2010/main" val="3972555507"/>
       </p:ext>
     </p:extLst>
   </p:cSld>
